--- a/Power point presentation TIC.pptx
+++ b/Power point presentation TIC.pptx
@@ -4,15 +4,18 @@
   <p:sldMasterIdLst>
     <p:sldMasterId id="2147483648" r:id="rId1"/>
   </p:sldMasterIdLst>
+  <p:notesMasterIdLst>
+    <p:notesMasterId r:id="rId10"/>
+  </p:notesMasterIdLst>
   <p:sldIdLst>
     <p:sldId id="256" r:id="rId2"/>
     <p:sldId id="257" r:id="rId3"/>
-    <p:sldId id="259" r:id="rId4"/>
-    <p:sldId id="264" r:id="rId5"/>
-    <p:sldId id="265" r:id="rId6"/>
-    <p:sldId id="258" r:id="rId7"/>
-    <p:sldId id="263" r:id="rId8"/>
-    <p:sldId id="262" r:id="rId9"/>
+    <p:sldId id="264" r:id="rId4"/>
+    <p:sldId id="265" r:id="rId5"/>
+    <p:sldId id="266" r:id="rId6"/>
+    <p:sldId id="267" r:id="rId7"/>
+    <p:sldId id="268" r:id="rId8"/>
+    <p:sldId id="258" r:id="rId9"/>
   </p:sldIdLst>
   <p:sldSz cx="12192000" cy="6858000"/>
   <p:notesSz cx="6858000" cy="9144000"/>
@@ -128,6 +131,440 @@
     </p:ext>
   </p:extLst>
 </p:presentation>
+</file>
+
+<file path=ppt/notesMasters/notesMaster1.xml><?xml version="1.0" encoding="utf-8"?>
+<p:notesMaster xmlns:a="http://schemas.openxmlformats.org/drawingml/2006/main" xmlns:r="http://schemas.openxmlformats.org/officeDocument/2006/relationships" xmlns:p="http://schemas.openxmlformats.org/presentationml/2006/main">
+  <p:cSld>
+    <p:bg>
+      <p:bgRef idx="1001">
+        <a:schemeClr val="bg1"/>
+      </p:bgRef>
+    </p:bg>
+    <p:spTree>
+      <p:nvGrpSpPr>
+        <p:cNvPr id="1" name=""/>
+        <p:cNvGrpSpPr/>
+        <p:nvPr/>
+      </p:nvGrpSpPr>
+      <p:grpSpPr>
+        <a:xfrm>
+          <a:off x="0" y="0"/>
+          <a:ext cx="0" cy="0"/>
+          <a:chOff x="0" y="0"/>
+          <a:chExt cx="0" cy="0"/>
+        </a:xfrm>
+      </p:grpSpPr>
+      <p:sp>
+        <p:nvSpPr>
+          <p:cNvPr id="2" name="Header Placeholder 1"/>
+          <p:cNvSpPr>
+            <a:spLocks noGrp="1"/>
+          </p:cNvSpPr>
+          <p:nvPr>
+            <p:ph type="hdr" sz="quarter"/>
+          </p:nvPr>
+        </p:nvSpPr>
+        <p:spPr>
+          <a:xfrm>
+            <a:off x="0" y="0"/>
+            <a:ext cx="2971800" cy="458788"/>
+          </a:xfrm>
+          <a:prstGeom prst="rect">
+            <a:avLst/>
+          </a:prstGeom>
+        </p:spPr>
+        <p:txBody>
+          <a:bodyPr vert="horz" lIns="91440" tIns="45720" rIns="91440" bIns="45720" rtlCol="0"/>
+          <a:lstStyle>
+            <a:lvl1pPr algn="l">
+              <a:defRPr sz="1200"/>
+            </a:lvl1pPr>
+          </a:lstStyle>
+          <a:p>
+            <a:endParaRPr lang="fr-CA"/>
+          </a:p>
+        </p:txBody>
+      </p:sp>
+      <p:sp>
+        <p:nvSpPr>
+          <p:cNvPr id="3" name="Date Placeholder 2"/>
+          <p:cNvSpPr>
+            <a:spLocks noGrp="1"/>
+          </p:cNvSpPr>
+          <p:nvPr>
+            <p:ph type="dt" idx="1"/>
+          </p:nvPr>
+        </p:nvSpPr>
+        <p:spPr>
+          <a:xfrm>
+            <a:off x="3884613" y="0"/>
+            <a:ext cx="2971800" cy="458788"/>
+          </a:xfrm>
+          <a:prstGeom prst="rect">
+            <a:avLst/>
+          </a:prstGeom>
+        </p:spPr>
+        <p:txBody>
+          <a:bodyPr vert="horz" lIns="91440" tIns="45720" rIns="91440" bIns="45720" rtlCol="0"/>
+          <a:lstStyle>
+            <a:lvl1pPr algn="r">
+              <a:defRPr sz="1200"/>
+            </a:lvl1pPr>
+          </a:lstStyle>
+          <a:p>
+            <a:fld id="{C9EB253B-DF19-447C-B6B7-3543B1E278C1}" type="datetimeFigureOut">
+              <a:rPr lang="fr-CA" smtClean="0"/>
+              <a:t>2024-01-01</a:t>
+            </a:fld>
+            <a:endParaRPr lang="fr-CA"/>
+          </a:p>
+        </p:txBody>
+      </p:sp>
+      <p:sp>
+        <p:nvSpPr>
+          <p:cNvPr id="4" name="Slide Image Placeholder 3"/>
+          <p:cNvSpPr>
+            <a:spLocks noGrp="1" noRot="1" noChangeAspect="1"/>
+          </p:cNvSpPr>
+          <p:nvPr>
+            <p:ph type="sldImg" idx="2"/>
+          </p:nvPr>
+        </p:nvSpPr>
+        <p:spPr>
+          <a:xfrm>
+            <a:off x="685800" y="1143000"/>
+            <a:ext cx="5486400" cy="3086100"/>
+          </a:xfrm>
+          <a:prstGeom prst="rect">
+            <a:avLst/>
+          </a:prstGeom>
+          <a:noFill/>
+          <a:ln w="12700">
+            <a:solidFill>
+              <a:prstClr val="black"/>
+            </a:solidFill>
+          </a:ln>
+        </p:spPr>
+        <p:txBody>
+          <a:bodyPr vert="horz" lIns="91440" tIns="45720" rIns="91440" bIns="45720" rtlCol="0" anchor="ctr"/>
+          <a:lstStyle/>
+          <a:p>
+            <a:endParaRPr lang="fr-CA"/>
+          </a:p>
+        </p:txBody>
+      </p:sp>
+      <p:sp>
+        <p:nvSpPr>
+          <p:cNvPr id="5" name="Notes Placeholder 4"/>
+          <p:cNvSpPr>
+            <a:spLocks noGrp="1"/>
+          </p:cNvSpPr>
+          <p:nvPr>
+            <p:ph type="body" sz="quarter" idx="3"/>
+          </p:nvPr>
+        </p:nvSpPr>
+        <p:spPr>
+          <a:xfrm>
+            <a:off x="685800" y="4400550"/>
+            <a:ext cx="5486400" cy="3600450"/>
+          </a:xfrm>
+          <a:prstGeom prst="rect">
+            <a:avLst/>
+          </a:prstGeom>
+        </p:spPr>
+        <p:txBody>
+          <a:bodyPr vert="horz" lIns="91440" tIns="45720" rIns="91440" bIns="45720" rtlCol="0"/>
+          <a:lstStyle/>
+          <a:p>
+            <a:pPr lvl="0"/>
+            <a:r>
+              <a:rPr lang="en-US"/>
+              <a:t>Click to edit Master text styles</a:t>
+            </a:r>
+          </a:p>
+          <a:p>
+            <a:pPr lvl="1"/>
+            <a:r>
+              <a:rPr lang="en-US"/>
+              <a:t>Second level</a:t>
+            </a:r>
+          </a:p>
+          <a:p>
+            <a:pPr lvl="2"/>
+            <a:r>
+              <a:rPr lang="en-US"/>
+              <a:t>Third level</a:t>
+            </a:r>
+          </a:p>
+          <a:p>
+            <a:pPr lvl="3"/>
+            <a:r>
+              <a:rPr lang="en-US"/>
+              <a:t>Fourth level</a:t>
+            </a:r>
+          </a:p>
+          <a:p>
+            <a:pPr lvl="4"/>
+            <a:r>
+              <a:rPr lang="en-US"/>
+              <a:t>Fifth level</a:t>
+            </a:r>
+            <a:endParaRPr lang="fr-CA"/>
+          </a:p>
+        </p:txBody>
+      </p:sp>
+      <p:sp>
+        <p:nvSpPr>
+          <p:cNvPr id="6" name="Footer Placeholder 5"/>
+          <p:cNvSpPr>
+            <a:spLocks noGrp="1"/>
+          </p:cNvSpPr>
+          <p:nvPr>
+            <p:ph type="ftr" sz="quarter" idx="4"/>
+          </p:nvPr>
+        </p:nvSpPr>
+        <p:spPr>
+          <a:xfrm>
+            <a:off x="0" y="8685213"/>
+            <a:ext cx="2971800" cy="458787"/>
+          </a:xfrm>
+          <a:prstGeom prst="rect">
+            <a:avLst/>
+          </a:prstGeom>
+        </p:spPr>
+        <p:txBody>
+          <a:bodyPr vert="horz" lIns="91440" tIns="45720" rIns="91440" bIns="45720" rtlCol="0" anchor="b"/>
+          <a:lstStyle>
+            <a:lvl1pPr algn="l">
+              <a:defRPr sz="1200"/>
+            </a:lvl1pPr>
+          </a:lstStyle>
+          <a:p>
+            <a:endParaRPr lang="fr-CA"/>
+          </a:p>
+        </p:txBody>
+      </p:sp>
+      <p:sp>
+        <p:nvSpPr>
+          <p:cNvPr id="7" name="Slide Number Placeholder 6"/>
+          <p:cNvSpPr>
+            <a:spLocks noGrp="1"/>
+          </p:cNvSpPr>
+          <p:nvPr>
+            <p:ph type="sldNum" sz="quarter" idx="5"/>
+          </p:nvPr>
+        </p:nvSpPr>
+        <p:spPr>
+          <a:xfrm>
+            <a:off x="3884613" y="8685213"/>
+            <a:ext cx="2971800" cy="458787"/>
+          </a:xfrm>
+          <a:prstGeom prst="rect">
+            <a:avLst/>
+          </a:prstGeom>
+        </p:spPr>
+        <p:txBody>
+          <a:bodyPr vert="horz" lIns="91440" tIns="45720" rIns="91440" bIns="45720" rtlCol="0" anchor="b"/>
+          <a:lstStyle>
+            <a:lvl1pPr algn="r">
+              <a:defRPr sz="1200"/>
+            </a:lvl1pPr>
+          </a:lstStyle>
+          <a:p>
+            <a:fld id="{57F8614C-A5EE-4B41-B81E-771905574213}" type="slidenum">
+              <a:rPr lang="fr-CA" smtClean="0"/>
+              <a:t>‹#›</a:t>
+            </a:fld>
+            <a:endParaRPr lang="fr-CA"/>
+          </a:p>
+        </p:txBody>
+      </p:sp>
+    </p:spTree>
+    <p:extLst>
+      <p:ext uri="{BB962C8B-B14F-4D97-AF65-F5344CB8AC3E}">
+        <p14:creationId xmlns:p14="http://schemas.microsoft.com/office/powerpoint/2010/main" val="1527180623"/>
+      </p:ext>
+    </p:extLst>
+  </p:cSld>
+  <p:clrMap bg1="lt1" tx1="dk1" bg2="lt2" tx2="dk2" accent1="accent1" accent2="accent2" accent3="accent3" accent4="accent4" accent5="accent5" accent6="accent6" hlink="hlink" folHlink="folHlink"/>
+  <p:notesStyle>
+    <a:lvl1pPr marL="0" algn="l" defTabSz="914400" rtl="0" eaLnBrk="1" latinLnBrk="0" hangingPunct="1">
+      <a:defRPr sz="1200" kern="1200">
+        <a:solidFill>
+          <a:schemeClr val="tx1"/>
+        </a:solidFill>
+        <a:latin typeface="+mn-lt"/>
+        <a:ea typeface="+mn-ea"/>
+        <a:cs typeface="+mn-cs"/>
+      </a:defRPr>
+    </a:lvl1pPr>
+    <a:lvl2pPr marL="457200" algn="l" defTabSz="914400" rtl="0" eaLnBrk="1" latinLnBrk="0" hangingPunct="1">
+      <a:defRPr sz="1200" kern="1200">
+        <a:solidFill>
+          <a:schemeClr val="tx1"/>
+        </a:solidFill>
+        <a:latin typeface="+mn-lt"/>
+        <a:ea typeface="+mn-ea"/>
+        <a:cs typeface="+mn-cs"/>
+      </a:defRPr>
+    </a:lvl2pPr>
+    <a:lvl3pPr marL="914400" algn="l" defTabSz="914400" rtl="0" eaLnBrk="1" latinLnBrk="0" hangingPunct="1">
+      <a:defRPr sz="1200" kern="1200">
+        <a:solidFill>
+          <a:schemeClr val="tx1"/>
+        </a:solidFill>
+        <a:latin typeface="+mn-lt"/>
+        <a:ea typeface="+mn-ea"/>
+        <a:cs typeface="+mn-cs"/>
+      </a:defRPr>
+    </a:lvl3pPr>
+    <a:lvl4pPr marL="1371600" algn="l" defTabSz="914400" rtl="0" eaLnBrk="1" latinLnBrk="0" hangingPunct="1">
+      <a:defRPr sz="1200" kern="1200">
+        <a:solidFill>
+          <a:schemeClr val="tx1"/>
+        </a:solidFill>
+        <a:latin typeface="+mn-lt"/>
+        <a:ea typeface="+mn-ea"/>
+        <a:cs typeface="+mn-cs"/>
+      </a:defRPr>
+    </a:lvl4pPr>
+    <a:lvl5pPr marL="1828800" algn="l" defTabSz="914400" rtl="0" eaLnBrk="1" latinLnBrk="0" hangingPunct="1">
+      <a:defRPr sz="1200" kern="1200">
+        <a:solidFill>
+          <a:schemeClr val="tx1"/>
+        </a:solidFill>
+        <a:latin typeface="+mn-lt"/>
+        <a:ea typeface="+mn-ea"/>
+        <a:cs typeface="+mn-cs"/>
+      </a:defRPr>
+    </a:lvl5pPr>
+    <a:lvl6pPr marL="2286000" algn="l" defTabSz="914400" rtl="0" eaLnBrk="1" latinLnBrk="0" hangingPunct="1">
+      <a:defRPr sz="1200" kern="1200">
+        <a:solidFill>
+          <a:schemeClr val="tx1"/>
+        </a:solidFill>
+        <a:latin typeface="+mn-lt"/>
+        <a:ea typeface="+mn-ea"/>
+        <a:cs typeface="+mn-cs"/>
+      </a:defRPr>
+    </a:lvl6pPr>
+    <a:lvl7pPr marL="2743200" algn="l" defTabSz="914400" rtl="0" eaLnBrk="1" latinLnBrk="0" hangingPunct="1">
+      <a:defRPr sz="1200" kern="1200">
+        <a:solidFill>
+          <a:schemeClr val="tx1"/>
+        </a:solidFill>
+        <a:latin typeface="+mn-lt"/>
+        <a:ea typeface="+mn-ea"/>
+        <a:cs typeface="+mn-cs"/>
+      </a:defRPr>
+    </a:lvl7pPr>
+    <a:lvl8pPr marL="3200400" algn="l" defTabSz="914400" rtl="0" eaLnBrk="1" latinLnBrk="0" hangingPunct="1">
+      <a:defRPr sz="1200" kern="1200">
+        <a:solidFill>
+          <a:schemeClr val="tx1"/>
+        </a:solidFill>
+        <a:latin typeface="+mn-lt"/>
+        <a:ea typeface="+mn-ea"/>
+        <a:cs typeface="+mn-cs"/>
+      </a:defRPr>
+    </a:lvl8pPr>
+    <a:lvl9pPr marL="3657600" algn="l" defTabSz="914400" rtl="0" eaLnBrk="1" latinLnBrk="0" hangingPunct="1">
+      <a:defRPr sz="1200" kern="1200">
+        <a:solidFill>
+          <a:schemeClr val="tx1"/>
+        </a:solidFill>
+        <a:latin typeface="+mn-lt"/>
+        <a:ea typeface="+mn-ea"/>
+        <a:cs typeface="+mn-cs"/>
+      </a:defRPr>
+    </a:lvl9pPr>
+  </p:notesStyle>
+</p:notesMaster>
+</file>
+
+<file path=ppt/notesSlides/notesSlide1.xml><?xml version="1.0" encoding="utf-8"?>
+<p:notes xmlns:a="http://schemas.openxmlformats.org/drawingml/2006/main" xmlns:r="http://schemas.openxmlformats.org/officeDocument/2006/relationships" xmlns:p="http://schemas.openxmlformats.org/presentationml/2006/main">
+  <p:cSld>
+    <p:spTree>
+      <p:nvGrpSpPr>
+        <p:cNvPr id="1" name=""/>
+        <p:cNvGrpSpPr/>
+        <p:nvPr/>
+      </p:nvGrpSpPr>
+      <p:grpSpPr>
+        <a:xfrm>
+          <a:off x="0" y="0"/>
+          <a:ext cx="0" cy="0"/>
+          <a:chOff x="0" y="0"/>
+          <a:chExt cx="0" cy="0"/>
+        </a:xfrm>
+      </p:grpSpPr>
+      <p:sp>
+        <p:nvSpPr>
+          <p:cNvPr id="2" name="Slide Image Placeholder 1"/>
+          <p:cNvSpPr>
+            <a:spLocks noGrp="1" noRot="1" noChangeAspect="1"/>
+          </p:cNvSpPr>
+          <p:nvPr>
+            <p:ph type="sldImg"/>
+          </p:nvPr>
+        </p:nvSpPr>
+        <p:spPr/>
+      </p:sp>
+      <p:sp>
+        <p:nvSpPr>
+          <p:cNvPr id="3" name="Notes Placeholder 2"/>
+          <p:cNvSpPr>
+            <a:spLocks noGrp="1"/>
+          </p:cNvSpPr>
+          <p:nvPr>
+            <p:ph type="body" idx="1"/>
+          </p:nvPr>
+        </p:nvSpPr>
+        <p:spPr/>
+        <p:txBody>
+          <a:bodyPr/>
+          <a:lstStyle/>
+          <a:p>
+            <a:endParaRPr lang="fr-CA" dirty="0"/>
+          </a:p>
+        </p:txBody>
+      </p:sp>
+      <p:sp>
+        <p:nvSpPr>
+          <p:cNvPr id="4" name="Slide Number Placeholder 3"/>
+          <p:cNvSpPr>
+            <a:spLocks noGrp="1"/>
+          </p:cNvSpPr>
+          <p:nvPr>
+            <p:ph type="sldNum" sz="quarter" idx="5"/>
+          </p:nvPr>
+        </p:nvSpPr>
+        <p:spPr/>
+        <p:txBody>
+          <a:bodyPr/>
+          <a:lstStyle/>
+          <a:p>
+            <a:fld id="{57F8614C-A5EE-4B41-B81E-771905574213}" type="slidenum">
+              <a:rPr lang="fr-CA" smtClean="0"/>
+              <a:t>3</a:t>
+            </a:fld>
+            <a:endParaRPr lang="fr-CA"/>
+          </a:p>
+        </p:txBody>
+      </p:sp>
+    </p:spTree>
+    <p:extLst>
+      <p:ext uri="{BB962C8B-B14F-4D97-AF65-F5344CB8AC3E}">
+        <p14:creationId xmlns:p14="http://schemas.microsoft.com/office/powerpoint/2010/main" val="1009441200"/>
+      </p:ext>
+    </p:extLst>
+  </p:cSld>
+  <p:clrMapOvr>
+    <a:masterClrMapping/>
+  </p:clrMapOvr>
+</p:notes>
 </file>
 
 <file path=ppt/slideLayouts/slideLayout1.xml><?xml version="1.0" encoding="utf-8"?>
@@ -5209,7 +5646,7 @@
     <p:bg>
       <p:bgPr>
         <a:solidFill>
-          <a:srgbClr val="078963"/>
+          <a:srgbClr val="0C112E"/>
         </a:solidFill>
         <a:effectLst/>
       </p:bgPr>
@@ -5228,12 +5665,443 @@
           <a:chExt cx="0" cy="0"/>
         </a:xfrm>
       </p:grpSpPr>
+      <p:grpSp>
+        <p:nvGrpSpPr>
+          <p:cNvPr id="24" name="Group 23">
+            <a:extLst>
+              <a:ext uri="{FF2B5EF4-FFF2-40B4-BE49-F238E27FC236}">
+                <a16:creationId xmlns:a16="http://schemas.microsoft.com/office/drawing/2014/main" id="{53FDA048-6D10-46E1-8704-D5F6F6457470}"/>
+              </a:ext>
+            </a:extLst>
+          </p:cNvPr>
+          <p:cNvGrpSpPr/>
+          <p:nvPr/>
+        </p:nvGrpSpPr>
+        <p:grpSpPr>
+          <a:xfrm>
+            <a:off x="-1640474" y="-862856"/>
+            <a:ext cx="8923846" cy="8583712"/>
+            <a:chOff x="-1612339" y="-862856"/>
+            <a:chExt cx="8923846" cy="8583712"/>
+          </a:xfrm>
+        </p:grpSpPr>
+        <p:sp>
+          <p:nvSpPr>
+            <p:cNvPr id="7" name="Freeform: Shape 6">
+              <a:extLst>
+                <a:ext uri="{FF2B5EF4-FFF2-40B4-BE49-F238E27FC236}">
+                  <a16:creationId xmlns:a16="http://schemas.microsoft.com/office/drawing/2014/main" id="{08970E4A-6686-448D-A856-5389238C0185}"/>
+                </a:ext>
+              </a:extLst>
+            </p:cNvPr>
+            <p:cNvSpPr/>
+            <p:nvPr/>
+          </p:nvSpPr>
+          <p:spPr>
+            <a:xfrm rot="2700000">
+              <a:off x="-1213672" y="-804323"/>
+              <a:ext cx="8583711" cy="8466647"/>
+            </a:xfrm>
+            <a:custGeom>
+              <a:avLst/>
+              <a:gdLst>
+                <a:gd name="connsiteX0" fmla="*/ 0 w 8583711"/>
+                <a:gd name="connsiteY0" fmla="*/ 3617309 h 8466647"/>
+                <a:gd name="connsiteX1" fmla="*/ 3617308 w 8583711"/>
+                <a:gd name="connsiteY1" fmla="*/ 0 h 8466647"/>
+                <a:gd name="connsiteX2" fmla="*/ 7113718 w 8583711"/>
+                <a:gd name="connsiteY2" fmla="*/ 0 h 8466647"/>
+                <a:gd name="connsiteX3" fmla="*/ 8583711 w 8583711"/>
+                <a:gd name="connsiteY3" fmla="*/ 1469993 h 8466647"/>
+                <a:gd name="connsiteX4" fmla="*/ 8583711 w 8583711"/>
+                <a:gd name="connsiteY4" fmla="*/ 4732274 h 8466647"/>
+                <a:gd name="connsiteX5" fmla="*/ 4849338 w 8583711"/>
+                <a:gd name="connsiteY5" fmla="*/ 8466647 h 8466647"/>
+              </a:gdLst>
+              <a:ahLst/>
+              <a:cxnLst>
+                <a:cxn ang="0">
+                  <a:pos x="connsiteX0" y="connsiteY0"/>
+                </a:cxn>
+                <a:cxn ang="0">
+                  <a:pos x="connsiteX1" y="connsiteY1"/>
+                </a:cxn>
+                <a:cxn ang="0">
+                  <a:pos x="connsiteX2" y="connsiteY2"/>
+                </a:cxn>
+                <a:cxn ang="0">
+                  <a:pos x="connsiteX3" y="connsiteY3"/>
+                </a:cxn>
+                <a:cxn ang="0">
+                  <a:pos x="connsiteX4" y="connsiteY4"/>
+                </a:cxn>
+                <a:cxn ang="0">
+                  <a:pos x="connsiteX5" y="connsiteY5"/>
+                </a:cxn>
+              </a:cxnLst>
+              <a:rect l="l" t="t" r="r" b="b"/>
+              <a:pathLst>
+                <a:path w="8583711" h="8466647">
+                  <a:moveTo>
+                    <a:pt x="0" y="3617309"/>
+                  </a:moveTo>
+                  <a:lnTo>
+                    <a:pt x="3617308" y="0"/>
+                  </a:lnTo>
+                  <a:lnTo>
+                    <a:pt x="7113718" y="0"/>
+                  </a:lnTo>
+                  <a:cubicBezTo>
+                    <a:pt x="7925573" y="0"/>
+                    <a:pt x="8583711" y="658138"/>
+                    <a:pt x="8583711" y="1469993"/>
+                  </a:cubicBezTo>
+                  <a:lnTo>
+                    <a:pt x="8583711" y="4732274"/>
+                  </a:lnTo>
+                  <a:lnTo>
+                    <a:pt x="4849338" y="8466647"/>
+                  </a:lnTo>
+                  <a:close/>
+                </a:path>
+              </a:pathLst>
+            </a:custGeom>
+            <a:gradFill flip="none" rotWithShape="1">
+              <a:gsLst>
+                <a:gs pos="57000">
+                  <a:srgbClr val="00B0F0"/>
+                </a:gs>
+                <a:gs pos="55000">
+                  <a:srgbClr val="00B0F0"/>
+                </a:gs>
+                <a:gs pos="47000">
+                  <a:srgbClr val="00B0F0"/>
+                </a:gs>
+                <a:gs pos="62000">
+                  <a:srgbClr val="00B0F0"/>
+                </a:gs>
+                <a:gs pos="74000">
+                  <a:srgbClr val="002060"/>
+                </a:gs>
+                <a:gs pos="38000">
+                  <a:srgbClr val="002060"/>
+                </a:gs>
+              </a:gsLst>
+              <a:path path="circle">
+                <a:fillToRect l="100000" t="100000"/>
+              </a:path>
+              <a:tileRect r="-100000" b="-100000"/>
+            </a:gradFill>
+            <a:ln>
+              <a:noFill/>
+            </a:ln>
+          </p:spPr>
+          <p:style>
+            <a:lnRef idx="2">
+              <a:schemeClr val="accent1">
+                <a:shade val="50000"/>
+              </a:schemeClr>
+            </a:lnRef>
+            <a:fillRef idx="1">
+              <a:schemeClr val="accent1"/>
+            </a:fillRef>
+            <a:effectRef idx="0">
+              <a:schemeClr val="accent1"/>
+            </a:effectRef>
+            <a:fontRef idx="minor">
+              <a:schemeClr val="lt1"/>
+            </a:fontRef>
+          </p:style>
+          <p:txBody>
+            <a:bodyPr wrap="square" rtlCol="0" anchor="ctr">
+              <a:noAutofit/>
+            </a:bodyPr>
+            <a:lstStyle/>
+            <a:p>
+              <a:pPr algn="ctr"/>
+              <a:endParaRPr lang="fr-CA" dirty="0"/>
+            </a:p>
+          </p:txBody>
+        </p:sp>
+        <p:sp>
+          <p:nvSpPr>
+            <p:cNvPr id="9" name="Freeform: Shape 8">
+              <a:extLst>
+                <a:ext uri="{FF2B5EF4-FFF2-40B4-BE49-F238E27FC236}">
+                  <a16:creationId xmlns:a16="http://schemas.microsoft.com/office/drawing/2014/main" id="{F91FB3D1-7BE0-43C5-A00B-2BE4D6926F66}"/>
+                </a:ext>
+              </a:extLst>
+            </p:cNvPr>
+            <p:cNvSpPr/>
+            <p:nvPr/>
+          </p:nvSpPr>
+          <p:spPr>
+            <a:xfrm rot="2700000">
+              <a:off x="-1670871" y="-804324"/>
+              <a:ext cx="8583711" cy="8466647"/>
+            </a:xfrm>
+            <a:custGeom>
+              <a:avLst/>
+              <a:gdLst>
+                <a:gd name="connsiteX0" fmla="*/ 0 w 8583711"/>
+                <a:gd name="connsiteY0" fmla="*/ 3617309 h 8466647"/>
+                <a:gd name="connsiteX1" fmla="*/ 3617308 w 8583711"/>
+                <a:gd name="connsiteY1" fmla="*/ 0 h 8466647"/>
+                <a:gd name="connsiteX2" fmla="*/ 7113718 w 8583711"/>
+                <a:gd name="connsiteY2" fmla="*/ 0 h 8466647"/>
+                <a:gd name="connsiteX3" fmla="*/ 8583711 w 8583711"/>
+                <a:gd name="connsiteY3" fmla="*/ 1469993 h 8466647"/>
+                <a:gd name="connsiteX4" fmla="*/ 8583711 w 8583711"/>
+                <a:gd name="connsiteY4" fmla="*/ 4732274 h 8466647"/>
+                <a:gd name="connsiteX5" fmla="*/ 4849338 w 8583711"/>
+                <a:gd name="connsiteY5" fmla="*/ 8466647 h 8466647"/>
+              </a:gdLst>
+              <a:ahLst/>
+              <a:cxnLst>
+                <a:cxn ang="0">
+                  <a:pos x="connsiteX0" y="connsiteY0"/>
+                </a:cxn>
+                <a:cxn ang="0">
+                  <a:pos x="connsiteX1" y="connsiteY1"/>
+                </a:cxn>
+                <a:cxn ang="0">
+                  <a:pos x="connsiteX2" y="connsiteY2"/>
+                </a:cxn>
+                <a:cxn ang="0">
+                  <a:pos x="connsiteX3" y="connsiteY3"/>
+                </a:cxn>
+                <a:cxn ang="0">
+                  <a:pos x="connsiteX4" y="connsiteY4"/>
+                </a:cxn>
+                <a:cxn ang="0">
+                  <a:pos x="connsiteX5" y="connsiteY5"/>
+                </a:cxn>
+              </a:cxnLst>
+              <a:rect l="l" t="t" r="r" b="b"/>
+              <a:pathLst>
+                <a:path w="8583711" h="8466647">
+                  <a:moveTo>
+                    <a:pt x="0" y="3617309"/>
+                  </a:moveTo>
+                  <a:lnTo>
+                    <a:pt x="3617308" y="0"/>
+                  </a:lnTo>
+                  <a:lnTo>
+                    <a:pt x="7113718" y="0"/>
+                  </a:lnTo>
+                  <a:cubicBezTo>
+                    <a:pt x="7925573" y="0"/>
+                    <a:pt x="8583711" y="658138"/>
+                    <a:pt x="8583711" y="1469993"/>
+                  </a:cubicBezTo>
+                  <a:lnTo>
+                    <a:pt x="8583711" y="4732274"/>
+                  </a:lnTo>
+                  <a:lnTo>
+                    <a:pt x="4849338" y="8466647"/>
+                  </a:lnTo>
+                  <a:close/>
+                </a:path>
+              </a:pathLst>
+            </a:custGeom>
+            <a:blipFill dpi="0" rotWithShape="0">
+              <a:blip r:embed="rId3"/>
+              <a:srcRect/>
+              <a:stretch>
+                <a:fillRect/>
+              </a:stretch>
+            </a:blipFill>
+            <a:ln>
+              <a:noFill/>
+            </a:ln>
+          </p:spPr>
+          <p:style>
+            <a:lnRef idx="2">
+              <a:schemeClr val="accent1">
+                <a:shade val="50000"/>
+              </a:schemeClr>
+            </a:lnRef>
+            <a:fillRef idx="1">
+              <a:schemeClr val="accent1"/>
+            </a:fillRef>
+            <a:effectRef idx="0">
+              <a:schemeClr val="accent1"/>
+            </a:effectRef>
+            <a:fontRef idx="minor">
+              <a:schemeClr val="lt1"/>
+            </a:fontRef>
+          </p:style>
+          <p:txBody>
+            <a:bodyPr wrap="square" rtlCol="0" anchor="ctr">
+              <a:noAutofit/>
+            </a:bodyPr>
+            <a:lstStyle/>
+            <a:p>
+              <a:pPr algn="ctr"/>
+              <a:endParaRPr lang="fr-CA" dirty="0"/>
+            </a:p>
+          </p:txBody>
+        </p:sp>
+      </p:grpSp>
+      <p:sp>
+        <p:nvSpPr>
+          <p:cNvPr id="13" name="Rectangle 12">
+            <a:extLst>
+              <a:ext uri="{FF2B5EF4-FFF2-40B4-BE49-F238E27FC236}">
+                <a16:creationId xmlns:a16="http://schemas.microsoft.com/office/drawing/2014/main" id="{A465816C-9683-499C-BA7B-6FD5E9719C5C}"/>
+              </a:ext>
+            </a:extLst>
+          </p:cNvPr>
+          <p:cNvSpPr/>
+          <p:nvPr/>
+        </p:nvSpPr>
+        <p:spPr>
+          <a:xfrm>
+            <a:off x="7333014" y="495376"/>
+            <a:ext cx="4680857" cy="1938992"/>
+          </a:xfrm>
+          <a:prstGeom prst="rect">
+            <a:avLst/>
+          </a:prstGeom>
+          <a:noFill/>
+        </p:spPr>
+        <p:txBody>
+          <a:bodyPr wrap="square" lIns="91440" tIns="45720" rIns="91440" bIns="45720">
+            <a:spAutoFit/>
+          </a:bodyPr>
+          <a:lstStyle/>
+          <a:p>
+            <a:pPr algn="ctr"/>
+            <a:r>
+              <a:rPr lang="en-US" sz="4000" b="1" spc="50" dirty="0">
+                <a:ln w="0"/>
+                <a:solidFill>
+                  <a:schemeClr val="bg2"/>
+                </a:solidFill>
+                <a:effectLst>
+                  <a:innerShdw blurRad="63500" dist="50800" dir="13500000">
+                    <a:srgbClr val="000000">
+                      <a:alpha val="50000"/>
+                    </a:srgbClr>
+                  </a:innerShdw>
+                </a:effectLst>
+                <a:latin typeface="Gisha" panose="020B0502040204020203" pitchFamily="34" charset="-79"/>
+                <a:cs typeface="Gisha" panose="020B0502040204020203" pitchFamily="34" charset="-79"/>
+              </a:rPr>
+              <a:t>Information &amp; Communication </a:t>
+            </a:r>
+            <a:r>
+              <a:rPr lang="en-US" sz="4000" b="1" spc="50" dirty="0">
+                <a:ln w="0"/>
+                <a:solidFill>
+                  <a:schemeClr val="bg2"/>
+                </a:solidFill>
+                <a:effectLst>
+                  <a:innerShdw blurRad="63500" dist="50800" dir="13500000">
+                    <a:srgbClr val="000000">
+                      <a:alpha val="50000"/>
+                    </a:srgbClr>
+                  </a:innerShdw>
+                  <a:reflection blurRad="6350" stA="50000" endA="300" endPos="50000" dist="60007" dir="5400000" sy="-100000" algn="bl" rotWithShape="0"/>
+                </a:effectLst>
+                <a:latin typeface="Gisha" panose="020B0502040204020203" pitchFamily="34" charset="-79"/>
+                <a:cs typeface="Gisha" panose="020B0502040204020203" pitchFamily="34" charset="-79"/>
+              </a:rPr>
+              <a:t>Technology</a:t>
+            </a:r>
+            <a:endParaRPr lang="en-US" sz="4000" b="1" cap="none" spc="50" dirty="0">
+              <a:ln w="0"/>
+              <a:solidFill>
+                <a:schemeClr val="bg2"/>
+              </a:solidFill>
+              <a:effectLst>
+                <a:innerShdw blurRad="63500" dist="50800" dir="13500000">
+                  <a:srgbClr val="000000">
+                    <a:alpha val="50000"/>
+                  </a:srgbClr>
+                </a:innerShdw>
+                <a:reflection blurRad="6350" stA="50000" endA="300" endPos="50000" dist="60007" dir="5400000" sy="-100000" algn="bl" rotWithShape="0"/>
+              </a:effectLst>
+              <a:latin typeface="Gisha" panose="020B0502040204020203" pitchFamily="34" charset="-79"/>
+              <a:cs typeface="Gisha" panose="020B0502040204020203" pitchFamily="34" charset="-79"/>
+            </a:endParaRPr>
+          </a:p>
+        </p:txBody>
+      </p:sp>
+      <p:sp>
+        <p:nvSpPr>
+          <p:cNvPr id="15" name="TextBox 14">
+            <a:extLst>
+              <a:ext uri="{FF2B5EF4-FFF2-40B4-BE49-F238E27FC236}">
+                <a16:creationId xmlns:a16="http://schemas.microsoft.com/office/drawing/2014/main" id="{F3CE0F40-C96C-4146-AD04-A1651B14684E}"/>
+              </a:ext>
+            </a:extLst>
+          </p:cNvPr>
+          <p:cNvSpPr txBox="1"/>
+          <p:nvPr/>
+        </p:nvSpPr>
+        <p:spPr>
+          <a:xfrm>
+            <a:off x="8871724" y="5531627"/>
+            <a:ext cx="1383740" cy="830997"/>
+          </a:xfrm>
+          <a:prstGeom prst="rect">
+            <a:avLst/>
+          </a:prstGeom>
+          <a:noFill/>
+          <a:ln w="9525" cap="flat" cmpd="sng" algn="ctr">
+            <a:solidFill>
+              <a:schemeClr val="accent5"/>
+            </a:solidFill>
+            <a:prstDash val="solid"/>
+            <a:round/>
+            <a:headEnd type="none" w="med" len="med"/>
+            <a:tailEnd type="none" w="med" len="med"/>
+          </a:ln>
+        </p:spPr>
+        <p:style>
+          <a:lnRef idx="0">
+            <a:scrgbClr r="0" g="0" b="0"/>
+          </a:lnRef>
+          <a:fillRef idx="0">
+            <a:scrgbClr r="0" g="0" b="0"/>
+          </a:fillRef>
+          <a:effectRef idx="0">
+            <a:scrgbClr r="0" g="0" b="0"/>
+          </a:effectRef>
+          <a:fontRef idx="minor">
+            <a:schemeClr val="accent5"/>
+          </a:fontRef>
+        </p:style>
+        <p:txBody>
+          <a:bodyPr wrap="square" rtlCol="0">
+            <a:spAutoFit/>
+          </a:bodyPr>
+          <a:lstStyle/>
+          <a:p>
+            <a:pPr algn="ctr"/>
+            <a:r>
+              <a:rPr lang="fr-FR" sz="4800" dirty="0">
+                <a:solidFill>
+                  <a:srgbClr val="00B0F0"/>
+                </a:solidFill>
+              </a:rPr>
+              <a:t>ICT</a:t>
+            </a:r>
+            <a:endParaRPr lang="fr-CA" sz="4800" dirty="0">
+              <a:solidFill>
+                <a:srgbClr val="00B0F0"/>
+              </a:solidFill>
+            </a:endParaRPr>
+          </a:p>
+        </p:txBody>
+      </p:sp>
       <p:pic>
         <p:nvPicPr>
-          <p:cNvPr id="2" name="Picture 4">
-            <a:extLst>
-              <a:ext uri="{FF2B5EF4-FFF2-40B4-BE49-F238E27FC236}">
-                <a16:creationId xmlns:a16="http://schemas.microsoft.com/office/drawing/2014/main" id="{89E9B728-2086-4E4F-94AC-C097F6291D28}"/>
+          <p:cNvPr id="1030" name="Picture 6" descr="circuit, board, electronics, technology ">
+            <a:extLst>
+              <a:ext uri="{FF2B5EF4-FFF2-40B4-BE49-F238E27FC236}">
+                <a16:creationId xmlns:a16="http://schemas.microsoft.com/office/drawing/2014/main" id="{71661210-EDD8-44F6-9812-E15BC0EE0E8A}"/>
               </a:ext>
             </a:extLst>
           </p:cNvPr>
@@ -5243,7 +6111,14 @@
           <p:nvPr/>
         </p:nvPicPr>
         <p:blipFill>
-          <a:blip r:embed="rId2">
+          <a:blip r:embed="rId4">
+            <a:duotone>
+              <a:schemeClr val="accent1">
+                <a:shade val="45000"/>
+                <a:satMod val="135000"/>
+              </a:schemeClr>
+              <a:prstClr val="white"/>
+            </a:duotone>
             <a:extLst>
               <a:ext uri="{28A0092B-C50C-407E-A947-70E740481C1C}">
                 <a14:useLocalDpi xmlns:a14="http://schemas.microsoft.com/office/drawing/2010/main" val="0"/>
@@ -5257,8 +6132,8 @@
         </p:blipFill>
         <p:spPr bwMode="auto">
           <a:xfrm>
-            <a:off x="863766" y="-1714500"/>
-            <a:ext cx="2571750" cy="1505953"/>
+            <a:off x="10820400" y="2262199"/>
+            <a:ext cx="1078675" cy="1166800"/>
           </a:xfrm>
           <a:prstGeom prst="rect">
             <a:avLst/>
@@ -5277,57 +6152,563 @@
       </p:pic>
       <p:pic>
         <p:nvPicPr>
-          <p:cNvPr id="7172" name="Picture 4">
-            <a:extLst>
-              <a:ext uri="{FF2B5EF4-FFF2-40B4-BE49-F238E27FC236}">
-                <a16:creationId xmlns:a16="http://schemas.microsoft.com/office/drawing/2014/main" id="{17AF2E6F-B835-4227-88B4-F518170B065D}"/>
+          <p:cNvPr id="16" name="Picture 15">
+            <a:extLst>
+              <a:ext uri="{FF2B5EF4-FFF2-40B4-BE49-F238E27FC236}">
+                <a16:creationId xmlns:a16="http://schemas.microsoft.com/office/drawing/2014/main" id="{440036A5-440A-4A72-8CA9-AE39705B94DD}"/>
               </a:ext>
             </a:extLst>
           </p:cNvPr>
           <p:cNvPicPr>
-            <a:picLocks noChangeAspect="1" noChangeArrowheads="1"/>
+            <a:picLocks noChangeAspect="1"/>
           </p:cNvPicPr>
           <p:nvPr/>
         </p:nvPicPr>
         <p:blipFill>
-          <a:blip r:embed="rId3">
-            <a:extLst>
-              <a:ext uri="{28A0092B-C50C-407E-A947-70E740481C1C}">
-                <a14:useLocalDpi xmlns:a14="http://schemas.microsoft.com/office/drawing/2010/main" val="0"/>
-              </a:ext>
-            </a:extLst>
+          <a:blip r:embed="rId5">
+            <a:duotone>
+              <a:schemeClr val="accent5">
+                <a:shade val="45000"/>
+                <a:satMod val="135000"/>
+              </a:schemeClr>
+              <a:prstClr val="white"/>
+            </a:duotone>
           </a:blip>
-          <a:srcRect/>
           <a:stretch>
             <a:fillRect/>
           </a:stretch>
         </p:blipFill>
-        <p:spPr bwMode="auto">
+        <p:spPr>
           <a:xfrm>
-            <a:off x="6096000" y="-1923047"/>
-            <a:ext cx="1714500" cy="1714500"/>
+            <a:off x="8879432" y="3076092"/>
+            <a:ext cx="815668" cy="905570"/>
+          </a:xfrm>
+          <a:prstGeom prst="rect">
+            <a:avLst/>
+          </a:prstGeom>
+        </p:spPr>
+      </p:pic>
+      <p:pic>
+        <p:nvPicPr>
+          <p:cNvPr id="20" name="Picture 19">
+            <a:extLst>
+              <a:ext uri="{FF2B5EF4-FFF2-40B4-BE49-F238E27FC236}">
+                <a16:creationId xmlns:a16="http://schemas.microsoft.com/office/drawing/2014/main" id="{79BBA34F-CE1D-4F1D-AACB-B761FF96F802}"/>
+              </a:ext>
+            </a:extLst>
+          </p:cNvPr>
+          <p:cNvPicPr>
+            <a:picLocks noChangeAspect="1"/>
+          </p:cNvPicPr>
+          <p:nvPr/>
+        </p:nvPicPr>
+        <p:blipFill>
+          <a:blip r:embed="rId5">
+            <a:duotone>
+              <a:schemeClr val="accent5">
+                <a:shade val="45000"/>
+                <a:satMod val="135000"/>
+              </a:schemeClr>
+              <a:prstClr val="white"/>
+            </a:duotone>
+          </a:blip>
+          <a:stretch>
+            <a:fillRect/>
+          </a:stretch>
+        </p:blipFill>
+        <p:spPr>
+          <a:xfrm>
+            <a:off x="7333014" y="5909839"/>
+            <a:ext cx="815668" cy="905570"/>
+          </a:xfrm>
+          <a:prstGeom prst="rect">
+            <a:avLst/>
+          </a:prstGeom>
+        </p:spPr>
+      </p:pic>
+      <p:pic>
+        <p:nvPicPr>
+          <p:cNvPr id="17" name="Picture 16">
+            <a:extLst>
+              <a:ext uri="{FF2B5EF4-FFF2-40B4-BE49-F238E27FC236}">
+                <a16:creationId xmlns:a16="http://schemas.microsoft.com/office/drawing/2014/main" id="{09118310-ECA9-4C38-A350-9E57B051B302}"/>
+              </a:ext>
+            </a:extLst>
+          </p:cNvPr>
+          <p:cNvPicPr>
+            <a:picLocks noChangeAspect="1"/>
+          </p:cNvPicPr>
+          <p:nvPr/>
+        </p:nvPicPr>
+        <p:blipFill>
+          <a:blip r:embed="rId6">
+            <a:duotone>
+              <a:schemeClr val="accent1">
+                <a:shade val="45000"/>
+                <a:satMod val="135000"/>
+              </a:schemeClr>
+              <a:prstClr val="white"/>
+            </a:duotone>
+          </a:blip>
+          <a:stretch>
+            <a:fillRect/>
+          </a:stretch>
+        </p:blipFill>
+        <p:spPr>
+          <a:xfrm>
+            <a:off x="11289475" y="4453275"/>
+            <a:ext cx="609600" cy="1166800"/>
+          </a:xfrm>
+          <a:prstGeom prst="rect">
+            <a:avLst/>
+          </a:prstGeom>
+        </p:spPr>
+      </p:pic>
+      <p:sp>
+        <p:nvSpPr>
+          <p:cNvPr id="19" name="TextBox 18">
+            <a:extLst>
+              <a:ext uri="{FF2B5EF4-FFF2-40B4-BE49-F238E27FC236}">
+                <a16:creationId xmlns:a16="http://schemas.microsoft.com/office/drawing/2014/main" id="{5AAF07D7-7318-4FB7-9AFF-C8053C296A95}"/>
+              </a:ext>
+            </a:extLst>
+          </p:cNvPr>
+          <p:cNvSpPr txBox="1"/>
+          <p:nvPr/>
+        </p:nvSpPr>
+        <p:spPr>
+          <a:xfrm>
+            <a:off x="8390891" y="5033643"/>
+            <a:ext cx="3499032" cy="461665"/>
           </a:xfrm>
           <a:prstGeom prst="rect">
             <a:avLst/>
           </a:prstGeom>
           <a:noFill/>
-          <a:extLst>
-            <a:ext uri="{909E8E84-426E-40DD-AFC4-6F175D3DCCD1}">
-              <a14:hiddenFill xmlns:a14="http://schemas.microsoft.com/office/drawing/2010/main">
+        </p:spPr>
+        <p:txBody>
+          <a:bodyPr wrap="square" rtlCol="0">
+            <a:spAutoFit/>
+          </a:bodyPr>
+          <a:lstStyle/>
+          <a:p>
+            <a:r>
+              <a:rPr lang="en-GB" sz="2400" dirty="0">
                 <a:solidFill>
-                  <a:srgbClr val="FFFFFF"/>
+                  <a:schemeClr val="bg1"/>
                 </a:solidFill>
-              </a14:hiddenFill>
-            </a:ext>
-          </a:extLst>
+                <a:effectLst>
+                  <a:glow rad="228600">
+                    <a:schemeClr val="accent5">
+                      <a:satMod val="175000"/>
+                      <a:alpha val="40000"/>
+                    </a:schemeClr>
+                  </a:glow>
+                </a:effectLst>
+                <a:latin typeface="Team"/>
+              </a:rPr>
+              <a:t>Realised by Group 22</a:t>
+            </a:r>
+          </a:p>
+        </p:txBody>
+      </p:sp>
+      <p:sp>
+        <p:nvSpPr>
+          <p:cNvPr id="21" name="TextBox 20">
+            <a:extLst>
+              <a:ext uri="{FF2B5EF4-FFF2-40B4-BE49-F238E27FC236}">
+                <a16:creationId xmlns:a16="http://schemas.microsoft.com/office/drawing/2014/main" id="{810D47EF-4A82-47F5-8774-AD9DC91F6D97}"/>
+              </a:ext>
+            </a:extLst>
+          </p:cNvPr>
+          <p:cNvSpPr txBox="1"/>
+          <p:nvPr/>
+        </p:nvSpPr>
+        <p:spPr>
+          <a:xfrm>
+            <a:off x="9784393" y="6118059"/>
+            <a:ext cx="2752105" cy="707886"/>
+          </a:xfrm>
+          <a:prstGeom prst="rect">
+            <a:avLst/>
+          </a:prstGeom>
+          <a:noFill/>
         </p:spPr>
-      </p:pic>
-      <p:sp>
-        <p:nvSpPr>
-          <p:cNvPr id="3" name="Flowchart: Document 2">
-            <a:extLst>
-              <a:ext uri="{FF2B5EF4-FFF2-40B4-BE49-F238E27FC236}">
-                <a16:creationId xmlns:a16="http://schemas.microsoft.com/office/drawing/2014/main" id="{66727F3B-D167-460B-AFB7-DB49C1869A08}"/>
+        <p:txBody>
+          <a:bodyPr wrap="square" rtlCol="0">
+            <a:spAutoFit/>
+          </a:bodyPr>
+          <a:lstStyle/>
+          <a:p>
+            <a:pPr algn="ctr"/>
+            <a:r>
+              <a:rPr lang="fr-FR" sz="2000" dirty="0">
+                <a:solidFill>
+                  <a:schemeClr val="bg1"/>
+                </a:solidFill>
+              </a:rPr>
+              <a:t>03/01/2024</a:t>
+            </a:r>
+          </a:p>
+          <a:p>
+            <a:pPr algn="ctr"/>
+            <a:r>
+              <a:rPr lang="fr-FR" sz="2000" dirty="0">
+                <a:solidFill>
+                  <a:schemeClr val="bg1"/>
+                </a:solidFill>
+              </a:rPr>
+              <a:t>USTHB</a:t>
+            </a:r>
+            <a:r>
+              <a:rPr lang="fr-FR" sz="2000" dirty="0"/>
+              <a:t> </a:t>
+            </a:r>
+            <a:endParaRPr lang="fr-CA" sz="2000" dirty="0"/>
+          </a:p>
+        </p:txBody>
+      </p:sp>
+    </p:spTree>
+    <p:extLst>
+      <p:ext uri="{BB962C8B-B14F-4D97-AF65-F5344CB8AC3E}">
+        <p14:creationId xmlns:p14="http://schemas.microsoft.com/office/powerpoint/2010/main" val="2501319956"/>
+      </p:ext>
+    </p:extLst>
+  </p:cSld>
+  <p:clrMapOvr>
+    <a:masterClrMapping/>
+  </p:clrMapOvr>
+  <p:timing>
+    <p:tnLst>
+      <p:par>
+        <p:cTn id="1" dur="indefinite" restart="never" nodeType="tmRoot">
+          <p:childTnLst>
+            <p:seq concurrent="1" nextAc="seek">
+              <p:cTn id="2" dur="indefinite" nodeType="mainSeq">
+                <p:childTnLst>
+                  <p:par>
+                    <p:cTn id="3" fill="hold">
+                      <p:stCondLst>
+                        <p:cond delay="indefinite"/>
+                      </p:stCondLst>
+                      <p:childTnLst>
+                        <p:par>
+                          <p:cTn id="4" fill="hold">
+                            <p:stCondLst>
+                              <p:cond delay="0"/>
+                            </p:stCondLst>
+                            <p:childTnLst>
+                              <p:par>
+                                <p:cTn id="5" presetID="1" presetClass="entr" presetSubtype="0" fill="hold" grpId="0" nodeType="clickEffect">
+                                  <p:stCondLst>
+                                    <p:cond delay="0"/>
+                                  </p:stCondLst>
+                                  <p:childTnLst>
+                                    <p:set>
+                                      <p:cBhvr>
+                                        <p:cTn id="6" dur="1" fill="hold">
+                                          <p:stCondLst>
+                                            <p:cond delay="0"/>
+                                          </p:stCondLst>
+                                        </p:cTn>
+                                        <p:tgtEl>
+                                          <p:spTgt spid="13"/>
+                                        </p:tgtEl>
+                                        <p:attrNameLst>
+                                          <p:attrName>style.visibility</p:attrName>
+                                        </p:attrNameLst>
+                                      </p:cBhvr>
+                                      <p:to>
+                                        <p:strVal val="visible"/>
+                                      </p:to>
+                                    </p:set>
+                                  </p:childTnLst>
+                                </p:cTn>
+                              </p:par>
+                            </p:childTnLst>
+                          </p:cTn>
+                        </p:par>
+                        <p:par>
+                          <p:cTn id="7" fill="hold">
+                            <p:stCondLst>
+                              <p:cond delay="0"/>
+                            </p:stCondLst>
+                            <p:childTnLst>
+                              <p:par>
+                                <p:cTn id="8" presetID="42" presetClass="path" presetSubtype="0" accel="50000" decel="50000" fill="hold" grpId="0" nodeType="afterEffect">
+                                  <p:stCondLst>
+                                    <p:cond delay="0"/>
+                                  </p:stCondLst>
+                                  <p:childTnLst>
+                                    <p:animMotion origin="layout" path="M -0.00495 0.17338 L 4.79167E-6 4.44444E-6 " pathEditMode="relative" rAng="0" ptsTypes="AA">
+                                      <p:cBhvr>
+                                        <p:cTn id="9" dur="2000" fill="hold"/>
+                                        <p:tgtEl>
+                                          <p:spTgt spid="15"/>
+                                        </p:tgtEl>
+                                        <p:attrNameLst>
+                                          <p:attrName>ppt_x</p:attrName>
+                                          <p:attrName>ppt_y</p:attrName>
+                                        </p:attrNameLst>
+                                      </p:cBhvr>
+                                      <p:rCtr x="247" y="-8681"/>
+                                    </p:animMotion>
+                                  </p:childTnLst>
+                                </p:cTn>
+                              </p:par>
+                            </p:childTnLst>
+                          </p:cTn>
+                        </p:par>
+                        <p:par>
+                          <p:cTn id="10" fill="hold">
+                            <p:stCondLst>
+                              <p:cond delay="2000"/>
+                            </p:stCondLst>
+                            <p:childTnLst>
+                              <p:par>
+                                <p:cTn id="11" presetID="42" presetClass="path" presetSubtype="0" accel="50000" decel="50000" fill="hold" grpId="0" nodeType="afterEffect">
+                                  <p:stCondLst>
+                                    <p:cond delay="0"/>
+                                  </p:stCondLst>
+                                  <p:childTnLst>
+                                    <p:animMotion origin="layout" path="M 0.01055 0.08426 L -1.45833E-6 3.7037E-7 " pathEditMode="relative" rAng="0" ptsTypes="AA">
+                                      <p:cBhvr>
+                                        <p:cTn id="12" dur="2000" fill="hold"/>
+                                        <p:tgtEl>
+                                          <p:spTgt spid="21"/>
+                                        </p:tgtEl>
+                                        <p:attrNameLst>
+                                          <p:attrName>ppt_x</p:attrName>
+                                          <p:attrName>ppt_y</p:attrName>
+                                        </p:attrNameLst>
+                                      </p:cBhvr>
+                                      <p:rCtr x="0" y="-6806"/>
+                                    </p:animMotion>
+                                  </p:childTnLst>
+                                </p:cTn>
+                              </p:par>
+                              <p:par>
+                                <p:cTn id="13" presetID="21" presetClass="entr" presetSubtype="1" fill="hold" grpId="0" nodeType="withEffect">
+                                  <p:stCondLst>
+                                    <p:cond delay="0"/>
+                                  </p:stCondLst>
+                                  <p:childTnLst>
+                                    <p:set>
+                                      <p:cBhvr>
+                                        <p:cTn id="14" dur="1" fill="hold">
+                                          <p:stCondLst>
+                                            <p:cond delay="0"/>
+                                          </p:stCondLst>
+                                        </p:cTn>
+                                        <p:tgtEl>
+                                          <p:spTgt spid="19"/>
+                                        </p:tgtEl>
+                                        <p:attrNameLst>
+                                          <p:attrName>style.visibility</p:attrName>
+                                        </p:attrNameLst>
+                                      </p:cBhvr>
+                                      <p:to>
+                                        <p:strVal val="visible"/>
+                                      </p:to>
+                                    </p:set>
+                                    <p:animEffect transition="in" filter="wheel(1)">
+                                      <p:cBhvr>
+                                        <p:cTn id="15" dur="2000"/>
+                                        <p:tgtEl>
+                                          <p:spTgt spid="19"/>
+                                        </p:tgtEl>
+                                      </p:cBhvr>
+                                    </p:animEffect>
+                                  </p:childTnLst>
+                                </p:cTn>
+                              </p:par>
+                              <p:par>
+                                <p:cTn id="16" presetID="53" presetClass="entr" presetSubtype="16" fill="hold" nodeType="withEffect">
+                                  <p:stCondLst>
+                                    <p:cond delay="0"/>
+                                  </p:stCondLst>
+                                  <p:childTnLst>
+                                    <p:set>
+                                      <p:cBhvr>
+                                        <p:cTn id="17" dur="1" fill="hold">
+                                          <p:stCondLst>
+                                            <p:cond delay="0"/>
+                                          </p:stCondLst>
+                                        </p:cTn>
+                                        <p:tgtEl>
+                                          <p:spTgt spid="16"/>
+                                        </p:tgtEl>
+                                        <p:attrNameLst>
+                                          <p:attrName>style.visibility</p:attrName>
+                                        </p:attrNameLst>
+                                      </p:cBhvr>
+                                      <p:to>
+                                        <p:strVal val="visible"/>
+                                      </p:to>
+                                    </p:set>
+                                    <p:anim calcmode="lin" valueType="num">
+                                      <p:cBhvr>
+                                        <p:cTn id="18" dur="500" fill="hold"/>
+                                        <p:tgtEl>
+                                          <p:spTgt spid="16"/>
+                                        </p:tgtEl>
+                                        <p:attrNameLst>
+                                          <p:attrName>ppt_w</p:attrName>
+                                        </p:attrNameLst>
+                                      </p:cBhvr>
+                                      <p:tavLst>
+                                        <p:tav tm="0">
+                                          <p:val>
+                                            <p:fltVal val="0"/>
+                                          </p:val>
+                                        </p:tav>
+                                        <p:tav tm="100000">
+                                          <p:val>
+                                            <p:strVal val="#ppt_w"/>
+                                          </p:val>
+                                        </p:tav>
+                                      </p:tavLst>
+                                    </p:anim>
+                                    <p:anim calcmode="lin" valueType="num">
+                                      <p:cBhvr>
+                                        <p:cTn id="19" dur="500" fill="hold"/>
+                                        <p:tgtEl>
+                                          <p:spTgt spid="16"/>
+                                        </p:tgtEl>
+                                        <p:attrNameLst>
+                                          <p:attrName>ppt_h</p:attrName>
+                                        </p:attrNameLst>
+                                      </p:cBhvr>
+                                      <p:tavLst>
+                                        <p:tav tm="0">
+                                          <p:val>
+                                            <p:fltVal val="0"/>
+                                          </p:val>
+                                        </p:tav>
+                                        <p:tav tm="100000">
+                                          <p:val>
+                                            <p:strVal val="#ppt_h"/>
+                                          </p:val>
+                                        </p:tav>
+                                      </p:tavLst>
+                                    </p:anim>
+                                    <p:animEffect transition="in" filter="fade">
+                                      <p:cBhvr>
+                                        <p:cTn id="20" dur="500"/>
+                                        <p:tgtEl>
+                                          <p:spTgt spid="16"/>
+                                        </p:tgtEl>
+                                      </p:cBhvr>
+                                    </p:animEffect>
+                                  </p:childTnLst>
+                                </p:cTn>
+                              </p:par>
+                            </p:childTnLst>
+                          </p:cTn>
+                        </p:par>
+                      </p:childTnLst>
+                    </p:cTn>
+                  </p:par>
+                </p:childTnLst>
+              </p:cTn>
+              <p:prevCondLst>
+                <p:cond evt="onPrev" delay="0">
+                  <p:tgtEl>
+                    <p:sldTgt/>
+                  </p:tgtEl>
+                </p:cond>
+              </p:prevCondLst>
+              <p:nextCondLst>
+                <p:cond evt="onNext" delay="0">
+                  <p:tgtEl>
+                    <p:sldTgt/>
+                  </p:tgtEl>
+                </p:cond>
+              </p:nextCondLst>
+            </p:seq>
+          </p:childTnLst>
+        </p:cTn>
+      </p:par>
+    </p:tnLst>
+    <p:bldLst>
+      <p:bldP spid="13" grpId="0"/>
+      <p:bldP spid="15" grpId="0" animBg="1"/>
+      <p:bldP spid="19" grpId="0"/>
+      <p:bldP spid="21" grpId="0"/>
+    </p:bldLst>
+  </p:timing>
+</p:sld>
+</file>
+
+<file path=ppt/slides/slide4.xml><?xml version="1.0" encoding="utf-8"?>
+<p:sld xmlns:a="http://schemas.openxmlformats.org/drawingml/2006/main" xmlns:r="http://schemas.openxmlformats.org/officeDocument/2006/relationships" xmlns:p="http://schemas.openxmlformats.org/presentationml/2006/main">
+  <p:cSld>
+    <p:bg>
+      <p:bgPr>
+        <a:gradFill flip="none" rotWithShape="1">
+          <a:gsLst>
+            <a:gs pos="100000">
+              <a:schemeClr val="accent5">
+                <a:lumMod val="40000"/>
+                <a:lumOff val="60000"/>
+              </a:schemeClr>
+            </a:gs>
+            <a:gs pos="64000">
+              <a:schemeClr val="accent5">
+                <a:lumMod val="60000"/>
+                <a:lumOff val="40000"/>
+              </a:schemeClr>
+            </a:gs>
+            <a:gs pos="100000">
+              <a:schemeClr val="accent5">
+                <a:lumMod val="40000"/>
+                <a:lumOff val="60000"/>
+              </a:schemeClr>
+            </a:gs>
+            <a:gs pos="0">
+              <a:schemeClr val="bg1"/>
+            </a:gs>
+            <a:gs pos="0">
+              <a:srgbClr val="FEFEFF"/>
+            </a:gs>
+            <a:gs pos="1000">
+              <a:srgbClr val="FFFFFF"/>
+            </a:gs>
+            <a:gs pos="85000">
+              <a:schemeClr val="accent5">
+                <a:lumMod val="40000"/>
+                <a:lumOff val="60000"/>
+              </a:schemeClr>
+            </a:gs>
+          </a:gsLst>
+          <a:path path="circle">
+            <a:fillToRect l="100000" t="100000"/>
+          </a:path>
+          <a:tileRect r="-100000" b="-100000"/>
+        </a:gradFill>
+        <a:effectLst/>
+      </p:bgPr>
+    </p:bg>
+    <p:spTree>
+      <p:nvGrpSpPr>
+        <p:cNvPr id="1" name=""/>
+        <p:cNvGrpSpPr/>
+        <p:nvPr/>
+      </p:nvGrpSpPr>
+      <p:grpSpPr>
+        <a:xfrm>
+          <a:off x="0" y="0"/>
+          <a:ext cx="0" cy="0"/>
+          <a:chOff x="0" y="0"/>
+          <a:chExt cx="0" cy="0"/>
+        </a:xfrm>
+      </p:grpSpPr>
+      <p:sp>
+        <p:nvSpPr>
+          <p:cNvPr id="25" name="Freeform: Shape 24">
+            <a:extLst>
+              <a:ext uri="{FF2B5EF4-FFF2-40B4-BE49-F238E27FC236}">
+                <a16:creationId xmlns:a16="http://schemas.microsoft.com/office/drawing/2014/main" id="{A684BF7D-8D76-465C-B154-DB4FDF1961C4}"/>
               </a:ext>
             </a:extLst>
           </p:cNvPr>
@@ -5336,62 +6717,30 @@
         </p:nvSpPr>
         <p:spPr>
           <a:xfrm>
-            <a:off x="0" y="0"/>
-            <a:ext cx="12192000" cy="2872162"/>
+            <a:off x="3490942" y="2087346"/>
+            <a:ext cx="1496423" cy="520506"/>
           </a:xfrm>
           <a:custGeom>
             <a:avLst/>
             <a:gdLst>
-              <a:gd name="connsiteX0" fmla="*/ 0 w 21600"/>
-              <a:gd name="connsiteY0" fmla="*/ 0 h 21600"/>
-              <a:gd name="connsiteX1" fmla="*/ 21600 w 21600"/>
-              <a:gd name="connsiteY1" fmla="*/ 0 h 21600"/>
-              <a:gd name="connsiteX2" fmla="*/ 21600 w 21600"/>
-              <a:gd name="connsiteY2" fmla="*/ 17322 h 21600"/>
-              <a:gd name="connsiteX3" fmla="*/ 0 w 21600"/>
-              <a:gd name="connsiteY3" fmla="*/ 20172 h 21600"/>
-              <a:gd name="connsiteX4" fmla="*/ 0 w 21600"/>
-              <a:gd name="connsiteY4" fmla="*/ 0 h 21600"/>
-              <a:gd name="connsiteX0" fmla="*/ 0 w 21600"/>
-              <a:gd name="connsiteY0" fmla="*/ 0 h 20822"/>
-              <a:gd name="connsiteX1" fmla="*/ 21600 w 21600"/>
-              <a:gd name="connsiteY1" fmla="*/ 0 h 20822"/>
-              <a:gd name="connsiteX2" fmla="*/ 21600 w 21600"/>
-              <a:gd name="connsiteY2" fmla="*/ 17322 h 20822"/>
-              <a:gd name="connsiteX3" fmla="*/ 12733 w 21600"/>
-              <a:gd name="connsiteY3" fmla="*/ 13427 h 20822"/>
-              <a:gd name="connsiteX4" fmla="*/ 0 w 21600"/>
-              <a:gd name="connsiteY4" fmla="*/ 20172 h 20822"/>
-              <a:gd name="connsiteX5" fmla="*/ 0 w 21600"/>
-              <a:gd name="connsiteY5" fmla="*/ 0 h 20822"/>
-              <a:gd name="connsiteX0" fmla="*/ 0 w 21600"/>
-              <a:gd name="connsiteY0" fmla="*/ 0 h 20904"/>
-              <a:gd name="connsiteX1" fmla="*/ 21600 w 21600"/>
-              <a:gd name="connsiteY1" fmla="*/ 0 h 20904"/>
-              <a:gd name="connsiteX2" fmla="*/ 21600 w 21600"/>
-              <a:gd name="connsiteY2" fmla="*/ 17322 h 20904"/>
-              <a:gd name="connsiteX3" fmla="*/ 12733 w 21600"/>
-              <a:gd name="connsiteY3" fmla="*/ 13427 h 20904"/>
-              <a:gd name="connsiteX4" fmla="*/ 6793 w 21600"/>
-              <a:gd name="connsiteY4" fmla="*/ 15295 h 20904"/>
-              <a:gd name="connsiteX5" fmla="*/ 0 w 21600"/>
-              <a:gd name="connsiteY5" fmla="*/ 20172 h 20904"/>
-              <a:gd name="connsiteX6" fmla="*/ 0 w 21600"/>
-              <a:gd name="connsiteY6" fmla="*/ 0 h 20904"/>
-              <a:gd name="connsiteX0" fmla="*/ 0 w 21600"/>
-              <a:gd name="connsiteY0" fmla="*/ 0 h 20904"/>
-              <a:gd name="connsiteX1" fmla="*/ 21600 w 21600"/>
-              <a:gd name="connsiteY1" fmla="*/ 0 h 20904"/>
-              <a:gd name="connsiteX2" fmla="*/ 21600 w 21600"/>
-              <a:gd name="connsiteY2" fmla="*/ 17322 h 20904"/>
-              <a:gd name="connsiteX3" fmla="*/ 14808 w 21600"/>
-              <a:gd name="connsiteY3" fmla="*/ 13310 h 20904"/>
-              <a:gd name="connsiteX4" fmla="*/ 6793 w 21600"/>
-              <a:gd name="connsiteY4" fmla="*/ 15295 h 20904"/>
-              <a:gd name="connsiteX5" fmla="*/ 0 w 21600"/>
-              <a:gd name="connsiteY5" fmla="*/ 20172 h 20904"/>
-              <a:gd name="connsiteX6" fmla="*/ 0 w 21600"/>
-              <a:gd name="connsiteY6" fmla="*/ 0 h 20904"/>
+              <a:gd name="connsiteX0" fmla="*/ 654122 w 1299227"/>
+              <a:gd name="connsiteY0" fmla="*/ 0 h 520506"/>
+              <a:gd name="connsiteX1" fmla="*/ 1038974 w 1299227"/>
+              <a:gd name="connsiteY1" fmla="*/ 0 h 520506"/>
+              <a:gd name="connsiteX2" fmla="*/ 1299227 w 1299227"/>
+              <a:gd name="connsiteY2" fmla="*/ 260253 h 520506"/>
+              <a:gd name="connsiteX3" fmla="*/ 1299226 w 1299227"/>
+              <a:gd name="connsiteY3" fmla="*/ 260253 h 520506"/>
+              <a:gd name="connsiteX4" fmla="*/ 1038973 w 1299227"/>
+              <a:gd name="connsiteY4" fmla="*/ 520506 h 520506"/>
+              <a:gd name="connsiteX5" fmla="*/ 0 w 1299227"/>
+              <a:gd name="connsiteY5" fmla="*/ 520505 h 520506"/>
+              <a:gd name="connsiteX6" fmla="*/ 60898 w 1299227"/>
+              <a:gd name="connsiteY6" fmla="*/ 444499 h 520506"/>
+              <a:gd name="connsiteX7" fmla="*/ 527016 w 1299227"/>
+              <a:gd name="connsiteY7" fmla="*/ 69456 h 520506"/>
+              <a:gd name="connsiteX8" fmla="*/ 654122 w 1299227"/>
+              <a:gd name="connsiteY8" fmla="*/ 0 h 520506"/>
             </a:gdLst>
             <a:ahLst/>
             <a:cxnLst>
@@ -5416,58 +6765,59 @@
               <a:cxn ang="0">
                 <a:pos x="connsiteX6" y="connsiteY6"/>
               </a:cxn>
+              <a:cxn ang="0">
+                <a:pos x="connsiteX7" y="connsiteY7"/>
+              </a:cxn>
+              <a:cxn ang="0">
+                <a:pos x="connsiteX8" y="connsiteY8"/>
+              </a:cxn>
             </a:cxnLst>
             <a:rect l="l" t="t" r="r" b="b"/>
             <a:pathLst>
-              <a:path w="21600" h="20904">
+              <a:path w="1299227" h="520506">
                 <a:moveTo>
-                  <a:pt x="0" y="0"/>
+                  <a:pt x="654122" y="0"/>
                 </a:moveTo>
                 <a:lnTo>
-                  <a:pt x="21600" y="0"/>
+                  <a:pt x="1038974" y="0"/>
+                </a:lnTo>
+                <a:cubicBezTo>
+                  <a:pt x="1182708" y="0"/>
+                  <a:pt x="1299227" y="116519"/>
+                  <a:pt x="1299227" y="260253"/>
+                </a:cubicBezTo>
+                <a:lnTo>
+                  <a:pt x="1299226" y="260253"/>
+                </a:lnTo>
+                <a:cubicBezTo>
+                  <a:pt x="1299226" y="403987"/>
+                  <a:pt x="1182707" y="520506"/>
+                  <a:pt x="1038973" y="520506"/>
+                </a:cubicBezTo>
+                <a:lnTo>
+                  <a:pt x="0" y="520505"/>
                 </a:lnTo>
                 <a:lnTo>
-                  <a:pt x="21600" y="17322"/>
+                  <a:pt x="60898" y="444499"/>
                 </a:lnTo>
                 <a:cubicBezTo>
-                  <a:pt x="20160" y="20494"/>
-                  <a:pt x="18408" y="12835"/>
-                  <a:pt x="14808" y="13310"/>
-                </a:cubicBezTo>
-                <a:cubicBezTo>
-                  <a:pt x="12350" y="13342"/>
-                  <a:pt x="8915" y="14171"/>
-                  <a:pt x="6793" y="15295"/>
-                </a:cubicBezTo>
-                <a:cubicBezTo>
-                  <a:pt x="4671" y="16419"/>
-                  <a:pt x="1141" y="23091"/>
-                  <a:pt x="0" y="20172"/>
+                  <a:pt x="185910" y="306140"/>
+                  <a:pt x="343324" y="179898"/>
+                  <a:pt x="527016" y="69456"/>
                 </a:cubicBezTo>
                 <a:lnTo>
-                  <a:pt x="0" y="0"/>
+                  <a:pt x="654122" y="0"/>
                 </a:lnTo>
                 <a:close/>
               </a:path>
             </a:pathLst>
           </a:custGeom>
           <a:solidFill>
-            <a:srgbClr val="47C19A"/>
+            <a:srgbClr val="F397D8"/>
           </a:solidFill>
           <a:ln>
-            <a:solidFill>
-              <a:schemeClr val="accent2">
-                <a:lumMod val="50000"/>
-              </a:schemeClr>
-            </a:solidFill>
+            <a:noFill/>
           </a:ln>
-          <a:effectLst>
-            <a:outerShdw blurRad="50800" dist="38100" dir="2700000" algn="tl" rotWithShape="0">
-              <a:prstClr val="black">
-                <a:alpha val="40000"/>
-              </a:prstClr>
-            </a:outerShdw>
-          </a:effectLst>
         </p:spPr>
         <p:style>
           <a:lnRef idx="2">
@@ -5486,20 +6836,22 @@
           </a:fontRef>
         </p:style>
         <p:txBody>
-          <a:bodyPr rtlCol="0" anchor="ctr"/>
+          <a:bodyPr wrap="square" rtlCol="0" anchor="ctr">
+            <a:noAutofit/>
+          </a:bodyPr>
           <a:lstStyle/>
           <a:p>
             <a:pPr algn="ctr"/>
-            <a:endParaRPr lang="fr-CA" dirty="0"/>
-          </a:p>
-        </p:txBody>
-      </p:sp>
-      <p:sp>
-        <p:nvSpPr>
-          <p:cNvPr id="6" name="Flowchart: Document 2">
-            <a:extLst>
-              <a:ext uri="{FF2B5EF4-FFF2-40B4-BE49-F238E27FC236}">
-                <a16:creationId xmlns:a16="http://schemas.microsoft.com/office/drawing/2014/main" id="{9A373EE1-98AA-4220-A259-AB27C3ACE62B}"/>
+            <a:endParaRPr lang="fr-CA"/>
+          </a:p>
+        </p:txBody>
+      </p:sp>
+      <p:sp>
+        <p:nvSpPr>
+          <p:cNvPr id="24" name="Freeform: Shape 23">
+            <a:extLst>
+              <a:ext uri="{FF2B5EF4-FFF2-40B4-BE49-F238E27FC236}">
+                <a16:creationId xmlns:a16="http://schemas.microsoft.com/office/drawing/2014/main" id="{C84E07FA-8A9E-4345-AF32-FAB94A677252}"/>
               </a:ext>
             </a:extLst>
           </p:cNvPr>
@@ -5508,62 +6860,32 @@
         </p:nvSpPr>
         <p:spPr>
           <a:xfrm>
-            <a:off x="0" y="0"/>
-            <a:ext cx="12192000" cy="2872162"/>
+            <a:off x="7043227" y="2098574"/>
+            <a:ext cx="1496423" cy="520506"/>
           </a:xfrm>
           <a:custGeom>
             <a:avLst/>
             <a:gdLst>
-              <a:gd name="connsiteX0" fmla="*/ 0 w 21600"/>
-              <a:gd name="connsiteY0" fmla="*/ 0 h 21600"/>
-              <a:gd name="connsiteX1" fmla="*/ 21600 w 21600"/>
-              <a:gd name="connsiteY1" fmla="*/ 0 h 21600"/>
-              <a:gd name="connsiteX2" fmla="*/ 21600 w 21600"/>
-              <a:gd name="connsiteY2" fmla="*/ 17322 h 21600"/>
-              <a:gd name="connsiteX3" fmla="*/ 0 w 21600"/>
-              <a:gd name="connsiteY3" fmla="*/ 20172 h 21600"/>
-              <a:gd name="connsiteX4" fmla="*/ 0 w 21600"/>
-              <a:gd name="connsiteY4" fmla="*/ 0 h 21600"/>
-              <a:gd name="connsiteX0" fmla="*/ 0 w 21600"/>
-              <a:gd name="connsiteY0" fmla="*/ 0 h 20822"/>
-              <a:gd name="connsiteX1" fmla="*/ 21600 w 21600"/>
-              <a:gd name="connsiteY1" fmla="*/ 0 h 20822"/>
-              <a:gd name="connsiteX2" fmla="*/ 21600 w 21600"/>
-              <a:gd name="connsiteY2" fmla="*/ 17322 h 20822"/>
-              <a:gd name="connsiteX3" fmla="*/ 12733 w 21600"/>
-              <a:gd name="connsiteY3" fmla="*/ 13427 h 20822"/>
-              <a:gd name="connsiteX4" fmla="*/ 0 w 21600"/>
-              <a:gd name="connsiteY4" fmla="*/ 20172 h 20822"/>
-              <a:gd name="connsiteX5" fmla="*/ 0 w 21600"/>
-              <a:gd name="connsiteY5" fmla="*/ 0 h 20822"/>
-              <a:gd name="connsiteX0" fmla="*/ 0 w 21600"/>
-              <a:gd name="connsiteY0" fmla="*/ 0 h 20904"/>
-              <a:gd name="connsiteX1" fmla="*/ 21600 w 21600"/>
-              <a:gd name="connsiteY1" fmla="*/ 0 h 20904"/>
-              <a:gd name="connsiteX2" fmla="*/ 21600 w 21600"/>
-              <a:gd name="connsiteY2" fmla="*/ 17322 h 20904"/>
-              <a:gd name="connsiteX3" fmla="*/ 12733 w 21600"/>
-              <a:gd name="connsiteY3" fmla="*/ 13427 h 20904"/>
-              <a:gd name="connsiteX4" fmla="*/ 6793 w 21600"/>
-              <a:gd name="connsiteY4" fmla="*/ 15295 h 20904"/>
-              <a:gd name="connsiteX5" fmla="*/ 0 w 21600"/>
-              <a:gd name="connsiteY5" fmla="*/ 20172 h 20904"/>
-              <a:gd name="connsiteX6" fmla="*/ 0 w 21600"/>
-              <a:gd name="connsiteY6" fmla="*/ 0 h 20904"/>
-              <a:gd name="connsiteX0" fmla="*/ 0 w 21600"/>
-              <a:gd name="connsiteY0" fmla="*/ 0 h 20904"/>
-              <a:gd name="connsiteX1" fmla="*/ 21600 w 21600"/>
-              <a:gd name="connsiteY1" fmla="*/ 0 h 20904"/>
-              <a:gd name="connsiteX2" fmla="*/ 21600 w 21600"/>
-              <a:gd name="connsiteY2" fmla="*/ 17322 h 20904"/>
-              <a:gd name="connsiteX3" fmla="*/ 14808 w 21600"/>
-              <a:gd name="connsiteY3" fmla="*/ 13310 h 20904"/>
-              <a:gd name="connsiteX4" fmla="*/ 6793 w 21600"/>
-              <a:gd name="connsiteY4" fmla="*/ 15295 h 20904"/>
-              <a:gd name="connsiteX5" fmla="*/ 0 w 21600"/>
-              <a:gd name="connsiteY5" fmla="*/ 20172 h 20904"/>
-              <a:gd name="connsiteX6" fmla="*/ 0 w 21600"/>
-              <a:gd name="connsiteY6" fmla="*/ 0 h 20904"/>
+              <a:gd name="connsiteX0" fmla="*/ 260253 w 1496423"/>
+              <a:gd name="connsiteY0" fmla="*/ 0 h 520506"/>
+              <a:gd name="connsiteX1" fmla="*/ 845631 w 1496423"/>
+              <a:gd name="connsiteY1" fmla="*/ 0 h 520506"/>
+              <a:gd name="connsiteX2" fmla="*/ 966813 w 1496423"/>
+              <a:gd name="connsiteY2" fmla="*/ 66219 h 520506"/>
+              <a:gd name="connsiteX3" fmla="*/ 1432931 w 1496423"/>
+              <a:gd name="connsiteY3" fmla="*/ 441262 h 520506"/>
+              <a:gd name="connsiteX4" fmla="*/ 1496423 w 1496423"/>
+              <a:gd name="connsiteY4" fmla="*/ 520506 h 520506"/>
+              <a:gd name="connsiteX5" fmla="*/ 260253 w 1496423"/>
+              <a:gd name="connsiteY5" fmla="*/ 520505 h 520506"/>
+              <a:gd name="connsiteX6" fmla="*/ 5287 w 1496423"/>
+              <a:gd name="connsiteY6" fmla="*/ 312702 h 520506"/>
+              <a:gd name="connsiteX7" fmla="*/ 0 w 1496423"/>
+              <a:gd name="connsiteY7" fmla="*/ 260253 h 520506"/>
+              <a:gd name="connsiteX8" fmla="*/ 5287 w 1496423"/>
+              <a:gd name="connsiteY8" fmla="*/ 207803 h 520506"/>
+              <a:gd name="connsiteX9" fmla="*/ 260253 w 1496423"/>
+              <a:gd name="connsiteY9" fmla="*/ 0 h 520506"/>
             </a:gdLst>
             <a:ahLst/>
             <a:cxnLst>
@@ -5588,33 +6910,639 @@
               <a:cxn ang="0">
                 <a:pos x="connsiteX6" y="connsiteY6"/>
               </a:cxn>
+              <a:cxn ang="0">
+                <a:pos x="connsiteX7" y="connsiteY7"/>
+              </a:cxn>
+              <a:cxn ang="0">
+                <a:pos x="connsiteX8" y="connsiteY8"/>
+              </a:cxn>
+              <a:cxn ang="0">
+                <a:pos x="connsiteX9" y="connsiteY9"/>
+              </a:cxn>
             </a:cxnLst>
             <a:rect l="l" t="t" r="r" b="b"/>
             <a:pathLst>
-              <a:path w="21600" h="20904">
+              <a:path w="1496423" h="520506">
+                <a:moveTo>
+                  <a:pt x="260253" y="0"/>
+                </a:moveTo>
+                <a:lnTo>
+                  <a:pt x="845631" y="0"/>
+                </a:lnTo>
+                <a:lnTo>
+                  <a:pt x="966813" y="66219"/>
+                </a:lnTo>
+                <a:cubicBezTo>
+                  <a:pt x="1150506" y="176661"/>
+                  <a:pt x="1307919" y="302903"/>
+                  <a:pt x="1432931" y="441262"/>
+                </a:cubicBezTo>
+                <a:lnTo>
+                  <a:pt x="1496423" y="520506"/>
+                </a:lnTo>
+                <a:lnTo>
+                  <a:pt x="260253" y="520505"/>
+                </a:lnTo>
+                <a:cubicBezTo>
+                  <a:pt x="134486" y="520505"/>
+                  <a:pt x="29555" y="431295"/>
+                  <a:pt x="5287" y="312702"/>
+                </a:cubicBezTo>
+                <a:lnTo>
+                  <a:pt x="0" y="260253"/>
+                </a:lnTo>
+                <a:lnTo>
+                  <a:pt x="5287" y="207803"/>
+                </a:lnTo>
+                <a:cubicBezTo>
+                  <a:pt x="29555" y="89210"/>
+                  <a:pt x="134486" y="0"/>
+                  <a:pt x="260253" y="0"/>
+                </a:cubicBezTo>
+                <a:close/>
+              </a:path>
+            </a:pathLst>
+          </a:custGeom>
+          <a:solidFill>
+            <a:srgbClr val="F5EF81"/>
+          </a:solidFill>
+          <a:ln>
+            <a:noFill/>
+          </a:ln>
+        </p:spPr>
+        <p:style>
+          <a:lnRef idx="2">
+            <a:schemeClr val="accent1">
+              <a:shade val="50000"/>
+            </a:schemeClr>
+          </a:lnRef>
+          <a:fillRef idx="1">
+            <a:schemeClr val="accent1"/>
+          </a:fillRef>
+          <a:effectRef idx="0">
+            <a:schemeClr val="accent1"/>
+          </a:effectRef>
+          <a:fontRef idx="minor">
+            <a:schemeClr val="lt1"/>
+          </a:fontRef>
+        </p:style>
+        <p:txBody>
+          <a:bodyPr wrap="square" rtlCol="0" anchor="ctr">
+            <a:noAutofit/>
+          </a:bodyPr>
+          <a:lstStyle/>
+          <a:p>
+            <a:pPr algn="ctr"/>
+            <a:endParaRPr lang="fr-CA"/>
+          </a:p>
+        </p:txBody>
+      </p:sp>
+      <p:sp>
+        <p:nvSpPr>
+          <p:cNvPr id="23" name="Freeform: Shape 22">
+            <a:extLst>
+              <a:ext uri="{FF2B5EF4-FFF2-40B4-BE49-F238E27FC236}">
+                <a16:creationId xmlns:a16="http://schemas.microsoft.com/office/drawing/2014/main" id="{35EFBBA3-1679-4EDD-8559-09F62101737F}"/>
+              </a:ext>
+            </a:extLst>
+          </p:cNvPr>
+          <p:cNvSpPr/>
+          <p:nvPr/>
+        </p:nvSpPr>
+        <p:spPr>
+          <a:xfrm>
+            <a:off x="7931834" y="2856910"/>
+            <a:ext cx="871026" cy="520506"/>
+          </a:xfrm>
+          <a:custGeom>
+            <a:avLst/>
+            <a:gdLst>
+              <a:gd name="connsiteX0" fmla="*/ 260253 w 871026"/>
+              <a:gd name="connsiteY0" fmla="*/ 0 h 520506"/>
+              <a:gd name="connsiteX1" fmla="*/ 760145 w 871026"/>
+              <a:gd name="connsiteY1" fmla="*/ 0 h 520506"/>
+              <a:gd name="connsiteX2" fmla="*/ 816032 w 871026"/>
+              <a:gd name="connsiteY2" fmla="*/ 130680 h 520506"/>
+              <a:gd name="connsiteX3" fmla="*/ 871026 w 871026"/>
+              <a:gd name="connsiteY3" fmla="*/ 458669 h 520506"/>
+              <a:gd name="connsiteX4" fmla="*/ 865833 w 871026"/>
+              <a:gd name="connsiteY4" fmla="*/ 520506 h 520506"/>
+              <a:gd name="connsiteX5" fmla="*/ 260253 w 871026"/>
+              <a:gd name="connsiteY5" fmla="*/ 520505 h 520506"/>
+              <a:gd name="connsiteX6" fmla="*/ 5287 w 871026"/>
+              <a:gd name="connsiteY6" fmla="*/ 312702 h 520506"/>
+              <a:gd name="connsiteX7" fmla="*/ 0 w 871026"/>
+              <a:gd name="connsiteY7" fmla="*/ 260253 h 520506"/>
+              <a:gd name="connsiteX8" fmla="*/ 5287 w 871026"/>
+              <a:gd name="connsiteY8" fmla="*/ 207803 h 520506"/>
+              <a:gd name="connsiteX9" fmla="*/ 260253 w 871026"/>
+              <a:gd name="connsiteY9" fmla="*/ 0 h 520506"/>
+            </a:gdLst>
+            <a:ahLst/>
+            <a:cxnLst>
+              <a:cxn ang="0">
+                <a:pos x="connsiteX0" y="connsiteY0"/>
+              </a:cxn>
+              <a:cxn ang="0">
+                <a:pos x="connsiteX1" y="connsiteY1"/>
+              </a:cxn>
+              <a:cxn ang="0">
+                <a:pos x="connsiteX2" y="connsiteY2"/>
+              </a:cxn>
+              <a:cxn ang="0">
+                <a:pos x="connsiteX3" y="connsiteY3"/>
+              </a:cxn>
+              <a:cxn ang="0">
+                <a:pos x="connsiteX4" y="connsiteY4"/>
+              </a:cxn>
+              <a:cxn ang="0">
+                <a:pos x="connsiteX5" y="connsiteY5"/>
+              </a:cxn>
+              <a:cxn ang="0">
+                <a:pos x="connsiteX6" y="connsiteY6"/>
+              </a:cxn>
+              <a:cxn ang="0">
+                <a:pos x="connsiteX7" y="connsiteY7"/>
+              </a:cxn>
+              <a:cxn ang="0">
+                <a:pos x="connsiteX8" y="connsiteY8"/>
+              </a:cxn>
+              <a:cxn ang="0">
+                <a:pos x="connsiteX9" y="connsiteY9"/>
+              </a:cxn>
+            </a:cxnLst>
+            <a:rect l="l" t="t" r="r" b="b"/>
+            <a:pathLst>
+              <a:path w="871026" h="520506">
+                <a:moveTo>
+                  <a:pt x="260253" y="0"/>
+                </a:moveTo>
+                <a:lnTo>
+                  <a:pt x="760145" y="0"/>
+                </a:lnTo>
+                <a:lnTo>
+                  <a:pt x="816032" y="130680"/>
+                </a:lnTo>
+                <a:cubicBezTo>
+                  <a:pt x="852090" y="236623"/>
+                  <a:pt x="871026" y="346317"/>
+                  <a:pt x="871026" y="458669"/>
+                </a:cubicBezTo>
+                <a:lnTo>
+                  <a:pt x="865833" y="520506"/>
+                </a:lnTo>
+                <a:lnTo>
+                  <a:pt x="260253" y="520505"/>
+                </a:lnTo>
+                <a:cubicBezTo>
+                  <a:pt x="134486" y="520505"/>
+                  <a:pt x="29555" y="431295"/>
+                  <a:pt x="5287" y="312702"/>
+                </a:cubicBezTo>
+                <a:lnTo>
+                  <a:pt x="0" y="260253"/>
+                </a:lnTo>
+                <a:lnTo>
+                  <a:pt x="5287" y="207803"/>
+                </a:lnTo>
+                <a:cubicBezTo>
+                  <a:pt x="29555" y="89210"/>
+                  <a:pt x="134486" y="0"/>
+                  <a:pt x="260253" y="0"/>
+                </a:cubicBezTo>
+                <a:close/>
+              </a:path>
+            </a:pathLst>
+          </a:custGeom>
+          <a:solidFill>
+            <a:srgbClr val="D1E896"/>
+          </a:solidFill>
+          <a:ln>
+            <a:noFill/>
+          </a:ln>
+        </p:spPr>
+        <p:style>
+          <a:lnRef idx="2">
+            <a:schemeClr val="accent1">
+              <a:shade val="50000"/>
+            </a:schemeClr>
+          </a:lnRef>
+          <a:fillRef idx="1">
+            <a:schemeClr val="accent1"/>
+          </a:fillRef>
+          <a:effectRef idx="0">
+            <a:schemeClr val="accent1"/>
+          </a:effectRef>
+          <a:fontRef idx="minor">
+            <a:schemeClr val="lt1"/>
+          </a:fontRef>
+        </p:style>
+        <p:txBody>
+          <a:bodyPr wrap="square" rtlCol="0" anchor="ctr">
+            <a:noAutofit/>
+          </a:bodyPr>
+          <a:lstStyle/>
+          <a:p>
+            <a:pPr algn="ctr"/>
+            <a:endParaRPr lang="fr-CA"/>
+          </a:p>
+        </p:txBody>
+      </p:sp>
+      <p:sp>
+        <p:nvSpPr>
+          <p:cNvPr id="22" name="Freeform: Shape 21">
+            <a:extLst>
+              <a:ext uri="{FF2B5EF4-FFF2-40B4-BE49-F238E27FC236}">
+                <a16:creationId xmlns:a16="http://schemas.microsoft.com/office/drawing/2014/main" id="{FAB39ADD-E3E9-43E3-BD30-486A5CEC41F2}"/>
+              </a:ext>
+            </a:extLst>
+          </p:cNvPr>
+          <p:cNvSpPr/>
+          <p:nvPr/>
+        </p:nvSpPr>
+        <p:spPr>
+          <a:xfrm>
+            <a:off x="3389141" y="2878149"/>
+            <a:ext cx="1363177" cy="520506"/>
+          </a:xfrm>
+          <a:custGeom>
+            <a:avLst/>
+            <a:gdLst>
+              <a:gd name="connsiteX0" fmla="*/ 101798 w 1089076"/>
+              <a:gd name="connsiteY0" fmla="*/ 0 h 520506"/>
+              <a:gd name="connsiteX1" fmla="*/ 828823 w 1089076"/>
+              <a:gd name="connsiteY1" fmla="*/ 0 h 520506"/>
+              <a:gd name="connsiteX2" fmla="*/ 1089076 w 1089076"/>
+              <a:gd name="connsiteY2" fmla="*/ 260253 h 520506"/>
+              <a:gd name="connsiteX3" fmla="*/ 1089075 w 1089076"/>
+              <a:gd name="connsiteY3" fmla="*/ 260253 h 520506"/>
+              <a:gd name="connsiteX4" fmla="*/ 828822 w 1089076"/>
+              <a:gd name="connsiteY4" fmla="*/ 520506 h 520506"/>
+              <a:gd name="connsiteX5" fmla="*/ 6977 w 1089076"/>
+              <a:gd name="connsiteY5" fmla="*/ 520506 h 520506"/>
+              <a:gd name="connsiteX6" fmla="*/ 0 w 1089076"/>
+              <a:gd name="connsiteY6" fmla="*/ 437430 h 520506"/>
+              <a:gd name="connsiteX7" fmla="*/ 54994 w 1089076"/>
+              <a:gd name="connsiteY7" fmla="*/ 109441 h 520506"/>
+              <a:gd name="connsiteX8" fmla="*/ 101798 w 1089076"/>
+              <a:gd name="connsiteY8" fmla="*/ 0 h 520506"/>
+            </a:gdLst>
+            <a:ahLst/>
+            <a:cxnLst>
+              <a:cxn ang="0">
+                <a:pos x="connsiteX0" y="connsiteY0"/>
+              </a:cxn>
+              <a:cxn ang="0">
+                <a:pos x="connsiteX1" y="connsiteY1"/>
+              </a:cxn>
+              <a:cxn ang="0">
+                <a:pos x="connsiteX2" y="connsiteY2"/>
+              </a:cxn>
+              <a:cxn ang="0">
+                <a:pos x="connsiteX3" y="connsiteY3"/>
+              </a:cxn>
+              <a:cxn ang="0">
+                <a:pos x="connsiteX4" y="connsiteY4"/>
+              </a:cxn>
+              <a:cxn ang="0">
+                <a:pos x="connsiteX5" y="connsiteY5"/>
+              </a:cxn>
+              <a:cxn ang="0">
+                <a:pos x="connsiteX6" y="connsiteY6"/>
+              </a:cxn>
+              <a:cxn ang="0">
+                <a:pos x="connsiteX7" y="connsiteY7"/>
+              </a:cxn>
+              <a:cxn ang="0">
+                <a:pos x="connsiteX8" y="connsiteY8"/>
+              </a:cxn>
+            </a:cxnLst>
+            <a:rect l="l" t="t" r="r" b="b"/>
+            <a:pathLst>
+              <a:path w="1089076" h="520506">
+                <a:moveTo>
+                  <a:pt x="101798" y="0"/>
+                </a:moveTo>
+                <a:lnTo>
+                  <a:pt x="828823" y="0"/>
+                </a:lnTo>
+                <a:cubicBezTo>
+                  <a:pt x="972557" y="0"/>
+                  <a:pt x="1089076" y="116519"/>
+                  <a:pt x="1089076" y="260253"/>
+                </a:cubicBezTo>
+                <a:lnTo>
+                  <a:pt x="1089075" y="260253"/>
+                </a:lnTo>
+                <a:cubicBezTo>
+                  <a:pt x="1089075" y="403987"/>
+                  <a:pt x="972556" y="520506"/>
+                  <a:pt x="828822" y="520506"/>
+                </a:cubicBezTo>
+                <a:lnTo>
+                  <a:pt x="6977" y="520506"/>
+                </a:lnTo>
+                <a:lnTo>
+                  <a:pt x="0" y="437430"/>
+                </a:lnTo>
+                <a:cubicBezTo>
+                  <a:pt x="0" y="325078"/>
+                  <a:pt x="18936" y="215384"/>
+                  <a:pt x="54994" y="109441"/>
+                </a:cubicBezTo>
+                <a:lnTo>
+                  <a:pt x="101798" y="0"/>
+                </a:lnTo>
+                <a:close/>
+              </a:path>
+            </a:pathLst>
+          </a:custGeom>
+          <a:solidFill>
+            <a:srgbClr val="D8B9F5"/>
+          </a:solidFill>
+          <a:ln>
+            <a:noFill/>
+          </a:ln>
+        </p:spPr>
+        <p:style>
+          <a:lnRef idx="2">
+            <a:schemeClr val="accent1">
+              <a:shade val="50000"/>
+            </a:schemeClr>
+          </a:lnRef>
+          <a:fillRef idx="1">
+            <a:schemeClr val="accent1"/>
+          </a:fillRef>
+          <a:effectRef idx="0">
+            <a:schemeClr val="accent1"/>
+          </a:effectRef>
+          <a:fontRef idx="minor">
+            <a:schemeClr val="lt1"/>
+          </a:fontRef>
+        </p:style>
+        <p:txBody>
+          <a:bodyPr wrap="square" rtlCol="0" anchor="ctr">
+            <a:noAutofit/>
+          </a:bodyPr>
+          <a:lstStyle/>
+          <a:p>
+            <a:pPr algn="ctr"/>
+            <a:endParaRPr lang="fr-CA"/>
+          </a:p>
+        </p:txBody>
+      </p:sp>
+      <p:sp>
+        <p:nvSpPr>
+          <p:cNvPr id="21" name="Freeform: Shape 20">
+            <a:extLst>
+              <a:ext uri="{FF2B5EF4-FFF2-40B4-BE49-F238E27FC236}">
+                <a16:creationId xmlns:a16="http://schemas.microsoft.com/office/drawing/2014/main" id="{4EB145CA-4A9A-46ED-B360-C310F4FD0B1F}"/>
+              </a:ext>
+            </a:extLst>
+          </p:cNvPr>
+          <p:cNvSpPr/>
+          <p:nvPr/>
+        </p:nvSpPr>
+        <p:spPr>
+          <a:xfrm>
+            <a:off x="7312270" y="3899971"/>
+            <a:ext cx="1307754" cy="520506"/>
+          </a:xfrm>
+          <a:custGeom>
+            <a:avLst/>
+            <a:gdLst>
+              <a:gd name="connsiteX0" fmla="*/ 260253 w 1307754"/>
+              <a:gd name="connsiteY0" fmla="*/ 0 h 520506"/>
+              <a:gd name="connsiteX1" fmla="*/ 1307754 w 1307754"/>
+              <a:gd name="connsiteY1" fmla="*/ 0 h 520506"/>
+              <a:gd name="connsiteX2" fmla="*/ 1277872 w 1307754"/>
+              <a:gd name="connsiteY2" fmla="*/ 49088 h 520506"/>
+              <a:gd name="connsiteX3" fmla="*/ 872475 w 1307754"/>
+              <a:gd name="connsiteY3" fmla="*/ 450822 h 520506"/>
+              <a:gd name="connsiteX4" fmla="*/ 767138 w 1307754"/>
+              <a:gd name="connsiteY4" fmla="*/ 520506 h 520506"/>
+              <a:gd name="connsiteX5" fmla="*/ 260253 w 1307754"/>
+              <a:gd name="connsiteY5" fmla="*/ 520505 h 520506"/>
+              <a:gd name="connsiteX6" fmla="*/ 5287 w 1307754"/>
+              <a:gd name="connsiteY6" fmla="*/ 312702 h 520506"/>
+              <a:gd name="connsiteX7" fmla="*/ 0 w 1307754"/>
+              <a:gd name="connsiteY7" fmla="*/ 260253 h 520506"/>
+              <a:gd name="connsiteX8" fmla="*/ 5287 w 1307754"/>
+              <a:gd name="connsiteY8" fmla="*/ 207803 h 520506"/>
+              <a:gd name="connsiteX9" fmla="*/ 260253 w 1307754"/>
+              <a:gd name="connsiteY9" fmla="*/ 0 h 520506"/>
+            </a:gdLst>
+            <a:ahLst/>
+            <a:cxnLst>
+              <a:cxn ang="0">
+                <a:pos x="connsiteX0" y="connsiteY0"/>
+              </a:cxn>
+              <a:cxn ang="0">
+                <a:pos x="connsiteX1" y="connsiteY1"/>
+              </a:cxn>
+              <a:cxn ang="0">
+                <a:pos x="connsiteX2" y="connsiteY2"/>
+              </a:cxn>
+              <a:cxn ang="0">
+                <a:pos x="connsiteX3" y="connsiteY3"/>
+              </a:cxn>
+              <a:cxn ang="0">
+                <a:pos x="connsiteX4" y="connsiteY4"/>
+              </a:cxn>
+              <a:cxn ang="0">
+                <a:pos x="connsiteX5" y="connsiteY5"/>
+              </a:cxn>
+              <a:cxn ang="0">
+                <a:pos x="connsiteX6" y="connsiteY6"/>
+              </a:cxn>
+              <a:cxn ang="0">
+                <a:pos x="connsiteX7" y="connsiteY7"/>
+              </a:cxn>
+              <a:cxn ang="0">
+                <a:pos x="connsiteX8" y="connsiteY8"/>
+              </a:cxn>
+              <a:cxn ang="0">
+                <a:pos x="connsiteX9" y="connsiteY9"/>
+              </a:cxn>
+            </a:cxnLst>
+            <a:rect l="l" t="t" r="r" b="b"/>
+            <a:pathLst>
+              <a:path w="1307754" h="520506">
+                <a:moveTo>
+                  <a:pt x="260253" y="0"/>
+                </a:moveTo>
+                <a:lnTo>
+                  <a:pt x="1307754" y="0"/>
+                </a:lnTo>
+                <a:lnTo>
+                  <a:pt x="1277872" y="49088"/>
+                </a:lnTo>
+                <a:cubicBezTo>
+                  <a:pt x="1175141" y="195118"/>
+                  <a:pt x="1037968" y="330256"/>
+                  <a:pt x="872475" y="450822"/>
+                </a:cubicBezTo>
+                <a:lnTo>
+                  <a:pt x="767138" y="520506"/>
+                </a:lnTo>
+                <a:lnTo>
+                  <a:pt x="260253" y="520505"/>
+                </a:lnTo>
+                <a:cubicBezTo>
+                  <a:pt x="134486" y="520505"/>
+                  <a:pt x="29555" y="431295"/>
+                  <a:pt x="5287" y="312702"/>
+                </a:cubicBezTo>
+                <a:lnTo>
+                  <a:pt x="0" y="260253"/>
+                </a:lnTo>
+                <a:lnTo>
+                  <a:pt x="5287" y="207803"/>
+                </a:lnTo>
+                <a:cubicBezTo>
+                  <a:pt x="29555" y="89210"/>
+                  <a:pt x="134486" y="0"/>
+                  <a:pt x="260253" y="0"/>
+                </a:cubicBezTo>
+                <a:close/>
+              </a:path>
+            </a:pathLst>
+          </a:custGeom>
+          <a:solidFill>
+            <a:srgbClr val="5E9E9E"/>
+          </a:solidFill>
+          <a:ln>
+            <a:noFill/>
+          </a:ln>
+        </p:spPr>
+        <p:style>
+          <a:lnRef idx="2">
+            <a:schemeClr val="accent1">
+              <a:shade val="50000"/>
+            </a:schemeClr>
+          </a:lnRef>
+          <a:fillRef idx="1">
+            <a:schemeClr val="accent1"/>
+          </a:fillRef>
+          <a:effectRef idx="0">
+            <a:schemeClr val="accent1"/>
+          </a:effectRef>
+          <a:fontRef idx="minor">
+            <a:schemeClr val="lt1"/>
+          </a:fontRef>
+        </p:style>
+        <p:txBody>
+          <a:bodyPr wrap="square" rtlCol="0" anchor="ctr">
+            <a:noAutofit/>
+          </a:bodyPr>
+          <a:lstStyle/>
+          <a:p>
+            <a:pPr algn="ctr"/>
+            <a:endParaRPr lang="fr-CA"/>
+          </a:p>
+        </p:txBody>
+      </p:sp>
+      <p:sp>
+        <p:nvSpPr>
+          <p:cNvPr id="20" name="Freeform: Shape 19">
+            <a:extLst>
+              <a:ext uri="{FF2B5EF4-FFF2-40B4-BE49-F238E27FC236}">
+                <a16:creationId xmlns:a16="http://schemas.microsoft.com/office/drawing/2014/main" id="{729F12FE-645E-4942-B192-708586DAA320}"/>
+              </a:ext>
+            </a:extLst>
+          </p:cNvPr>
+          <p:cNvSpPr/>
+          <p:nvPr/>
+        </p:nvSpPr>
+        <p:spPr>
+          <a:xfrm>
+            <a:off x="3389141" y="3929205"/>
+            <a:ext cx="1514625" cy="584775"/>
+          </a:xfrm>
+          <a:custGeom>
+            <a:avLst/>
+            <a:gdLst>
+              <a:gd name="connsiteX0" fmla="*/ 0 w 1313992"/>
+              <a:gd name="connsiteY0" fmla="*/ 0 h 520506"/>
+              <a:gd name="connsiteX1" fmla="*/ 1053739 w 1313992"/>
+              <a:gd name="connsiteY1" fmla="*/ 0 h 520506"/>
+              <a:gd name="connsiteX2" fmla="*/ 1313992 w 1313992"/>
+              <a:gd name="connsiteY2" fmla="*/ 260253 h 520506"/>
+              <a:gd name="connsiteX3" fmla="*/ 1313991 w 1313992"/>
+              <a:gd name="connsiteY3" fmla="*/ 260253 h 520506"/>
+              <a:gd name="connsiteX4" fmla="*/ 1053738 w 1313992"/>
+              <a:gd name="connsiteY4" fmla="*/ 520506 h 520506"/>
+              <a:gd name="connsiteX5" fmla="*/ 567013 w 1313992"/>
+              <a:gd name="connsiteY5" fmla="*/ 520506 h 520506"/>
+              <a:gd name="connsiteX6" fmla="*/ 417483 w 1313992"/>
+              <a:gd name="connsiteY6" fmla="*/ 421588 h 520506"/>
+              <a:gd name="connsiteX7" fmla="*/ 12086 w 1313992"/>
+              <a:gd name="connsiteY7" fmla="*/ 19854 h 520506"/>
+              <a:gd name="connsiteX8" fmla="*/ 0 w 1313992"/>
+              <a:gd name="connsiteY8" fmla="*/ 0 h 520506"/>
+            </a:gdLst>
+            <a:ahLst/>
+            <a:cxnLst>
+              <a:cxn ang="0">
+                <a:pos x="connsiteX0" y="connsiteY0"/>
+              </a:cxn>
+              <a:cxn ang="0">
+                <a:pos x="connsiteX1" y="connsiteY1"/>
+              </a:cxn>
+              <a:cxn ang="0">
+                <a:pos x="connsiteX2" y="connsiteY2"/>
+              </a:cxn>
+              <a:cxn ang="0">
+                <a:pos x="connsiteX3" y="connsiteY3"/>
+              </a:cxn>
+              <a:cxn ang="0">
+                <a:pos x="connsiteX4" y="connsiteY4"/>
+              </a:cxn>
+              <a:cxn ang="0">
+                <a:pos x="connsiteX5" y="connsiteY5"/>
+              </a:cxn>
+              <a:cxn ang="0">
+                <a:pos x="connsiteX6" y="connsiteY6"/>
+              </a:cxn>
+              <a:cxn ang="0">
+                <a:pos x="connsiteX7" y="connsiteY7"/>
+              </a:cxn>
+              <a:cxn ang="0">
+                <a:pos x="connsiteX8" y="connsiteY8"/>
+              </a:cxn>
+            </a:cxnLst>
+            <a:rect l="l" t="t" r="r" b="b"/>
+            <a:pathLst>
+              <a:path w="1313992" h="520506">
                 <a:moveTo>
                   <a:pt x="0" y="0"/>
                 </a:moveTo>
                 <a:lnTo>
-                  <a:pt x="21600" y="0"/>
+                  <a:pt x="1053739" y="0"/>
+                </a:lnTo>
+                <a:cubicBezTo>
+                  <a:pt x="1197473" y="0"/>
+                  <a:pt x="1313992" y="116519"/>
+                  <a:pt x="1313992" y="260253"/>
+                </a:cubicBezTo>
+                <a:lnTo>
+                  <a:pt x="1313991" y="260253"/>
+                </a:lnTo>
+                <a:cubicBezTo>
+                  <a:pt x="1313991" y="403987"/>
+                  <a:pt x="1197472" y="520506"/>
+                  <a:pt x="1053738" y="520506"/>
+                </a:cubicBezTo>
+                <a:lnTo>
+                  <a:pt x="567013" y="520506"/>
                 </a:lnTo>
                 <a:lnTo>
-                  <a:pt x="21600" y="17322"/>
+                  <a:pt x="417483" y="421588"/>
                 </a:lnTo>
                 <a:cubicBezTo>
-                  <a:pt x="20160" y="20494"/>
-                  <a:pt x="18408" y="12835"/>
-                  <a:pt x="14808" y="13310"/>
-                </a:cubicBezTo>
-                <a:cubicBezTo>
-                  <a:pt x="12350" y="13342"/>
-                  <a:pt x="8915" y="14171"/>
-                  <a:pt x="6793" y="15295"/>
-                </a:cubicBezTo>
-                <a:cubicBezTo>
-                  <a:pt x="4671" y="16419"/>
-                  <a:pt x="1141" y="23091"/>
-                  <a:pt x="0" y="20172"/>
+                  <a:pt x="251991" y="301022"/>
+                  <a:pt x="114817" y="165884"/>
+                  <a:pt x="12086" y="19854"/>
                 </a:cubicBezTo>
                 <a:lnTo>
                   <a:pt x="0" y="0"/>
@@ -5624,17 +7552,196 @@
             </a:pathLst>
           </a:custGeom>
           <a:solidFill>
-            <a:srgbClr val="47C19A"/>
+            <a:srgbClr val="D3C586"/>
           </a:solidFill>
           <a:ln>
-            <a:solidFill>
-              <a:schemeClr val="accent2">
-                <a:lumMod val="50000"/>
-              </a:schemeClr>
-            </a:solidFill>
+            <a:noFill/>
+          </a:ln>
+        </p:spPr>
+        <p:style>
+          <a:lnRef idx="2">
+            <a:schemeClr val="accent1">
+              <a:shade val="50000"/>
+            </a:schemeClr>
+          </a:lnRef>
+          <a:fillRef idx="1">
+            <a:schemeClr val="accent1"/>
+          </a:fillRef>
+          <a:effectRef idx="0">
+            <a:schemeClr val="accent1"/>
+          </a:effectRef>
+          <a:fontRef idx="minor">
+            <a:schemeClr val="lt1"/>
+          </a:fontRef>
+        </p:style>
+        <p:txBody>
+          <a:bodyPr wrap="square" rtlCol="0" anchor="ctr">
+            <a:noAutofit/>
+          </a:bodyPr>
+          <a:lstStyle/>
+          <a:p>
+            <a:pPr algn="ctr"/>
+            <a:endParaRPr lang="fr-CA"/>
+          </a:p>
+        </p:txBody>
+      </p:sp>
+      <p:sp>
+        <p:nvSpPr>
+          <p:cNvPr id="18" name="Freeform: Shape 17">
+            <a:extLst>
+              <a:ext uri="{FF2B5EF4-FFF2-40B4-BE49-F238E27FC236}">
+                <a16:creationId xmlns:a16="http://schemas.microsoft.com/office/drawing/2014/main" id="{CF93B9EB-544A-416B-A0B0-97C41B368BF5}"/>
+              </a:ext>
+            </a:extLst>
+          </p:cNvPr>
+          <p:cNvSpPr/>
+          <p:nvPr/>
+        </p:nvSpPr>
+        <p:spPr>
+          <a:xfrm>
+            <a:off x="2684863" y="2095338"/>
+            <a:ext cx="1624206" cy="520505"/>
+          </a:xfrm>
+          <a:custGeom>
+            <a:avLst/>
+            <a:gdLst>
+              <a:gd name="connsiteX0" fmla="*/ 260253 w 1465050"/>
+              <a:gd name="connsiteY0" fmla="*/ 0 h 520505"/>
+              <a:gd name="connsiteX1" fmla="*/ 1465050 w 1465050"/>
+              <a:gd name="connsiteY1" fmla="*/ 0 h 520505"/>
+              <a:gd name="connsiteX2" fmla="*/ 1337944 w 1465050"/>
+              <a:gd name="connsiteY2" fmla="*/ 69456 h 520505"/>
+              <a:gd name="connsiteX3" fmla="*/ 871826 w 1465050"/>
+              <a:gd name="connsiteY3" fmla="*/ 444499 h 520505"/>
+              <a:gd name="connsiteX4" fmla="*/ 810928 w 1465050"/>
+              <a:gd name="connsiteY4" fmla="*/ 520505 h 520505"/>
+              <a:gd name="connsiteX5" fmla="*/ 260253 w 1465050"/>
+              <a:gd name="connsiteY5" fmla="*/ 520505 h 520505"/>
+              <a:gd name="connsiteX6" fmla="*/ 5287 w 1465050"/>
+              <a:gd name="connsiteY6" fmla="*/ 312702 h 520505"/>
+              <a:gd name="connsiteX7" fmla="*/ 0 w 1465050"/>
+              <a:gd name="connsiteY7" fmla="*/ 260253 h 520505"/>
+              <a:gd name="connsiteX8" fmla="*/ 5287 w 1465050"/>
+              <a:gd name="connsiteY8" fmla="*/ 207803 h 520505"/>
+              <a:gd name="connsiteX9" fmla="*/ 260253 w 1465050"/>
+              <a:gd name="connsiteY9" fmla="*/ 0 h 520505"/>
+            </a:gdLst>
+            <a:ahLst/>
+            <a:cxnLst>
+              <a:cxn ang="0">
+                <a:pos x="connsiteX0" y="connsiteY0"/>
+              </a:cxn>
+              <a:cxn ang="0">
+                <a:pos x="connsiteX1" y="connsiteY1"/>
+              </a:cxn>
+              <a:cxn ang="0">
+                <a:pos x="connsiteX2" y="connsiteY2"/>
+              </a:cxn>
+              <a:cxn ang="0">
+                <a:pos x="connsiteX3" y="connsiteY3"/>
+              </a:cxn>
+              <a:cxn ang="0">
+                <a:pos x="connsiteX4" y="connsiteY4"/>
+              </a:cxn>
+              <a:cxn ang="0">
+                <a:pos x="connsiteX5" y="connsiteY5"/>
+              </a:cxn>
+              <a:cxn ang="0">
+                <a:pos x="connsiteX6" y="connsiteY6"/>
+              </a:cxn>
+              <a:cxn ang="0">
+                <a:pos x="connsiteX7" y="connsiteY7"/>
+              </a:cxn>
+              <a:cxn ang="0">
+                <a:pos x="connsiteX8" y="connsiteY8"/>
+              </a:cxn>
+              <a:cxn ang="0">
+                <a:pos x="connsiteX9" y="connsiteY9"/>
+              </a:cxn>
+            </a:cxnLst>
+            <a:rect l="l" t="t" r="r" b="b"/>
+            <a:pathLst>
+              <a:path w="1465050" h="520505">
+                <a:moveTo>
+                  <a:pt x="260253" y="0"/>
+                </a:moveTo>
+                <a:lnTo>
+                  <a:pt x="1465050" y="0"/>
+                </a:lnTo>
+                <a:lnTo>
+                  <a:pt x="1337944" y="69456"/>
+                </a:lnTo>
+                <a:cubicBezTo>
+                  <a:pt x="1154252" y="179898"/>
+                  <a:pt x="996838" y="306140"/>
+                  <a:pt x="871826" y="444499"/>
+                </a:cubicBezTo>
+                <a:lnTo>
+                  <a:pt x="810928" y="520505"/>
+                </a:lnTo>
+                <a:lnTo>
+                  <a:pt x="260253" y="520505"/>
+                </a:lnTo>
+                <a:cubicBezTo>
+                  <a:pt x="134486" y="520505"/>
+                  <a:pt x="29555" y="431295"/>
+                  <a:pt x="5287" y="312702"/>
+                </a:cubicBezTo>
+                <a:lnTo>
+                  <a:pt x="0" y="260253"/>
+                </a:lnTo>
+                <a:lnTo>
+                  <a:pt x="5287" y="207803"/>
+                </a:lnTo>
+                <a:cubicBezTo>
+                  <a:pt x="29555" y="89210"/>
+                  <a:pt x="134486" y="0"/>
+                  <a:pt x="260253" y="0"/>
+                </a:cubicBezTo>
+                <a:close/>
+              </a:path>
+            </a:pathLst>
+          </a:custGeom>
+          <a:gradFill flip="none" rotWithShape="1">
+            <a:gsLst>
+              <a:gs pos="0">
+                <a:schemeClr val="bg1"/>
+              </a:gs>
+              <a:gs pos="0">
+                <a:schemeClr val="bg1"/>
+              </a:gs>
+              <a:gs pos="0">
+                <a:schemeClr val="bg1"/>
+              </a:gs>
+              <a:gs pos="1000">
+                <a:schemeClr val="bg1"/>
+              </a:gs>
+              <a:gs pos="90000">
+                <a:schemeClr val="bg1"/>
+              </a:gs>
+              <a:gs pos="0">
+                <a:schemeClr val="bg1"/>
+              </a:gs>
+              <a:gs pos="0">
+                <a:srgbClr val="FEFEFF"/>
+              </a:gs>
+              <a:gs pos="1000">
+                <a:srgbClr val="FFFFFF"/>
+              </a:gs>
+              <a:gs pos="0">
+                <a:schemeClr val="bg1"/>
+              </a:gs>
+            </a:gsLst>
+            <a:path path="circle">
+              <a:fillToRect t="100000" r="100000"/>
+            </a:path>
+            <a:tileRect l="-100000" b="-100000"/>
+          </a:gradFill>
+          <a:ln>
+            <a:noFill/>
           </a:ln>
           <a:effectLst>
-            <a:outerShdw blurRad="50800" dist="38100" dir="2700000" algn="tl" rotWithShape="0">
+            <a:outerShdw blurRad="50800" dist="38100" algn="l" rotWithShape="0">
               <a:prstClr val="black">
                 <a:alpha val="40000"/>
               </a:prstClr>
@@ -5658,54 +7765,2608 @@
           </a:fontRef>
         </p:style>
         <p:txBody>
-          <a:bodyPr rtlCol="0" anchor="ctr"/>
+          <a:bodyPr wrap="square" rtlCol="0" anchor="ctr">
+            <a:noAutofit/>
+          </a:bodyPr>
           <a:lstStyle/>
           <a:p>
             <a:pPr algn="ctr"/>
-            <a:endParaRPr lang="fr-CA" dirty="0"/>
+            <a:endParaRPr lang="fr-CA"/>
+          </a:p>
+        </p:txBody>
+      </p:sp>
+      <p:sp>
+        <p:nvSpPr>
+          <p:cNvPr id="17" name="Freeform: Shape 16">
+            <a:extLst>
+              <a:ext uri="{FF2B5EF4-FFF2-40B4-BE49-F238E27FC236}">
+                <a16:creationId xmlns:a16="http://schemas.microsoft.com/office/drawing/2014/main" id="{ACC5D249-8294-46ED-9893-691727B17BAE}"/>
+              </a:ext>
+            </a:extLst>
+          </p:cNvPr>
+          <p:cNvSpPr/>
+          <p:nvPr/>
+        </p:nvSpPr>
+        <p:spPr>
+          <a:xfrm>
+            <a:off x="7888857" y="2098574"/>
+            <a:ext cx="1264524" cy="520506"/>
+          </a:xfrm>
+          <a:custGeom>
+            <a:avLst/>
+            <a:gdLst>
+              <a:gd name="connsiteX0" fmla="*/ 0 w 1264524"/>
+              <a:gd name="connsiteY0" fmla="*/ 0 h 520506"/>
+              <a:gd name="connsiteX1" fmla="*/ 1004271 w 1264524"/>
+              <a:gd name="connsiteY1" fmla="*/ 0 h 520506"/>
+              <a:gd name="connsiteX2" fmla="*/ 1264524 w 1264524"/>
+              <a:gd name="connsiteY2" fmla="*/ 260253 h 520506"/>
+              <a:gd name="connsiteX3" fmla="*/ 1264523 w 1264524"/>
+              <a:gd name="connsiteY3" fmla="*/ 260253 h 520506"/>
+              <a:gd name="connsiteX4" fmla="*/ 1004270 w 1264524"/>
+              <a:gd name="connsiteY4" fmla="*/ 520506 h 520506"/>
+              <a:gd name="connsiteX5" fmla="*/ 650792 w 1264524"/>
+              <a:gd name="connsiteY5" fmla="*/ 520506 h 520506"/>
+              <a:gd name="connsiteX6" fmla="*/ 587300 w 1264524"/>
+              <a:gd name="connsiteY6" fmla="*/ 441262 h 520506"/>
+              <a:gd name="connsiteX7" fmla="*/ 121182 w 1264524"/>
+              <a:gd name="connsiteY7" fmla="*/ 66219 h 520506"/>
+              <a:gd name="connsiteX8" fmla="*/ 0 w 1264524"/>
+              <a:gd name="connsiteY8" fmla="*/ 0 h 520506"/>
+            </a:gdLst>
+            <a:ahLst/>
+            <a:cxnLst>
+              <a:cxn ang="0">
+                <a:pos x="connsiteX0" y="connsiteY0"/>
+              </a:cxn>
+              <a:cxn ang="0">
+                <a:pos x="connsiteX1" y="connsiteY1"/>
+              </a:cxn>
+              <a:cxn ang="0">
+                <a:pos x="connsiteX2" y="connsiteY2"/>
+              </a:cxn>
+              <a:cxn ang="0">
+                <a:pos x="connsiteX3" y="connsiteY3"/>
+              </a:cxn>
+              <a:cxn ang="0">
+                <a:pos x="connsiteX4" y="connsiteY4"/>
+              </a:cxn>
+              <a:cxn ang="0">
+                <a:pos x="connsiteX5" y="connsiteY5"/>
+              </a:cxn>
+              <a:cxn ang="0">
+                <a:pos x="connsiteX6" y="connsiteY6"/>
+              </a:cxn>
+              <a:cxn ang="0">
+                <a:pos x="connsiteX7" y="connsiteY7"/>
+              </a:cxn>
+              <a:cxn ang="0">
+                <a:pos x="connsiteX8" y="connsiteY8"/>
+              </a:cxn>
+            </a:cxnLst>
+            <a:rect l="l" t="t" r="r" b="b"/>
+            <a:pathLst>
+              <a:path w="1264524" h="520506">
+                <a:moveTo>
+                  <a:pt x="0" y="0"/>
+                </a:moveTo>
+                <a:lnTo>
+                  <a:pt x="1004271" y="0"/>
+                </a:lnTo>
+                <a:cubicBezTo>
+                  <a:pt x="1148005" y="0"/>
+                  <a:pt x="1264524" y="116519"/>
+                  <a:pt x="1264524" y="260253"/>
+                </a:cubicBezTo>
+                <a:lnTo>
+                  <a:pt x="1264523" y="260253"/>
+                </a:lnTo>
+                <a:cubicBezTo>
+                  <a:pt x="1264523" y="403987"/>
+                  <a:pt x="1148004" y="520506"/>
+                  <a:pt x="1004270" y="520506"/>
+                </a:cubicBezTo>
+                <a:lnTo>
+                  <a:pt x="650792" y="520506"/>
+                </a:lnTo>
+                <a:lnTo>
+                  <a:pt x="587300" y="441262"/>
+                </a:lnTo>
+                <a:cubicBezTo>
+                  <a:pt x="462288" y="302903"/>
+                  <a:pt x="304875" y="176661"/>
+                  <a:pt x="121182" y="66219"/>
+                </a:cubicBezTo>
+                <a:lnTo>
+                  <a:pt x="0" y="0"/>
+                </a:lnTo>
+                <a:close/>
+              </a:path>
+            </a:pathLst>
+          </a:custGeom>
+          <a:gradFill flip="none" rotWithShape="1">
+            <a:gsLst>
+              <a:gs pos="0">
+                <a:schemeClr val="bg1"/>
+              </a:gs>
+              <a:gs pos="0">
+                <a:schemeClr val="bg1"/>
+              </a:gs>
+              <a:gs pos="0">
+                <a:schemeClr val="bg1"/>
+              </a:gs>
+              <a:gs pos="1000">
+                <a:schemeClr val="bg1"/>
+              </a:gs>
+              <a:gs pos="90000">
+                <a:schemeClr val="bg1"/>
+              </a:gs>
+              <a:gs pos="0">
+                <a:schemeClr val="bg1"/>
+              </a:gs>
+              <a:gs pos="0">
+                <a:srgbClr val="FEFEFF"/>
+              </a:gs>
+              <a:gs pos="1000">
+                <a:srgbClr val="FFFFFF"/>
+              </a:gs>
+              <a:gs pos="0">
+                <a:schemeClr val="bg1"/>
+              </a:gs>
+            </a:gsLst>
+            <a:path path="circle">
+              <a:fillToRect t="100000" r="100000"/>
+            </a:path>
+            <a:tileRect l="-100000" b="-100000"/>
+          </a:gradFill>
+          <a:ln>
+            <a:noFill/>
+          </a:ln>
+          <a:effectLst>
+            <a:outerShdw blurRad="50800" dist="38100" dir="10800000" algn="tl" rotWithShape="0">
+              <a:prstClr val="black">
+                <a:alpha val="40000"/>
+              </a:prstClr>
+            </a:outerShdw>
+          </a:effectLst>
+        </p:spPr>
+        <p:style>
+          <a:lnRef idx="2">
+            <a:schemeClr val="accent1">
+              <a:shade val="50000"/>
+            </a:schemeClr>
+          </a:lnRef>
+          <a:fillRef idx="1">
+            <a:schemeClr val="accent1"/>
+          </a:fillRef>
+          <a:effectRef idx="0">
+            <a:schemeClr val="accent1"/>
+          </a:effectRef>
+          <a:fontRef idx="minor">
+            <a:schemeClr val="lt1"/>
+          </a:fontRef>
+        </p:style>
+        <p:txBody>
+          <a:bodyPr wrap="square" rtlCol="0" anchor="ctr">
+            <a:noAutofit/>
+          </a:bodyPr>
+          <a:lstStyle/>
+          <a:p>
+            <a:pPr algn="ctr"/>
+            <a:endParaRPr lang="fr-CA"/>
+          </a:p>
+        </p:txBody>
+      </p:sp>
+      <p:sp>
+        <p:nvSpPr>
+          <p:cNvPr id="16" name="Freeform: Shape 15">
+            <a:extLst>
+              <a:ext uri="{FF2B5EF4-FFF2-40B4-BE49-F238E27FC236}">
+                <a16:creationId xmlns:a16="http://schemas.microsoft.com/office/drawing/2014/main" id="{DDCDA34D-6FB7-40CD-8BEA-64F678601CF3}"/>
+              </a:ext>
+            </a:extLst>
+          </p:cNvPr>
+          <p:cNvSpPr/>
+          <p:nvPr/>
+        </p:nvSpPr>
+        <p:spPr>
+          <a:xfrm>
+            <a:off x="8691979" y="2856910"/>
+            <a:ext cx="1350010" cy="520506"/>
+          </a:xfrm>
+          <a:custGeom>
+            <a:avLst/>
+            <a:gdLst>
+              <a:gd name="connsiteX0" fmla="*/ 0 w 1350010"/>
+              <a:gd name="connsiteY0" fmla="*/ 0 h 520506"/>
+              <a:gd name="connsiteX1" fmla="*/ 1089757 w 1350010"/>
+              <a:gd name="connsiteY1" fmla="*/ 0 h 520506"/>
+              <a:gd name="connsiteX2" fmla="*/ 1350010 w 1350010"/>
+              <a:gd name="connsiteY2" fmla="*/ 260253 h 520506"/>
+              <a:gd name="connsiteX3" fmla="*/ 1350009 w 1350010"/>
+              <a:gd name="connsiteY3" fmla="*/ 260253 h 520506"/>
+              <a:gd name="connsiteX4" fmla="*/ 1089756 w 1350010"/>
+              <a:gd name="connsiteY4" fmla="*/ 520506 h 520506"/>
+              <a:gd name="connsiteX5" fmla="*/ 105688 w 1350010"/>
+              <a:gd name="connsiteY5" fmla="*/ 520506 h 520506"/>
+              <a:gd name="connsiteX6" fmla="*/ 110881 w 1350010"/>
+              <a:gd name="connsiteY6" fmla="*/ 458669 h 520506"/>
+              <a:gd name="connsiteX7" fmla="*/ 55887 w 1350010"/>
+              <a:gd name="connsiteY7" fmla="*/ 130680 h 520506"/>
+              <a:gd name="connsiteX8" fmla="*/ 0 w 1350010"/>
+              <a:gd name="connsiteY8" fmla="*/ 0 h 520506"/>
+            </a:gdLst>
+            <a:ahLst/>
+            <a:cxnLst>
+              <a:cxn ang="0">
+                <a:pos x="connsiteX0" y="connsiteY0"/>
+              </a:cxn>
+              <a:cxn ang="0">
+                <a:pos x="connsiteX1" y="connsiteY1"/>
+              </a:cxn>
+              <a:cxn ang="0">
+                <a:pos x="connsiteX2" y="connsiteY2"/>
+              </a:cxn>
+              <a:cxn ang="0">
+                <a:pos x="connsiteX3" y="connsiteY3"/>
+              </a:cxn>
+              <a:cxn ang="0">
+                <a:pos x="connsiteX4" y="connsiteY4"/>
+              </a:cxn>
+              <a:cxn ang="0">
+                <a:pos x="connsiteX5" y="connsiteY5"/>
+              </a:cxn>
+              <a:cxn ang="0">
+                <a:pos x="connsiteX6" y="connsiteY6"/>
+              </a:cxn>
+              <a:cxn ang="0">
+                <a:pos x="connsiteX7" y="connsiteY7"/>
+              </a:cxn>
+              <a:cxn ang="0">
+                <a:pos x="connsiteX8" y="connsiteY8"/>
+              </a:cxn>
+            </a:cxnLst>
+            <a:rect l="l" t="t" r="r" b="b"/>
+            <a:pathLst>
+              <a:path w="1350010" h="520506">
+                <a:moveTo>
+                  <a:pt x="0" y="0"/>
+                </a:moveTo>
+                <a:lnTo>
+                  <a:pt x="1089757" y="0"/>
+                </a:lnTo>
+                <a:cubicBezTo>
+                  <a:pt x="1233491" y="0"/>
+                  <a:pt x="1350010" y="116519"/>
+                  <a:pt x="1350010" y="260253"/>
+                </a:cubicBezTo>
+                <a:lnTo>
+                  <a:pt x="1350009" y="260253"/>
+                </a:lnTo>
+                <a:cubicBezTo>
+                  <a:pt x="1350009" y="403987"/>
+                  <a:pt x="1233490" y="520506"/>
+                  <a:pt x="1089756" y="520506"/>
+                </a:cubicBezTo>
+                <a:lnTo>
+                  <a:pt x="105688" y="520506"/>
+                </a:lnTo>
+                <a:lnTo>
+                  <a:pt x="110881" y="458669"/>
+                </a:lnTo>
+                <a:cubicBezTo>
+                  <a:pt x="110881" y="346317"/>
+                  <a:pt x="91945" y="236623"/>
+                  <a:pt x="55887" y="130680"/>
+                </a:cubicBezTo>
+                <a:lnTo>
+                  <a:pt x="0" y="0"/>
+                </a:lnTo>
+                <a:close/>
+              </a:path>
+            </a:pathLst>
+          </a:custGeom>
+          <a:gradFill flip="none" rotWithShape="1">
+            <a:gsLst>
+              <a:gs pos="0">
+                <a:schemeClr val="bg1"/>
+              </a:gs>
+              <a:gs pos="0">
+                <a:schemeClr val="bg1"/>
+              </a:gs>
+              <a:gs pos="0">
+                <a:schemeClr val="bg1"/>
+              </a:gs>
+              <a:gs pos="1000">
+                <a:schemeClr val="bg1"/>
+              </a:gs>
+              <a:gs pos="90000">
+                <a:schemeClr val="bg1"/>
+              </a:gs>
+              <a:gs pos="0">
+                <a:schemeClr val="bg1"/>
+              </a:gs>
+              <a:gs pos="0">
+                <a:srgbClr val="FEFEFF"/>
+              </a:gs>
+              <a:gs pos="1000">
+                <a:srgbClr val="FFFFFF"/>
+              </a:gs>
+              <a:gs pos="0">
+                <a:schemeClr val="bg1"/>
+              </a:gs>
+            </a:gsLst>
+            <a:path path="circle">
+              <a:fillToRect t="100000" r="100000"/>
+            </a:path>
+            <a:tileRect l="-100000" b="-100000"/>
+          </a:gradFill>
+          <a:ln>
+            <a:noFill/>
+          </a:ln>
+          <a:effectLst>
+            <a:outerShdw blurRad="50800" dist="38100" dir="10800000" algn="tl" rotWithShape="0">
+              <a:prstClr val="black">
+                <a:alpha val="40000"/>
+              </a:prstClr>
+            </a:outerShdw>
+          </a:effectLst>
+        </p:spPr>
+        <p:style>
+          <a:lnRef idx="2">
+            <a:schemeClr val="accent1">
+              <a:shade val="50000"/>
+            </a:schemeClr>
+          </a:lnRef>
+          <a:fillRef idx="1">
+            <a:schemeClr val="accent1"/>
+          </a:fillRef>
+          <a:effectRef idx="0">
+            <a:schemeClr val="accent1"/>
+          </a:effectRef>
+          <a:fontRef idx="minor">
+            <a:schemeClr val="lt1"/>
+          </a:fontRef>
+        </p:style>
+        <p:txBody>
+          <a:bodyPr wrap="square" rtlCol="0" anchor="ctr">
+            <a:noAutofit/>
+          </a:bodyPr>
+          <a:lstStyle/>
+          <a:p>
+            <a:pPr algn="ctr"/>
+            <a:endParaRPr lang="fr-CA"/>
+          </a:p>
+        </p:txBody>
+      </p:sp>
+      <p:sp>
+        <p:nvSpPr>
+          <p:cNvPr id="15" name="Freeform: Shape 14">
+            <a:extLst>
+              <a:ext uri="{FF2B5EF4-FFF2-40B4-BE49-F238E27FC236}">
+                <a16:creationId xmlns:a16="http://schemas.microsoft.com/office/drawing/2014/main" id="{0451E275-E22F-4677-B210-BF0636AA5F67}"/>
+              </a:ext>
+            </a:extLst>
+          </p:cNvPr>
+          <p:cNvSpPr/>
+          <p:nvPr/>
+        </p:nvSpPr>
+        <p:spPr>
+          <a:xfrm>
+            <a:off x="2150012" y="2878149"/>
+            <a:ext cx="1340930" cy="520506"/>
+          </a:xfrm>
+          <a:custGeom>
+            <a:avLst/>
+            <a:gdLst>
+              <a:gd name="connsiteX0" fmla="*/ 260253 w 1122877"/>
+              <a:gd name="connsiteY0" fmla="*/ 0 h 520506"/>
+              <a:gd name="connsiteX1" fmla="*/ 1122877 w 1122877"/>
+              <a:gd name="connsiteY1" fmla="*/ 0 h 520506"/>
+              <a:gd name="connsiteX2" fmla="*/ 1076073 w 1122877"/>
+              <a:gd name="connsiteY2" fmla="*/ 109441 h 520506"/>
+              <a:gd name="connsiteX3" fmla="*/ 1021079 w 1122877"/>
+              <a:gd name="connsiteY3" fmla="*/ 437430 h 520506"/>
+              <a:gd name="connsiteX4" fmla="*/ 1028056 w 1122877"/>
+              <a:gd name="connsiteY4" fmla="*/ 520506 h 520506"/>
+              <a:gd name="connsiteX5" fmla="*/ 260253 w 1122877"/>
+              <a:gd name="connsiteY5" fmla="*/ 520505 h 520506"/>
+              <a:gd name="connsiteX6" fmla="*/ 5287 w 1122877"/>
+              <a:gd name="connsiteY6" fmla="*/ 312702 h 520506"/>
+              <a:gd name="connsiteX7" fmla="*/ 0 w 1122877"/>
+              <a:gd name="connsiteY7" fmla="*/ 260253 h 520506"/>
+              <a:gd name="connsiteX8" fmla="*/ 5287 w 1122877"/>
+              <a:gd name="connsiteY8" fmla="*/ 207803 h 520506"/>
+              <a:gd name="connsiteX9" fmla="*/ 260253 w 1122877"/>
+              <a:gd name="connsiteY9" fmla="*/ 0 h 520506"/>
+            </a:gdLst>
+            <a:ahLst/>
+            <a:cxnLst>
+              <a:cxn ang="0">
+                <a:pos x="connsiteX0" y="connsiteY0"/>
+              </a:cxn>
+              <a:cxn ang="0">
+                <a:pos x="connsiteX1" y="connsiteY1"/>
+              </a:cxn>
+              <a:cxn ang="0">
+                <a:pos x="connsiteX2" y="connsiteY2"/>
+              </a:cxn>
+              <a:cxn ang="0">
+                <a:pos x="connsiteX3" y="connsiteY3"/>
+              </a:cxn>
+              <a:cxn ang="0">
+                <a:pos x="connsiteX4" y="connsiteY4"/>
+              </a:cxn>
+              <a:cxn ang="0">
+                <a:pos x="connsiteX5" y="connsiteY5"/>
+              </a:cxn>
+              <a:cxn ang="0">
+                <a:pos x="connsiteX6" y="connsiteY6"/>
+              </a:cxn>
+              <a:cxn ang="0">
+                <a:pos x="connsiteX7" y="connsiteY7"/>
+              </a:cxn>
+              <a:cxn ang="0">
+                <a:pos x="connsiteX8" y="connsiteY8"/>
+              </a:cxn>
+              <a:cxn ang="0">
+                <a:pos x="connsiteX9" y="connsiteY9"/>
+              </a:cxn>
+            </a:cxnLst>
+            <a:rect l="l" t="t" r="r" b="b"/>
+            <a:pathLst>
+              <a:path w="1122877" h="520506">
+                <a:moveTo>
+                  <a:pt x="260253" y="0"/>
+                </a:moveTo>
+                <a:lnTo>
+                  <a:pt x="1122877" y="0"/>
+                </a:lnTo>
+                <a:lnTo>
+                  <a:pt x="1076073" y="109441"/>
+                </a:lnTo>
+                <a:cubicBezTo>
+                  <a:pt x="1040015" y="215384"/>
+                  <a:pt x="1021079" y="325078"/>
+                  <a:pt x="1021079" y="437430"/>
+                </a:cubicBezTo>
+                <a:lnTo>
+                  <a:pt x="1028056" y="520506"/>
+                </a:lnTo>
+                <a:lnTo>
+                  <a:pt x="260253" y="520505"/>
+                </a:lnTo>
+                <a:cubicBezTo>
+                  <a:pt x="134486" y="520505"/>
+                  <a:pt x="29555" y="431295"/>
+                  <a:pt x="5287" y="312702"/>
+                </a:cubicBezTo>
+                <a:lnTo>
+                  <a:pt x="0" y="260253"/>
+                </a:lnTo>
+                <a:lnTo>
+                  <a:pt x="5287" y="207803"/>
+                </a:lnTo>
+                <a:cubicBezTo>
+                  <a:pt x="29555" y="89210"/>
+                  <a:pt x="134486" y="0"/>
+                  <a:pt x="260253" y="0"/>
+                </a:cubicBezTo>
+                <a:close/>
+              </a:path>
+            </a:pathLst>
+          </a:custGeom>
+          <a:gradFill flip="none" rotWithShape="1">
+            <a:gsLst>
+              <a:gs pos="0">
+                <a:schemeClr val="bg1"/>
+              </a:gs>
+              <a:gs pos="0">
+                <a:schemeClr val="bg1"/>
+              </a:gs>
+              <a:gs pos="0">
+                <a:schemeClr val="bg1"/>
+              </a:gs>
+              <a:gs pos="1000">
+                <a:schemeClr val="bg1"/>
+              </a:gs>
+              <a:gs pos="90000">
+                <a:schemeClr val="bg1"/>
+              </a:gs>
+              <a:gs pos="0">
+                <a:schemeClr val="bg1"/>
+              </a:gs>
+              <a:gs pos="0">
+                <a:srgbClr val="FEFEFF"/>
+              </a:gs>
+              <a:gs pos="1000">
+                <a:srgbClr val="FFFFFF"/>
+              </a:gs>
+              <a:gs pos="0">
+                <a:schemeClr val="bg1"/>
+              </a:gs>
+            </a:gsLst>
+            <a:path path="circle">
+              <a:fillToRect t="100000" r="100000"/>
+            </a:path>
+            <a:tileRect l="-100000" b="-100000"/>
+          </a:gradFill>
+          <a:ln>
+            <a:noFill/>
+          </a:ln>
+          <a:effectLst>
+            <a:outerShdw blurRad="50800" dist="38100" algn="l" rotWithShape="0">
+              <a:prstClr val="black">
+                <a:alpha val="40000"/>
+              </a:prstClr>
+            </a:outerShdw>
+          </a:effectLst>
+        </p:spPr>
+        <p:style>
+          <a:lnRef idx="2">
+            <a:schemeClr val="accent1">
+              <a:shade val="50000"/>
+            </a:schemeClr>
+          </a:lnRef>
+          <a:fillRef idx="1">
+            <a:schemeClr val="accent1"/>
+          </a:fillRef>
+          <a:effectRef idx="0">
+            <a:schemeClr val="accent1"/>
+          </a:effectRef>
+          <a:fontRef idx="minor">
+            <a:schemeClr val="lt1"/>
+          </a:fontRef>
+        </p:style>
+        <p:txBody>
+          <a:bodyPr wrap="square" rtlCol="0" anchor="ctr">
+            <a:noAutofit/>
+          </a:bodyPr>
+          <a:lstStyle/>
+          <a:p>
+            <a:pPr algn="ctr"/>
+            <a:endParaRPr lang="fr-CA"/>
+          </a:p>
+        </p:txBody>
+      </p:sp>
+      <p:sp>
+        <p:nvSpPr>
+          <p:cNvPr id="14" name="Freeform: Shape 13">
+            <a:extLst>
+              <a:ext uri="{FF2B5EF4-FFF2-40B4-BE49-F238E27FC236}">
+                <a16:creationId xmlns:a16="http://schemas.microsoft.com/office/drawing/2014/main" id="{3B9C50A0-F553-4263-9163-884AC32AD0DC}"/>
+              </a:ext>
+            </a:extLst>
+          </p:cNvPr>
+          <p:cNvSpPr/>
+          <p:nvPr/>
+        </p:nvSpPr>
+        <p:spPr>
+          <a:xfrm>
+            <a:off x="8079409" y="3899971"/>
+            <a:ext cx="1456006" cy="520506"/>
+          </a:xfrm>
+          <a:custGeom>
+            <a:avLst/>
+            <a:gdLst>
+              <a:gd name="connsiteX0" fmla="*/ 540616 w 1343017"/>
+              <a:gd name="connsiteY0" fmla="*/ 0 h 520506"/>
+              <a:gd name="connsiteX1" fmla="*/ 1082764 w 1343017"/>
+              <a:gd name="connsiteY1" fmla="*/ 0 h 520506"/>
+              <a:gd name="connsiteX2" fmla="*/ 1343017 w 1343017"/>
+              <a:gd name="connsiteY2" fmla="*/ 260253 h 520506"/>
+              <a:gd name="connsiteX3" fmla="*/ 1343016 w 1343017"/>
+              <a:gd name="connsiteY3" fmla="*/ 260253 h 520506"/>
+              <a:gd name="connsiteX4" fmla="*/ 1082763 w 1343017"/>
+              <a:gd name="connsiteY4" fmla="*/ 520506 h 520506"/>
+              <a:gd name="connsiteX5" fmla="*/ 0 w 1343017"/>
+              <a:gd name="connsiteY5" fmla="*/ 520506 h 520506"/>
+              <a:gd name="connsiteX6" fmla="*/ 105337 w 1343017"/>
+              <a:gd name="connsiteY6" fmla="*/ 450822 h 520506"/>
+              <a:gd name="connsiteX7" fmla="*/ 510734 w 1343017"/>
+              <a:gd name="connsiteY7" fmla="*/ 49088 h 520506"/>
+              <a:gd name="connsiteX8" fmla="*/ 540616 w 1343017"/>
+              <a:gd name="connsiteY8" fmla="*/ 0 h 520506"/>
+            </a:gdLst>
+            <a:ahLst/>
+            <a:cxnLst>
+              <a:cxn ang="0">
+                <a:pos x="connsiteX0" y="connsiteY0"/>
+              </a:cxn>
+              <a:cxn ang="0">
+                <a:pos x="connsiteX1" y="connsiteY1"/>
+              </a:cxn>
+              <a:cxn ang="0">
+                <a:pos x="connsiteX2" y="connsiteY2"/>
+              </a:cxn>
+              <a:cxn ang="0">
+                <a:pos x="connsiteX3" y="connsiteY3"/>
+              </a:cxn>
+              <a:cxn ang="0">
+                <a:pos x="connsiteX4" y="connsiteY4"/>
+              </a:cxn>
+              <a:cxn ang="0">
+                <a:pos x="connsiteX5" y="connsiteY5"/>
+              </a:cxn>
+              <a:cxn ang="0">
+                <a:pos x="connsiteX6" y="connsiteY6"/>
+              </a:cxn>
+              <a:cxn ang="0">
+                <a:pos x="connsiteX7" y="connsiteY7"/>
+              </a:cxn>
+              <a:cxn ang="0">
+                <a:pos x="connsiteX8" y="connsiteY8"/>
+              </a:cxn>
+            </a:cxnLst>
+            <a:rect l="l" t="t" r="r" b="b"/>
+            <a:pathLst>
+              <a:path w="1343017" h="520506">
+                <a:moveTo>
+                  <a:pt x="540616" y="0"/>
+                </a:moveTo>
+                <a:lnTo>
+                  <a:pt x="1082764" y="0"/>
+                </a:lnTo>
+                <a:cubicBezTo>
+                  <a:pt x="1226498" y="0"/>
+                  <a:pt x="1343017" y="116519"/>
+                  <a:pt x="1343017" y="260253"/>
+                </a:cubicBezTo>
+                <a:lnTo>
+                  <a:pt x="1343016" y="260253"/>
+                </a:lnTo>
+                <a:cubicBezTo>
+                  <a:pt x="1343016" y="403987"/>
+                  <a:pt x="1226497" y="520506"/>
+                  <a:pt x="1082763" y="520506"/>
+                </a:cubicBezTo>
+                <a:lnTo>
+                  <a:pt x="0" y="520506"/>
+                </a:lnTo>
+                <a:lnTo>
+                  <a:pt x="105337" y="450822"/>
+                </a:lnTo>
+                <a:cubicBezTo>
+                  <a:pt x="270830" y="330256"/>
+                  <a:pt x="408003" y="195118"/>
+                  <a:pt x="510734" y="49088"/>
+                </a:cubicBezTo>
+                <a:lnTo>
+                  <a:pt x="540616" y="0"/>
+                </a:lnTo>
+                <a:close/>
+              </a:path>
+            </a:pathLst>
+          </a:custGeom>
+          <a:gradFill flip="none" rotWithShape="1">
+            <a:gsLst>
+              <a:gs pos="0">
+                <a:schemeClr val="bg1"/>
+              </a:gs>
+              <a:gs pos="0">
+                <a:schemeClr val="bg1"/>
+              </a:gs>
+              <a:gs pos="0">
+                <a:schemeClr val="bg1"/>
+              </a:gs>
+              <a:gs pos="1000">
+                <a:schemeClr val="bg1"/>
+              </a:gs>
+              <a:gs pos="90000">
+                <a:schemeClr val="bg1"/>
+              </a:gs>
+              <a:gs pos="0">
+                <a:schemeClr val="bg1"/>
+              </a:gs>
+              <a:gs pos="0">
+                <a:srgbClr val="FEFEFF"/>
+              </a:gs>
+              <a:gs pos="1000">
+                <a:srgbClr val="FFFFFF"/>
+              </a:gs>
+              <a:gs pos="0">
+                <a:schemeClr val="bg1"/>
+              </a:gs>
+            </a:gsLst>
+            <a:path path="circle">
+              <a:fillToRect t="100000" r="100000"/>
+            </a:path>
+            <a:tileRect l="-100000" b="-100000"/>
+          </a:gradFill>
+          <a:ln>
+            <a:noFill/>
+          </a:ln>
+          <a:effectLst>
+            <a:outerShdw blurRad="50800" dist="38100" dir="10800000" algn="tl" rotWithShape="0">
+              <a:prstClr val="black">
+                <a:alpha val="40000"/>
+              </a:prstClr>
+            </a:outerShdw>
+          </a:effectLst>
+        </p:spPr>
+        <p:style>
+          <a:lnRef idx="2">
+            <a:schemeClr val="accent1">
+              <a:shade val="50000"/>
+            </a:schemeClr>
+          </a:lnRef>
+          <a:fillRef idx="1">
+            <a:schemeClr val="accent1"/>
+          </a:fillRef>
+          <a:effectRef idx="0">
+            <a:schemeClr val="accent1"/>
+          </a:effectRef>
+          <a:fontRef idx="minor">
+            <a:schemeClr val="lt1"/>
+          </a:fontRef>
+        </p:style>
+        <p:txBody>
+          <a:bodyPr wrap="square" rtlCol="0" anchor="ctr">
+            <a:noAutofit/>
+          </a:bodyPr>
+          <a:lstStyle/>
+          <a:p>
+            <a:pPr algn="ctr"/>
+            <a:endParaRPr lang="fr-CA"/>
+          </a:p>
+        </p:txBody>
+      </p:sp>
+      <p:sp>
+        <p:nvSpPr>
+          <p:cNvPr id="13" name="Freeform: Shape 12">
+            <a:extLst>
+              <a:ext uri="{FF2B5EF4-FFF2-40B4-BE49-F238E27FC236}">
+                <a16:creationId xmlns:a16="http://schemas.microsoft.com/office/drawing/2014/main" id="{6DE38654-A177-46F6-B85E-F7F19ED007B4}"/>
+              </a:ext>
+            </a:extLst>
+          </p:cNvPr>
+          <p:cNvSpPr/>
+          <p:nvPr/>
+        </p:nvSpPr>
+        <p:spPr>
+          <a:xfrm>
+            <a:off x="2312384" y="3929205"/>
+            <a:ext cx="1844403" cy="584775"/>
+          </a:xfrm>
+          <a:custGeom>
+            <a:avLst/>
+            <a:gdLst>
+              <a:gd name="connsiteX0" fmla="*/ 260253 w 1363176"/>
+              <a:gd name="connsiteY0" fmla="*/ 0 h 520506"/>
+              <a:gd name="connsiteX1" fmla="*/ 796163 w 1363176"/>
+              <a:gd name="connsiteY1" fmla="*/ 0 h 520506"/>
+              <a:gd name="connsiteX2" fmla="*/ 808249 w 1363176"/>
+              <a:gd name="connsiteY2" fmla="*/ 19854 h 520506"/>
+              <a:gd name="connsiteX3" fmla="*/ 1213646 w 1363176"/>
+              <a:gd name="connsiteY3" fmla="*/ 421588 h 520506"/>
+              <a:gd name="connsiteX4" fmla="*/ 1363176 w 1363176"/>
+              <a:gd name="connsiteY4" fmla="*/ 520506 h 520506"/>
+              <a:gd name="connsiteX5" fmla="*/ 260253 w 1363176"/>
+              <a:gd name="connsiteY5" fmla="*/ 520505 h 520506"/>
+              <a:gd name="connsiteX6" fmla="*/ 5287 w 1363176"/>
+              <a:gd name="connsiteY6" fmla="*/ 312702 h 520506"/>
+              <a:gd name="connsiteX7" fmla="*/ 0 w 1363176"/>
+              <a:gd name="connsiteY7" fmla="*/ 260253 h 520506"/>
+              <a:gd name="connsiteX8" fmla="*/ 5287 w 1363176"/>
+              <a:gd name="connsiteY8" fmla="*/ 207803 h 520506"/>
+              <a:gd name="connsiteX9" fmla="*/ 260253 w 1363176"/>
+              <a:gd name="connsiteY9" fmla="*/ 0 h 520506"/>
+            </a:gdLst>
+            <a:ahLst/>
+            <a:cxnLst>
+              <a:cxn ang="0">
+                <a:pos x="connsiteX0" y="connsiteY0"/>
+              </a:cxn>
+              <a:cxn ang="0">
+                <a:pos x="connsiteX1" y="connsiteY1"/>
+              </a:cxn>
+              <a:cxn ang="0">
+                <a:pos x="connsiteX2" y="connsiteY2"/>
+              </a:cxn>
+              <a:cxn ang="0">
+                <a:pos x="connsiteX3" y="connsiteY3"/>
+              </a:cxn>
+              <a:cxn ang="0">
+                <a:pos x="connsiteX4" y="connsiteY4"/>
+              </a:cxn>
+              <a:cxn ang="0">
+                <a:pos x="connsiteX5" y="connsiteY5"/>
+              </a:cxn>
+              <a:cxn ang="0">
+                <a:pos x="connsiteX6" y="connsiteY6"/>
+              </a:cxn>
+              <a:cxn ang="0">
+                <a:pos x="connsiteX7" y="connsiteY7"/>
+              </a:cxn>
+              <a:cxn ang="0">
+                <a:pos x="connsiteX8" y="connsiteY8"/>
+              </a:cxn>
+              <a:cxn ang="0">
+                <a:pos x="connsiteX9" y="connsiteY9"/>
+              </a:cxn>
+            </a:cxnLst>
+            <a:rect l="l" t="t" r="r" b="b"/>
+            <a:pathLst>
+              <a:path w="1363176" h="520506">
+                <a:moveTo>
+                  <a:pt x="260253" y="0"/>
+                </a:moveTo>
+                <a:lnTo>
+                  <a:pt x="796163" y="0"/>
+                </a:lnTo>
+                <a:lnTo>
+                  <a:pt x="808249" y="19854"/>
+                </a:lnTo>
+                <a:cubicBezTo>
+                  <a:pt x="910980" y="165884"/>
+                  <a:pt x="1048154" y="301022"/>
+                  <a:pt x="1213646" y="421588"/>
+                </a:cubicBezTo>
+                <a:lnTo>
+                  <a:pt x="1363176" y="520506"/>
+                </a:lnTo>
+                <a:lnTo>
+                  <a:pt x="260253" y="520505"/>
+                </a:lnTo>
+                <a:cubicBezTo>
+                  <a:pt x="134486" y="520505"/>
+                  <a:pt x="29555" y="431295"/>
+                  <a:pt x="5287" y="312702"/>
+                </a:cubicBezTo>
+                <a:lnTo>
+                  <a:pt x="0" y="260253"/>
+                </a:lnTo>
+                <a:lnTo>
+                  <a:pt x="5287" y="207803"/>
+                </a:lnTo>
+                <a:cubicBezTo>
+                  <a:pt x="29555" y="89210"/>
+                  <a:pt x="134486" y="0"/>
+                  <a:pt x="260253" y="0"/>
+                </a:cubicBezTo>
+                <a:close/>
+              </a:path>
+            </a:pathLst>
+          </a:custGeom>
+          <a:gradFill flip="none" rotWithShape="1">
+            <a:gsLst>
+              <a:gs pos="0">
+                <a:schemeClr val="bg1"/>
+              </a:gs>
+              <a:gs pos="0">
+                <a:schemeClr val="bg1"/>
+              </a:gs>
+              <a:gs pos="0">
+                <a:schemeClr val="bg1"/>
+              </a:gs>
+              <a:gs pos="1000">
+                <a:schemeClr val="bg1"/>
+              </a:gs>
+              <a:gs pos="90000">
+                <a:schemeClr val="bg1"/>
+              </a:gs>
+              <a:gs pos="0">
+                <a:schemeClr val="bg1"/>
+              </a:gs>
+              <a:gs pos="0">
+                <a:srgbClr val="FEFEFF"/>
+              </a:gs>
+              <a:gs pos="1000">
+                <a:srgbClr val="FFFFFF"/>
+              </a:gs>
+              <a:gs pos="0">
+                <a:schemeClr val="bg1"/>
+              </a:gs>
+            </a:gsLst>
+            <a:path path="circle">
+              <a:fillToRect t="100000" r="100000"/>
+            </a:path>
+            <a:tileRect l="-100000" b="-100000"/>
+          </a:gradFill>
+          <a:ln>
+            <a:noFill/>
+          </a:ln>
+          <a:effectLst>
+            <a:outerShdw blurRad="50800" dist="38100" algn="l" rotWithShape="0">
+              <a:prstClr val="black">
+                <a:alpha val="40000"/>
+              </a:prstClr>
+            </a:outerShdw>
+          </a:effectLst>
+        </p:spPr>
+        <p:style>
+          <a:lnRef idx="2">
+            <a:schemeClr val="accent1">
+              <a:shade val="50000"/>
+            </a:schemeClr>
+          </a:lnRef>
+          <a:fillRef idx="1">
+            <a:schemeClr val="accent1"/>
+          </a:fillRef>
+          <a:effectRef idx="0">
+            <a:schemeClr val="accent1"/>
+          </a:effectRef>
+          <a:fontRef idx="minor">
+            <a:schemeClr val="lt1"/>
+          </a:fontRef>
+        </p:style>
+        <p:txBody>
+          <a:bodyPr wrap="square" rtlCol="0" anchor="ctr">
+            <a:noAutofit/>
+          </a:bodyPr>
+          <a:lstStyle/>
+          <a:p>
+            <a:pPr algn="ctr"/>
+            <a:endParaRPr lang="fr-CA"/>
+          </a:p>
+        </p:txBody>
+      </p:sp>
+      <p:sp>
+        <p:nvSpPr>
+          <p:cNvPr id="27" name="TextBox 26">
+            <a:extLst>
+              <a:ext uri="{FF2B5EF4-FFF2-40B4-BE49-F238E27FC236}">
+                <a16:creationId xmlns:a16="http://schemas.microsoft.com/office/drawing/2014/main" id="{248791A8-2700-4FF2-993C-F0B04E6CA7B0}"/>
+              </a:ext>
+            </a:extLst>
+          </p:cNvPr>
+          <p:cNvSpPr txBox="1"/>
+          <p:nvPr/>
+        </p:nvSpPr>
+        <p:spPr>
+          <a:xfrm>
+            <a:off x="4058781" y="2813880"/>
+            <a:ext cx="579233" cy="584775"/>
+          </a:xfrm>
+          <a:prstGeom prst="rect">
+            <a:avLst/>
+          </a:prstGeom>
+          <a:noFill/>
+        </p:spPr>
+        <p:txBody>
+          <a:bodyPr wrap="square" rtlCol="0">
+            <a:spAutoFit/>
+          </a:bodyPr>
+          <a:lstStyle/>
+          <a:p>
+            <a:r>
+              <a:rPr lang="fr-FR" sz="3200" dirty="0">
+                <a:latin typeface="Aharoni" panose="02010803020104030203" pitchFamily="2" charset="-79"/>
+                <a:cs typeface="Aharoni" panose="02010803020104030203" pitchFamily="2" charset="-79"/>
+              </a:rPr>
+              <a:t>2</a:t>
+            </a:r>
+            <a:endParaRPr lang="fr-CA" sz="3200" dirty="0">
+              <a:latin typeface="Aharoni" panose="02010803020104030203" pitchFamily="2" charset="-79"/>
+              <a:cs typeface="Aharoni" panose="02010803020104030203" pitchFamily="2" charset="-79"/>
+            </a:endParaRPr>
+          </a:p>
+        </p:txBody>
+      </p:sp>
+      <p:sp>
+        <p:nvSpPr>
+          <p:cNvPr id="33" name="TextBox 32">
+            <a:extLst>
+              <a:ext uri="{FF2B5EF4-FFF2-40B4-BE49-F238E27FC236}">
+                <a16:creationId xmlns:a16="http://schemas.microsoft.com/office/drawing/2014/main" id="{2388B9D3-D69E-4F19-95BD-ED6107F43D61}"/>
+              </a:ext>
+            </a:extLst>
+          </p:cNvPr>
+          <p:cNvSpPr txBox="1"/>
+          <p:nvPr/>
+        </p:nvSpPr>
+        <p:spPr>
+          <a:xfrm>
+            <a:off x="4303144" y="2031068"/>
+            <a:ext cx="441769" cy="584775"/>
+          </a:xfrm>
+          <a:prstGeom prst="rect">
+            <a:avLst/>
+          </a:prstGeom>
+          <a:noFill/>
+        </p:spPr>
+        <p:txBody>
+          <a:bodyPr wrap="square">
+            <a:spAutoFit/>
+          </a:bodyPr>
+          <a:lstStyle/>
+          <a:p>
+            <a:r>
+              <a:rPr lang="fr-FR" sz="3200" dirty="0">
+                <a:latin typeface="Aharoni" panose="02010803020104030203" pitchFamily="2" charset="-79"/>
+                <a:cs typeface="Aharoni" panose="02010803020104030203" pitchFamily="2" charset="-79"/>
+              </a:rPr>
+              <a:t>1</a:t>
+            </a:r>
+            <a:endParaRPr lang="fr-CA" sz="3200" dirty="0">
+              <a:latin typeface="Aharoni" panose="02010803020104030203" pitchFamily="2" charset="-79"/>
+              <a:cs typeface="Aharoni" panose="02010803020104030203" pitchFamily="2" charset="-79"/>
+            </a:endParaRPr>
+          </a:p>
+        </p:txBody>
+      </p:sp>
+      <p:sp>
+        <p:nvSpPr>
+          <p:cNvPr id="36" name="TextBox 35">
+            <a:extLst>
+              <a:ext uri="{FF2B5EF4-FFF2-40B4-BE49-F238E27FC236}">
+                <a16:creationId xmlns:a16="http://schemas.microsoft.com/office/drawing/2014/main" id="{183BCED2-34D0-415A-B2EE-F6D208CA5DD3}"/>
+              </a:ext>
+            </a:extLst>
+          </p:cNvPr>
+          <p:cNvSpPr txBox="1"/>
+          <p:nvPr/>
+        </p:nvSpPr>
+        <p:spPr>
+          <a:xfrm>
+            <a:off x="4248443" y="3864936"/>
+            <a:ext cx="2148436" cy="594522"/>
+          </a:xfrm>
+          <a:prstGeom prst="rect">
+            <a:avLst/>
+          </a:prstGeom>
+          <a:noFill/>
+        </p:spPr>
+        <p:txBody>
+          <a:bodyPr wrap="square" rtlCol="0">
+            <a:spAutoFit/>
+          </a:bodyPr>
+          <a:lstStyle/>
+          <a:p>
+            <a:r>
+              <a:rPr lang="fr-FR" sz="3200" dirty="0">
+                <a:latin typeface="Aharoni" panose="02010803020104030203" pitchFamily="2" charset="-79"/>
+                <a:cs typeface="Aharoni" panose="02010803020104030203" pitchFamily="2" charset="-79"/>
+              </a:rPr>
+              <a:t>3</a:t>
+            </a:r>
+            <a:endParaRPr lang="fr-CA" sz="3200" dirty="0">
+              <a:latin typeface="Aharoni" panose="02010803020104030203" pitchFamily="2" charset="-79"/>
+              <a:cs typeface="Aharoni" panose="02010803020104030203" pitchFamily="2" charset="-79"/>
+            </a:endParaRPr>
+          </a:p>
+        </p:txBody>
+      </p:sp>
+      <p:sp>
+        <p:nvSpPr>
+          <p:cNvPr id="37" name="TextBox 36">
+            <a:extLst>
+              <a:ext uri="{FF2B5EF4-FFF2-40B4-BE49-F238E27FC236}">
+                <a16:creationId xmlns:a16="http://schemas.microsoft.com/office/drawing/2014/main" id="{6FEBA7F3-1C1B-4733-BEAA-4780068E5F56}"/>
+              </a:ext>
+            </a:extLst>
+          </p:cNvPr>
+          <p:cNvSpPr txBox="1"/>
+          <p:nvPr/>
+        </p:nvSpPr>
+        <p:spPr>
+          <a:xfrm>
+            <a:off x="7569192" y="3835702"/>
+            <a:ext cx="362642" cy="584775"/>
+          </a:xfrm>
+          <a:prstGeom prst="rect">
+            <a:avLst/>
+          </a:prstGeom>
+          <a:noFill/>
+        </p:spPr>
+        <p:txBody>
+          <a:bodyPr wrap="square" rtlCol="0">
+            <a:spAutoFit/>
+          </a:bodyPr>
+          <a:lstStyle/>
+          <a:p>
+            <a:r>
+              <a:rPr lang="fr-FR" sz="3200" dirty="0">
+                <a:latin typeface="Aharoni" panose="02010803020104030203" pitchFamily="2" charset="-79"/>
+                <a:cs typeface="Aharoni" panose="02010803020104030203" pitchFamily="2" charset="-79"/>
+              </a:rPr>
+              <a:t>4</a:t>
+            </a:r>
+            <a:endParaRPr lang="fr-CA" sz="3200" dirty="0">
+              <a:latin typeface="Aharoni" panose="02010803020104030203" pitchFamily="2" charset="-79"/>
+              <a:cs typeface="Aharoni" panose="02010803020104030203" pitchFamily="2" charset="-79"/>
+            </a:endParaRPr>
+          </a:p>
+        </p:txBody>
+      </p:sp>
+      <p:sp>
+        <p:nvSpPr>
+          <p:cNvPr id="38" name="TextBox 37">
+            <a:extLst>
+              <a:ext uri="{FF2B5EF4-FFF2-40B4-BE49-F238E27FC236}">
+                <a16:creationId xmlns:a16="http://schemas.microsoft.com/office/drawing/2014/main" id="{8AE4373A-9C12-4449-ACA3-4ED7B20344CD}"/>
+              </a:ext>
+            </a:extLst>
+          </p:cNvPr>
+          <p:cNvSpPr txBox="1"/>
+          <p:nvPr/>
+        </p:nvSpPr>
+        <p:spPr>
+          <a:xfrm>
+            <a:off x="8142423" y="2824775"/>
+            <a:ext cx="1099111" cy="584775"/>
+          </a:xfrm>
+          <a:prstGeom prst="rect">
+            <a:avLst/>
+          </a:prstGeom>
+          <a:noFill/>
+        </p:spPr>
+        <p:txBody>
+          <a:bodyPr wrap="square" rtlCol="0">
+            <a:spAutoFit/>
+          </a:bodyPr>
+          <a:lstStyle/>
+          <a:p>
+            <a:r>
+              <a:rPr lang="fr-FR" sz="3200" dirty="0">
+                <a:latin typeface="Aharoni" panose="02010803020104030203" pitchFamily="2" charset="-79"/>
+                <a:cs typeface="Aharoni" panose="02010803020104030203" pitchFamily="2" charset="-79"/>
+              </a:rPr>
+              <a:t>5</a:t>
+            </a:r>
+            <a:endParaRPr lang="fr-CA" sz="3200" dirty="0">
+              <a:latin typeface="Aharoni" panose="02010803020104030203" pitchFamily="2" charset="-79"/>
+              <a:cs typeface="Aharoni" panose="02010803020104030203" pitchFamily="2" charset="-79"/>
+            </a:endParaRPr>
+          </a:p>
+        </p:txBody>
+      </p:sp>
+      <p:sp>
+        <p:nvSpPr>
+          <p:cNvPr id="39" name="TextBox 38">
+            <a:extLst>
+              <a:ext uri="{FF2B5EF4-FFF2-40B4-BE49-F238E27FC236}">
+                <a16:creationId xmlns:a16="http://schemas.microsoft.com/office/drawing/2014/main" id="{61FC1A44-A4B2-41CC-88B9-A5E21004A54F}"/>
+              </a:ext>
+            </a:extLst>
+          </p:cNvPr>
+          <p:cNvSpPr txBox="1"/>
+          <p:nvPr/>
+        </p:nvSpPr>
+        <p:spPr>
+          <a:xfrm>
+            <a:off x="7312270" y="2067202"/>
+            <a:ext cx="871026" cy="584775"/>
+          </a:xfrm>
+          <a:prstGeom prst="rect">
+            <a:avLst/>
+          </a:prstGeom>
+          <a:noFill/>
+        </p:spPr>
+        <p:txBody>
+          <a:bodyPr wrap="square" rtlCol="0">
+            <a:spAutoFit/>
+          </a:bodyPr>
+          <a:lstStyle/>
+          <a:p>
+            <a:r>
+              <a:rPr lang="fr-FR" sz="3200" dirty="0">
+                <a:latin typeface="Aharoni" panose="02010803020104030203" pitchFamily="2" charset="-79"/>
+                <a:cs typeface="Aharoni" panose="02010803020104030203" pitchFamily="2" charset="-79"/>
+              </a:rPr>
+              <a:t>6</a:t>
+            </a:r>
+            <a:endParaRPr lang="fr-CA" sz="3200" dirty="0">
+              <a:latin typeface="Aharoni" panose="02010803020104030203" pitchFamily="2" charset="-79"/>
+              <a:cs typeface="Aharoni" panose="02010803020104030203" pitchFamily="2" charset="-79"/>
+            </a:endParaRPr>
+          </a:p>
+        </p:txBody>
+      </p:sp>
+      <p:sp>
+        <p:nvSpPr>
+          <p:cNvPr id="40" name="TextBox 39">
+            <a:extLst>
+              <a:ext uri="{FF2B5EF4-FFF2-40B4-BE49-F238E27FC236}">
+                <a16:creationId xmlns:a16="http://schemas.microsoft.com/office/drawing/2014/main" id="{BD2138B4-38AD-46D2-A2DC-820CF9B3F572}"/>
+              </a:ext>
+            </a:extLst>
+          </p:cNvPr>
+          <p:cNvSpPr txBox="1"/>
+          <p:nvPr/>
+        </p:nvSpPr>
+        <p:spPr>
+          <a:xfrm>
+            <a:off x="2617594" y="2186313"/>
+            <a:ext cx="1507021" cy="338554"/>
+          </a:xfrm>
+          <a:prstGeom prst="rect">
+            <a:avLst/>
+          </a:prstGeom>
+          <a:noFill/>
+        </p:spPr>
+        <p:txBody>
+          <a:bodyPr wrap="square" rtlCol="0">
+            <a:spAutoFit/>
+          </a:bodyPr>
+          <a:lstStyle/>
+          <a:p>
+            <a:r>
+              <a:rPr lang="fr-FR" sz="1600" dirty="0">
+                <a:latin typeface="Franklin Gothic Heavy" panose="020B0903020102020204" pitchFamily="34" charset="0"/>
+              </a:rPr>
+              <a:t>Introduction</a:t>
+            </a:r>
+            <a:endParaRPr lang="fr-CA" sz="1600" dirty="0">
+              <a:latin typeface="Franklin Gothic Heavy" panose="020B0903020102020204" pitchFamily="34" charset="0"/>
+            </a:endParaRPr>
+          </a:p>
+        </p:txBody>
+      </p:sp>
+      <p:sp>
+        <p:nvSpPr>
+          <p:cNvPr id="41" name="TextBox 40">
+            <a:extLst>
+              <a:ext uri="{FF2B5EF4-FFF2-40B4-BE49-F238E27FC236}">
+                <a16:creationId xmlns:a16="http://schemas.microsoft.com/office/drawing/2014/main" id="{B126E20F-58F7-4EE5-8AAD-5D0518281241}"/>
+              </a:ext>
+            </a:extLst>
+          </p:cNvPr>
+          <p:cNvSpPr txBox="1"/>
+          <p:nvPr/>
+        </p:nvSpPr>
+        <p:spPr>
+          <a:xfrm>
+            <a:off x="2090747" y="2936990"/>
+            <a:ext cx="1844403" cy="338554"/>
+          </a:xfrm>
+          <a:prstGeom prst="rect">
+            <a:avLst/>
+          </a:prstGeom>
+          <a:noFill/>
+        </p:spPr>
+        <p:txBody>
+          <a:bodyPr wrap="square" rtlCol="0">
+            <a:spAutoFit/>
+          </a:bodyPr>
+          <a:lstStyle/>
+          <a:p>
+            <a:r>
+              <a:rPr lang="en-GB" sz="1600" dirty="0">
+                <a:latin typeface="Franklin Gothic Heavy" panose="020B0903020102020204" pitchFamily="34" charset="0"/>
+              </a:rPr>
+              <a:t>Components</a:t>
+            </a:r>
+          </a:p>
+        </p:txBody>
+      </p:sp>
+      <p:sp>
+        <p:nvSpPr>
+          <p:cNvPr id="44" name="TextBox 43">
+            <a:extLst>
+              <a:ext uri="{FF2B5EF4-FFF2-40B4-BE49-F238E27FC236}">
+                <a16:creationId xmlns:a16="http://schemas.microsoft.com/office/drawing/2014/main" id="{08DE7E89-33C8-4A43-A11F-9FBF5FD86037}"/>
+              </a:ext>
+            </a:extLst>
+          </p:cNvPr>
+          <p:cNvSpPr txBox="1"/>
+          <p:nvPr/>
+        </p:nvSpPr>
+        <p:spPr>
+          <a:xfrm>
+            <a:off x="2252751" y="4052315"/>
+            <a:ext cx="1844403" cy="338554"/>
+          </a:xfrm>
+          <a:prstGeom prst="rect">
+            <a:avLst/>
+          </a:prstGeom>
+          <a:noFill/>
+        </p:spPr>
+        <p:txBody>
+          <a:bodyPr wrap="square" rtlCol="0">
+            <a:spAutoFit/>
+          </a:bodyPr>
+          <a:lstStyle/>
+          <a:p>
+            <a:r>
+              <a:rPr lang="en-GB" sz="1600" dirty="0">
+                <a:latin typeface="Franklin Gothic Heavy" panose="020B0903020102020204" pitchFamily="34" charset="0"/>
+              </a:rPr>
+              <a:t>Role In Society</a:t>
+            </a:r>
+          </a:p>
+        </p:txBody>
+      </p:sp>
+      <p:sp>
+        <p:nvSpPr>
+          <p:cNvPr id="45" name="TextBox 44">
+            <a:extLst>
+              <a:ext uri="{FF2B5EF4-FFF2-40B4-BE49-F238E27FC236}">
+                <a16:creationId xmlns:a16="http://schemas.microsoft.com/office/drawing/2014/main" id="{78E41DA1-496A-43AB-A63B-9676F66E71E9}"/>
+              </a:ext>
+            </a:extLst>
+          </p:cNvPr>
+          <p:cNvSpPr txBox="1"/>
+          <p:nvPr/>
+        </p:nvSpPr>
+        <p:spPr>
+          <a:xfrm>
+            <a:off x="8223884" y="2127316"/>
+            <a:ext cx="1858993" cy="338554"/>
+          </a:xfrm>
+          <a:prstGeom prst="rect">
+            <a:avLst/>
+          </a:prstGeom>
+          <a:noFill/>
+        </p:spPr>
+        <p:txBody>
+          <a:bodyPr wrap="square" rtlCol="0">
+            <a:spAutoFit/>
+          </a:bodyPr>
+          <a:lstStyle/>
+          <a:p>
+            <a:r>
+              <a:rPr lang="fr-FR" sz="1600" dirty="0">
+                <a:latin typeface="Franklin Gothic Heavy" panose="020B0903020102020204" pitchFamily="34" charset="0"/>
+              </a:rPr>
+              <a:t>Impact</a:t>
+            </a:r>
+            <a:endParaRPr lang="fr-CA" sz="1600" dirty="0">
+              <a:latin typeface="Franklin Gothic Heavy" panose="020B0903020102020204" pitchFamily="34" charset="0"/>
+            </a:endParaRPr>
+          </a:p>
+        </p:txBody>
+      </p:sp>
+      <p:sp>
+        <p:nvSpPr>
+          <p:cNvPr id="46" name="TextBox 45">
+            <a:extLst>
+              <a:ext uri="{FF2B5EF4-FFF2-40B4-BE49-F238E27FC236}">
+                <a16:creationId xmlns:a16="http://schemas.microsoft.com/office/drawing/2014/main" id="{93FABC29-C1EE-42C1-9A11-C230CBCA432E}"/>
+              </a:ext>
+            </a:extLst>
+          </p:cNvPr>
+          <p:cNvSpPr txBox="1"/>
+          <p:nvPr/>
+        </p:nvSpPr>
+        <p:spPr>
+          <a:xfrm>
+            <a:off x="8846744" y="2936990"/>
+            <a:ext cx="1236133" cy="338554"/>
+          </a:xfrm>
+          <a:prstGeom prst="rect">
+            <a:avLst/>
+          </a:prstGeom>
+          <a:noFill/>
+        </p:spPr>
+        <p:txBody>
+          <a:bodyPr wrap="square" rtlCol="0">
+            <a:spAutoFit/>
+          </a:bodyPr>
+          <a:lstStyle/>
+          <a:p>
+            <a:r>
+              <a:rPr lang="fr-FR" sz="1600" dirty="0">
+                <a:latin typeface="Franklin Gothic Heavy" panose="020B0903020102020204" pitchFamily="34" charset="0"/>
+              </a:rPr>
+              <a:t>Tools</a:t>
+            </a:r>
+            <a:endParaRPr lang="fr-CA" sz="1600" dirty="0">
+              <a:latin typeface="Franklin Gothic Heavy" panose="020B0903020102020204" pitchFamily="34" charset="0"/>
+            </a:endParaRPr>
+          </a:p>
+        </p:txBody>
+      </p:sp>
+      <p:sp>
+        <p:nvSpPr>
+          <p:cNvPr id="47" name="TextBox 46">
+            <a:extLst>
+              <a:ext uri="{FF2B5EF4-FFF2-40B4-BE49-F238E27FC236}">
+                <a16:creationId xmlns:a16="http://schemas.microsoft.com/office/drawing/2014/main" id="{E0360B47-5D98-45EA-A66D-49E03705FE1D}"/>
+              </a:ext>
+            </a:extLst>
+          </p:cNvPr>
+          <p:cNvSpPr txBox="1"/>
+          <p:nvPr/>
+        </p:nvSpPr>
+        <p:spPr>
+          <a:xfrm>
+            <a:off x="8350277" y="3988046"/>
+            <a:ext cx="2665426" cy="338554"/>
+          </a:xfrm>
+          <a:prstGeom prst="rect">
+            <a:avLst/>
+          </a:prstGeom>
+          <a:noFill/>
+        </p:spPr>
+        <p:txBody>
+          <a:bodyPr wrap="square" rtlCol="0">
+            <a:spAutoFit/>
+          </a:bodyPr>
+          <a:lstStyle/>
+          <a:p>
+            <a:r>
+              <a:rPr lang="fr-FR" sz="1600" dirty="0">
+                <a:latin typeface="Franklin Gothic Heavy" panose="020B0903020102020204" pitchFamily="34" charset="0"/>
+              </a:rPr>
+              <a:t>Conclusion</a:t>
+            </a:r>
+            <a:endParaRPr lang="fr-CA" sz="1600" dirty="0">
+              <a:latin typeface="Franklin Gothic Heavy" panose="020B0903020102020204" pitchFamily="34" charset="0"/>
+            </a:endParaRPr>
+          </a:p>
+        </p:txBody>
+      </p:sp>
+      <p:sp>
+        <p:nvSpPr>
+          <p:cNvPr id="49" name="Rectangle 48">
+            <a:extLst>
+              <a:ext uri="{FF2B5EF4-FFF2-40B4-BE49-F238E27FC236}">
+                <a16:creationId xmlns:a16="http://schemas.microsoft.com/office/drawing/2014/main" id="{11DCAB42-55FC-42C5-A871-A4A3468A80A1}"/>
+              </a:ext>
+            </a:extLst>
+          </p:cNvPr>
+          <p:cNvSpPr/>
+          <p:nvPr/>
+        </p:nvSpPr>
+        <p:spPr>
+          <a:xfrm>
+            <a:off x="4953830" y="2967335"/>
+            <a:ext cx="2284340" cy="923330"/>
+          </a:xfrm>
+          <a:prstGeom prst="rect">
+            <a:avLst/>
+          </a:prstGeom>
+          <a:noFill/>
+        </p:spPr>
+        <p:txBody>
+          <a:bodyPr wrap="none" lIns="91440" tIns="45720" rIns="91440" bIns="45720">
+            <a:prstTxWarp prst="textDoubleWave1">
+              <a:avLst/>
+            </a:prstTxWarp>
+            <a:spAutoFit/>
+          </a:bodyPr>
+          <a:lstStyle/>
+          <a:p>
+            <a:pPr algn="ctr"/>
+            <a:r>
+              <a:rPr lang="fr-FR" sz="5400" b="1" cap="none" spc="0" dirty="0">
+                <a:ln w="12700">
+                  <a:solidFill>
+                    <a:schemeClr val="accent1">
+                      <a:lumMod val="50000"/>
+                    </a:schemeClr>
+                  </a:solidFill>
+                  <a:prstDash val="solid"/>
+                </a:ln>
+                <a:pattFill prst="pct50">
+                  <a:fgClr>
+                    <a:schemeClr val="accent1"/>
+                  </a:fgClr>
+                  <a:bgClr>
+                    <a:schemeClr val="accent1">
+                      <a:lumMod val="20000"/>
+                      <a:lumOff val="80000"/>
+                    </a:schemeClr>
+                  </a:bgClr>
+                </a:pattFill>
+                <a:effectLst>
+                  <a:outerShdw dist="38100" dir="2640000" algn="bl" rotWithShape="0">
+                    <a:schemeClr val="accent1"/>
+                  </a:outerShdw>
+                  <a:reflection blurRad="6350" stA="60000" endA="900" endPos="60000" dist="60007" dir="5400000" sy="-100000" algn="bl" rotWithShape="0"/>
+                </a:effectLst>
+                <a:latin typeface="BIZ UDPGothic" panose="020B0400000000000000" pitchFamily="34" charset="-128"/>
+                <a:ea typeface="BIZ UDPGothic" panose="020B0400000000000000" pitchFamily="34" charset="-128"/>
+              </a:rPr>
+              <a:t>Plan</a:t>
+            </a:r>
+            <a:endParaRPr lang="fr-CA" sz="5400" b="1" cap="none" spc="0" dirty="0">
+              <a:ln w="12700">
+                <a:solidFill>
+                  <a:schemeClr val="accent1">
+                    <a:lumMod val="50000"/>
+                  </a:schemeClr>
+                </a:solidFill>
+                <a:prstDash val="solid"/>
+              </a:ln>
+              <a:pattFill prst="pct50">
+                <a:fgClr>
+                  <a:schemeClr val="accent1"/>
+                </a:fgClr>
+                <a:bgClr>
+                  <a:schemeClr val="accent1">
+                    <a:lumMod val="20000"/>
+                    <a:lumOff val="80000"/>
+                  </a:schemeClr>
+                </a:bgClr>
+              </a:pattFill>
+              <a:effectLst>
+                <a:outerShdw dist="38100" dir="2640000" algn="bl" rotWithShape="0">
+                  <a:schemeClr val="accent1"/>
+                </a:outerShdw>
+                <a:reflection blurRad="6350" stA="60000" endA="900" endPos="60000" dist="60007" dir="5400000" sy="-100000" algn="bl" rotWithShape="0"/>
+              </a:effectLst>
+            </a:endParaRPr>
           </a:p>
         </p:txBody>
       </p:sp>
     </p:spTree>
     <p:extLst>
       <p:ext uri="{BB962C8B-B14F-4D97-AF65-F5344CB8AC3E}">
-        <p14:creationId xmlns:p14="http://schemas.microsoft.com/office/powerpoint/2010/main" val="2447677947"/>
+        <p14:creationId xmlns:p14="http://schemas.microsoft.com/office/powerpoint/2010/main" val="3514482471"/>
       </p:ext>
     </p:extLst>
   </p:cSld>
   <p:clrMapOvr>
     <a:masterClrMapping/>
   </p:clrMapOvr>
-</p:sld>
-</file>
-
-<file path=ppt/slides/slide4.xml><?xml version="1.0" encoding="utf-8"?>
-<p:sld xmlns:a="http://schemas.openxmlformats.org/drawingml/2006/main" xmlns:r="http://schemas.openxmlformats.org/officeDocument/2006/relationships" xmlns:p="http://schemas.openxmlformats.org/presentationml/2006/main">
-  <p:cSld>
-    <p:spTree>
-      <p:nvGrpSpPr>
-        <p:cNvPr id="1" name=""/>
-        <p:cNvGrpSpPr/>
-        <p:nvPr/>
-      </p:nvGrpSpPr>
-      <p:grpSpPr>
-        <a:xfrm>
-          <a:off x="0" y="0"/>
-          <a:ext cx="0" cy="0"/>
-          <a:chOff x="0" y="0"/>
-          <a:chExt cx="0" cy="0"/>
-        </a:xfrm>
-      </p:grpSpPr>
-    </p:spTree>
-    <p:extLst>
-      <p:ext uri="{BB962C8B-B14F-4D97-AF65-F5344CB8AC3E}">
-        <p14:creationId xmlns:p14="http://schemas.microsoft.com/office/powerpoint/2010/main" val="2501319956"/>
-      </p:ext>
-    </p:extLst>
-  </p:cSld>
-  <p:clrMapOvr>
-    <a:masterClrMapping/>
-  </p:clrMapOvr>
+  <p:timing>
+    <p:tnLst>
+      <p:par>
+        <p:cTn id="1" dur="indefinite" restart="never" nodeType="tmRoot">
+          <p:childTnLst>
+            <p:seq concurrent="1" nextAc="seek">
+              <p:cTn id="2" dur="indefinite" nodeType="mainSeq">
+                <p:childTnLst>
+                  <p:par>
+                    <p:cTn id="3" fill="hold">
+                      <p:stCondLst>
+                        <p:cond delay="indefinite"/>
+                      </p:stCondLst>
+                      <p:childTnLst>
+                        <p:par>
+                          <p:cTn id="4" fill="hold">
+                            <p:stCondLst>
+                              <p:cond delay="0"/>
+                            </p:stCondLst>
+                            <p:childTnLst>
+                              <p:par>
+                                <p:cTn id="5" presetID="16" presetClass="entr" presetSubtype="37" fill="hold" grpId="0" nodeType="clickEffect">
+                                  <p:stCondLst>
+                                    <p:cond delay="0"/>
+                                  </p:stCondLst>
+                                  <p:childTnLst>
+                                    <p:set>
+                                      <p:cBhvr>
+                                        <p:cTn id="6" dur="1" fill="hold">
+                                          <p:stCondLst>
+                                            <p:cond delay="0"/>
+                                          </p:stCondLst>
+                                        </p:cTn>
+                                        <p:tgtEl>
+                                          <p:spTgt spid="18"/>
+                                        </p:tgtEl>
+                                        <p:attrNameLst>
+                                          <p:attrName>style.visibility</p:attrName>
+                                        </p:attrNameLst>
+                                      </p:cBhvr>
+                                      <p:to>
+                                        <p:strVal val="visible"/>
+                                      </p:to>
+                                    </p:set>
+                                    <p:animEffect transition="in" filter="barn(outVertical)">
+                                      <p:cBhvr>
+                                        <p:cTn id="7" dur="500"/>
+                                        <p:tgtEl>
+                                          <p:spTgt spid="18"/>
+                                        </p:tgtEl>
+                                      </p:cBhvr>
+                                    </p:animEffect>
+                                  </p:childTnLst>
+                                </p:cTn>
+                              </p:par>
+                            </p:childTnLst>
+                          </p:cTn>
+                        </p:par>
+                        <p:par>
+                          <p:cTn id="8" fill="hold">
+                            <p:stCondLst>
+                              <p:cond delay="500"/>
+                            </p:stCondLst>
+                            <p:childTnLst>
+                              <p:par>
+                                <p:cTn id="9" presetID="1" presetClass="entr" presetSubtype="0" fill="hold" grpId="0" nodeType="afterEffect">
+                                  <p:stCondLst>
+                                    <p:cond delay="0"/>
+                                  </p:stCondLst>
+                                  <p:childTnLst>
+                                    <p:set>
+                                      <p:cBhvr>
+                                        <p:cTn id="10" dur="1" fill="hold">
+                                          <p:stCondLst>
+                                            <p:cond delay="0"/>
+                                          </p:stCondLst>
+                                        </p:cTn>
+                                        <p:tgtEl>
+                                          <p:spTgt spid="25"/>
+                                        </p:tgtEl>
+                                        <p:attrNameLst>
+                                          <p:attrName>style.visibility</p:attrName>
+                                        </p:attrNameLst>
+                                      </p:cBhvr>
+                                      <p:to>
+                                        <p:strVal val="visible"/>
+                                      </p:to>
+                                    </p:set>
+                                  </p:childTnLst>
+                                </p:cTn>
+                              </p:par>
+                            </p:childTnLst>
+                          </p:cTn>
+                        </p:par>
+                        <p:par>
+                          <p:cTn id="11" fill="hold">
+                            <p:stCondLst>
+                              <p:cond delay="500"/>
+                            </p:stCondLst>
+                            <p:childTnLst>
+                              <p:par>
+                                <p:cTn id="12" presetID="1" presetClass="entr" presetSubtype="0" fill="hold" grpId="0" nodeType="afterEffect">
+                                  <p:stCondLst>
+                                    <p:cond delay="0"/>
+                                  </p:stCondLst>
+                                  <p:childTnLst>
+                                    <p:set>
+                                      <p:cBhvr>
+                                        <p:cTn id="13" dur="1" fill="hold">
+                                          <p:stCondLst>
+                                            <p:cond delay="0"/>
+                                          </p:stCondLst>
+                                        </p:cTn>
+                                        <p:tgtEl>
+                                          <p:spTgt spid="33"/>
+                                        </p:tgtEl>
+                                        <p:attrNameLst>
+                                          <p:attrName>style.visibility</p:attrName>
+                                        </p:attrNameLst>
+                                      </p:cBhvr>
+                                      <p:to>
+                                        <p:strVal val="visible"/>
+                                      </p:to>
+                                    </p:set>
+                                  </p:childTnLst>
+                                </p:cTn>
+                              </p:par>
+                            </p:childTnLst>
+                          </p:cTn>
+                        </p:par>
+                        <p:par>
+                          <p:cTn id="14" fill="hold">
+                            <p:stCondLst>
+                              <p:cond delay="500"/>
+                            </p:stCondLst>
+                            <p:childTnLst>
+                              <p:par>
+                                <p:cTn id="15" presetID="10" presetClass="entr" presetSubtype="0" fill="hold" grpId="0" nodeType="afterEffect">
+                                  <p:stCondLst>
+                                    <p:cond delay="500"/>
+                                  </p:stCondLst>
+                                  <p:childTnLst>
+                                    <p:set>
+                                      <p:cBhvr>
+                                        <p:cTn id="16" dur="1" fill="hold">
+                                          <p:stCondLst>
+                                            <p:cond delay="0"/>
+                                          </p:stCondLst>
+                                        </p:cTn>
+                                        <p:tgtEl>
+                                          <p:spTgt spid="40"/>
+                                        </p:tgtEl>
+                                        <p:attrNameLst>
+                                          <p:attrName>style.visibility</p:attrName>
+                                        </p:attrNameLst>
+                                      </p:cBhvr>
+                                      <p:to>
+                                        <p:strVal val="visible"/>
+                                      </p:to>
+                                    </p:set>
+                                    <p:animEffect transition="in" filter="fade">
+                                      <p:cBhvr>
+                                        <p:cTn id="17" dur="500"/>
+                                        <p:tgtEl>
+                                          <p:spTgt spid="40"/>
+                                        </p:tgtEl>
+                                      </p:cBhvr>
+                                    </p:animEffect>
+                                  </p:childTnLst>
+                                </p:cTn>
+                              </p:par>
+                            </p:childTnLst>
+                          </p:cTn>
+                        </p:par>
+                        <p:par>
+                          <p:cTn id="18" fill="hold">
+                            <p:stCondLst>
+                              <p:cond delay="1500"/>
+                            </p:stCondLst>
+                            <p:childTnLst>
+                              <p:par>
+                                <p:cTn id="19" presetID="16" presetClass="entr" presetSubtype="37" fill="hold" grpId="0" nodeType="afterEffect">
+                                  <p:stCondLst>
+                                    <p:cond delay="0"/>
+                                  </p:stCondLst>
+                                  <p:childTnLst>
+                                    <p:set>
+                                      <p:cBhvr>
+                                        <p:cTn id="20" dur="1" fill="hold">
+                                          <p:stCondLst>
+                                            <p:cond delay="0"/>
+                                          </p:stCondLst>
+                                        </p:cTn>
+                                        <p:tgtEl>
+                                          <p:spTgt spid="15"/>
+                                        </p:tgtEl>
+                                        <p:attrNameLst>
+                                          <p:attrName>style.visibility</p:attrName>
+                                        </p:attrNameLst>
+                                      </p:cBhvr>
+                                      <p:to>
+                                        <p:strVal val="visible"/>
+                                      </p:to>
+                                    </p:set>
+                                    <p:animEffect transition="in" filter="barn(outVertical)">
+                                      <p:cBhvr>
+                                        <p:cTn id="21" dur="500"/>
+                                        <p:tgtEl>
+                                          <p:spTgt spid="15"/>
+                                        </p:tgtEl>
+                                      </p:cBhvr>
+                                    </p:animEffect>
+                                  </p:childTnLst>
+                                </p:cTn>
+                              </p:par>
+                            </p:childTnLst>
+                          </p:cTn>
+                        </p:par>
+                        <p:par>
+                          <p:cTn id="22" fill="hold">
+                            <p:stCondLst>
+                              <p:cond delay="2000"/>
+                            </p:stCondLst>
+                            <p:childTnLst>
+                              <p:par>
+                                <p:cTn id="23" presetID="1" presetClass="entr" presetSubtype="0" fill="hold" grpId="0" nodeType="afterEffect">
+                                  <p:stCondLst>
+                                    <p:cond delay="0"/>
+                                  </p:stCondLst>
+                                  <p:childTnLst>
+                                    <p:set>
+                                      <p:cBhvr>
+                                        <p:cTn id="24" dur="1" fill="hold">
+                                          <p:stCondLst>
+                                            <p:cond delay="0"/>
+                                          </p:stCondLst>
+                                        </p:cTn>
+                                        <p:tgtEl>
+                                          <p:spTgt spid="22"/>
+                                        </p:tgtEl>
+                                        <p:attrNameLst>
+                                          <p:attrName>style.visibility</p:attrName>
+                                        </p:attrNameLst>
+                                      </p:cBhvr>
+                                      <p:to>
+                                        <p:strVal val="visible"/>
+                                      </p:to>
+                                    </p:set>
+                                  </p:childTnLst>
+                                </p:cTn>
+                              </p:par>
+                            </p:childTnLst>
+                          </p:cTn>
+                        </p:par>
+                        <p:par>
+                          <p:cTn id="25" fill="hold">
+                            <p:stCondLst>
+                              <p:cond delay="2000"/>
+                            </p:stCondLst>
+                            <p:childTnLst>
+                              <p:par>
+                                <p:cTn id="26" presetID="1" presetClass="entr" presetSubtype="0" fill="hold" grpId="0" nodeType="afterEffect">
+                                  <p:stCondLst>
+                                    <p:cond delay="0"/>
+                                  </p:stCondLst>
+                                  <p:childTnLst>
+                                    <p:set>
+                                      <p:cBhvr>
+                                        <p:cTn id="27" dur="1" fill="hold">
+                                          <p:stCondLst>
+                                            <p:cond delay="0"/>
+                                          </p:stCondLst>
+                                        </p:cTn>
+                                        <p:tgtEl>
+                                          <p:spTgt spid="27"/>
+                                        </p:tgtEl>
+                                        <p:attrNameLst>
+                                          <p:attrName>style.visibility</p:attrName>
+                                        </p:attrNameLst>
+                                      </p:cBhvr>
+                                      <p:to>
+                                        <p:strVal val="visible"/>
+                                      </p:to>
+                                    </p:set>
+                                  </p:childTnLst>
+                                </p:cTn>
+                              </p:par>
+                            </p:childTnLst>
+                          </p:cTn>
+                        </p:par>
+                        <p:par>
+                          <p:cTn id="28" fill="hold">
+                            <p:stCondLst>
+                              <p:cond delay="2000"/>
+                            </p:stCondLst>
+                            <p:childTnLst>
+                              <p:par>
+                                <p:cTn id="29" presetID="1" presetClass="entr" presetSubtype="0" fill="hold" grpId="0" nodeType="afterEffect">
+                                  <p:stCondLst>
+                                    <p:cond delay="0"/>
+                                  </p:stCondLst>
+                                  <p:childTnLst>
+                                    <p:set>
+                                      <p:cBhvr>
+                                        <p:cTn id="30" dur="1" fill="hold">
+                                          <p:stCondLst>
+                                            <p:cond delay="0"/>
+                                          </p:stCondLst>
+                                        </p:cTn>
+                                        <p:tgtEl>
+                                          <p:spTgt spid="41"/>
+                                        </p:tgtEl>
+                                        <p:attrNameLst>
+                                          <p:attrName>style.visibility</p:attrName>
+                                        </p:attrNameLst>
+                                      </p:cBhvr>
+                                      <p:to>
+                                        <p:strVal val="visible"/>
+                                      </p:to>
+                                    </p:set>
+                                  </p:childTnLst>
+                                </p:cTn>
+                              </p:par>
+                            </p:childTnLst>
+                          </p:cTn>
+                        </p:par>
+                        <p:par>
+                          <p:cTn id="31" fill="hold">
+                            <p:stCondLst>
+                              <p:cond delay="2000"/>
+                            </p:stCondLst>
+                            <p:childTnLst>
+                              <p:par>
+                                <p:cTn id="32" presetID="16" presetClass="entr" presetSubtype="37" fill="hold" grpId="0" nodeType="afterEffect">
+                                  <p:stCondLst>
+                                    <p:cond delay="0"/>
+                                  </p:stCondLst>
+                                  <p:childTnLst>
+                                    <p:set>
+                                      <p:cBhvr>
+                                        <p:cTn id="33" dur="1" fill="hold">
+                                          <p:stCondLst>
+                                            <p:cond delay="0"/>
+                                          </p:stCondLst>
+                                        </p:cTn>
+                                        <p:tgtEl>
+                                          <p:spTgt spid="13"/>
+                                        </p:tgtEl>
+                                        <p:attrNameLst>
+                                          <p:attrName>style.visibility</p:attrName>
+                                        </p:attrNameLst>
+                                      </p:cBhvr>
+                                      <p:to>
+                                        <p:strVal val="visible"/>
+                                      </p:to>
+                                    </p:set>
+                                    <p:animEffect transition="in" filter="barn(outVertical)">
+                                      <p:cBhvr>
+                                        <p:cTn id="34" dur="500"/>
+                                        <p:tgtEl>
+                                          <p:spTgt spid="13"/>
+                                        </p:tgtEl>
+                                      </p:cBhvr>
+                                    </p:animEffect>
+                                  </p:childTnLst>
+                                </p:cTn>
+                              </p:par>
+                            </p:childTnLst>
+                          </p:cTn>
+                        </p:par>
+                        <p:par>
+                          <p:cTn id="35" fill="hold">
+                            <p:stCondLst>
+                              <p:cond delay="2500"/>
+                            </p:stCondLst>
+                            <p:childTnLst>
+                              <p:par>
+                                <p:cTn id="36" presetID="1" presetClass="entr" presetSubtype="0" fill="hold" grpId="0" nodeType="afterEffect">
+                                  <p:stCondLst>
+                                    <p:cond delay="0"/>
+                                  </p:stCondLst>
+                                  <p:childTnLst>
+                                    <p:set>
+                                      <p:cBhvr>
+                                        <p:cTn id="37" dur="1" fill="hold">
+                                          <p:stCondLst>
+                                            <p:cond delay="0"/>
+                                          </p:stCondLst>
+                                        </p:cTn>
+                                        <p:tgtEl>
+                                          <p:spTgt spid="20"/>
+                                        </p:tgtEl>
+                                        <p:attrNameLst>
+                                          <p:attrName>style.visibility</p:attrName>
+                                        </p:attrNameLst>
+                                      </p:cBhvr>
+                                      <p:to>
+                                        <p:strVal val="visible"/>
+                                      </p:to>
+                                    </p:set>
+                                  </p:childTnLst>
+                                </p:cTn>
+                              </p:par>
+                            </p:childTnLst>
+                          </p:cTn>
+                        </p:par>
+                        <p:par>
+                          <p:cTn id="38" fill="hold">
+                            <p:stCondLst>
+                              <p:cond delay="2500"/>
+                            </p:stCondLst>
+                            <p:childTnLst>
+                              <p:par>
+                                <p:cTn id="39" presetID="1" presetClass="entr" presetSubtype="0" fill="hold" grpId="0" nodeType="afterEffect">
+                                  <p:stCondLst>
+                                    <p:cond delay="0"/>
+                                  </p:stCondLst>
+                                  <p:childTnLst>
+                                    <p:set>
+                                      <p:cBhvr>
+                                        <p:cTn id="40" dur="1" fill="hold">
+                                          <p:stCondLst>
+                                            <p:cond delay="0"/>
+                                          </p:stCondLst>
+                                        </p:cTn>
+                                        <p:tgtEl>
+                                          <p:spTgt spid="36"/>
+                                        </p:tgtEl>
+                                        <p:attrNameLst>
+                                          <p:attrName>style.visibility</p:attrName>
+                                        </p:attrNameLst>
+                                      </p:cBhvr>
+                                      <p:to>
+                                        <p:strVal val="visible"/>
+                                      </p:to>
+                                    </p:set>
+                                  </p:childTnLst>
+                                </p:cTn>
+                              </p:par>
+                            </p:childTnLst>
+                          </p:cTn>
+                        </p:par>
+                        <p:par>
+                          <p:cTn id="41" fill="hold">
+                            <p:stCondLst>
+                              <p:cond delay="2500"/>
+                            </p:stCondLst>
+                            <p:childTnLst>
+                              <p:par>
+                                <p:cTn id="42" presetID="1" presetClass="entr" presetSubtype="0" fill="hold" grpId="0" nodeType="afterEffect">
+                                  <p:stCondLst>
+                                    <p:cond delay="0"/>
+                                  </p:stCondLst>
+                                  <p:childTnLst>
+                                    <p:set>
+                                      <p:cBhvr>
+                                        <p:cTn id="43" dur="1" fill="hold">
+                                          <p:stCondLst>
+                                            <p:cond delay="0"/>
+                                          </p:stCondLst>
+                                        </p:cTn>
+                                        <p:tgtEl>
+                                          <p:spTgt spid="44"/>
+                                        </p:tgtEl>
+                                        <p:attrNameLst>
+                                          <p:attrName>style.visibility</p:attrName>
+                                        </p:attrNameLst>
+                                      </p:cBhvr>
+                                      <p:to>
+                                        <p:strVal val="visible"/>
+                                      </p:to>
+                                    </p:set>
+                                  </p:childTnLst>
+                                </p:cTn>
+                              </p:par>
+                            </p:childTnLst>
+                          </p:cTn>
+                        </p:par>
+                        <p:par>
+                          <p:cTn id="44" fill="hold">
+                            <p:stCondLst>
+                              <p:cond delay="2500"/>
+                            </p:stCondLst>
+                            <p:childTnLst>
+                              <p:par>
+                                <p:cTn id="45" presetID="16" presetClass="entr" presetSubtype="37" fill="hold" grpId="0" nodeType="afterEffect">
+                                  <p:stCondLst>
+                                    <p:cond delay="0"/>
+                                  </p:stCondLst>
+                                  <p:childTnLst>
+                                    <p:set>
+                                      <p:cBhvr>
+                                        <p:cTn id="46" dur="1" fill="hold">
+                                          <p:stCondLst>
+                                            <p:cond delay="0"/>
+                                          </p:stCondLst>
+                                        </p:cTn>
+                                        <p:tgtEl>
+                                          <p:spTgt spid="14"/>
+                                        </p:tgtEl>
+                                        <p:attrNameLst>
+                                          <p:attrName>style.visibility</p:attrName>
+                                        </p:attrNameLst>
+                                      </p:cBhvr>
+                                      <p:to>
+                                        <p:strVal val="visible"/>
+                                      </p:to>
+                                    </p:set>
+                                    <p:animEffect transition="in" filter="barn(outVertical)">
+                                      <p:cBhvr>
+                                        <p:cTn id="47" dur="500"/>
+                                        <p:tgtEl>
+                                          <p:spTgt spid="14"/>
+                                        </p:tgtEl>
+                                      </p:cBhvr>
+                                    </p:animEffect>
+                                  </p:childTnLst>
+                                </p:cTn>
+                              </p:par>
+                            </p:childTnLst>
+                          </p:cTn>
+                        </p:par>
+                        <p:par>
+                          <p:cTn id="48" fill="hold">
+                            <p:stCondLst>
+                              <p:cond delay="3000"/>
+                            </p:stCondLst>
+                            <p:childTnLst>
+                              <p:par>
+                                <p:cTn id="49" presetID="1" presetClass="entr" presetSubtype="0" fill="hold" grpId="0" nodeType="afterEffect">
+                                  <p:stCondLst>
+                                    <p:cond delay="0"/>
+                                  </p:stCondLst>
+                                  <p:childTnLst>
+                                    <p:set>
+                                      <p:cBhvr>
+                                        <p:cTn id="50" dur="1" fill="hold">
+                                          <p:stCondLst>
+                                            <p:cond delay="0"/>
+                                          </p:stCondLst>
+                                        </p:cTn>
+                                        <p:tgtEl>
+                                          <p:spTgt spid="21"/>
+                                        </p:tgtEl>
+                                        <p:attrNameLst>
+                                          <p:attrName>style.visibility</p:attrName>
+                                        </p:attrNameLst>
+                                      </p:cBhvr>
+                                      <p:to>
+                                        <p:strVal val="visible"/>
+                                      </p:to>
+                                    </p:set>
+                                  </p:childTnLst>
+                                </p:cTn>
+                              </p:par>
+                            </p:childTnLst>
+                          </p:cTn>
+                        </p:par>
+                        <p:par>
+                          <p:cTn id="51" fill="hold">
+                            <p:stCondLst>
+                              <p:cond delay="3000"/>
+                            </p:stCondLst>
+                            <p:childTnLst>
+                              <p:par>
+                                <p:cTn id="52" presetID="1" presetClass="entr" presetSubtype="0" fill="hold" grpId="0" nodeType="afterEffect">
+                                  <p:stCondLst>
+                                    <p:cond delay="0"/>
+                                  </p:stCondLst>
+                                  <p:childTnLst>
+                                    <p:set>
+                                      <p:cBhvr>
+                                        <p:cTn id="53" dur="1" fill="hold">
+                                          <p:stCondLst>
+                                            <p:cond delay="0"/>
+                                          </p:stCondLst>
+                                        </p:cTn>
+                                        <p:tgtEl>
+                                          <p:spTgt spid="37"/>
+                                        </p:tgtEl>
+                                        <p:attrNameLst>
+                                          <p:attrName>style.visibility</p:attrName>
+                                        </p:attrNameLst>
+                                      </p:cBhvr>
+                                      <p:to>
+                                        <p:strVal val="visible"/>
+                                      </p:to>
+                                    </p:set>
+                                  </p:childTnLst>
+                                </p:cTn>
+                              </p:par>
+                            </p:childTnLst>
+                          </p:cTn>
+                        </p:par>
+                        <p:par>
+                          <p:cTn id="54" fill="hold">
+                            <p:stCondLst>
+                              <p:cond delay="3000"/>
+                            </p:stCondLst>
+                            <p:childTnLst>
+                              <p:par>
+                                <p:cTn id="55" presetID="1" presetClass="entr" presetSubtype="0" fill="hold" grpId="0" nodeType="afterEffect">
+                                  <p:stCondLst>
+                                    <p:cond delay="0"/>
+                                  </p:stCondLst>
+                                  <p:childTnLst>
+                                    <p:set>
+                                      <p:cBhvr>
+                                        <p:cTn id="56" dur="1" fill="hold">
+                                          <p:stCondLst>
+                                            <p:cond delay="0"/>
+                                          </p:stCondLst>
+                                        </p:cTn>
+                                        <p:tgtEl>
+                                          <p:spTgt spid="47"/>
+                                        </p:tgtEl>
+                                        <p:attrNameLst>
+                                          <p:attrName>style.visibility</p:attrName>
+                                        </p:attrNameLst>
+                                      </p:cBhvr>
+                                      <p:to>
+                                        <p:strVal val="visible"/>
+                                      </p:to>
+                                    </p:set>
+                                  </p:childTnLst>
+                                </p:cTn>
+                              </p:par>
+                            </p:childTnLst>
+                          </p:cTn>
+                        </p:par>
+                        <p:par>
+                          <p:cTn id="57" fill="hold">
+                            <p:stCondLst>
+                              <p:cond delay="3000"/>
+                            </p:stCondLst>
+                            <p:childTnLst>
+                              <p:par>
+                                <p:cTn id="58" presetID="16" presetClass="entr" presetSubtype="37" fill="hold" grpId="0" nodeType="afterEffect">
+                                  <p:stCondLst>
+                                    <p:cond delay="0"/>
+                                  </p:stCondLst>
+                                  <p:childTnLst>
+                                    <p:set>
+                                      <p:cBhvr>
+                                        <p:cTn id="59" dur="1" fill="hold">
+                                          <p:stCondLst>
+                                            <p:cond delay="0"/>
+                                          </p:stCondLst>
+                                        </p:cTn>
+                                        <p:tgtEl>
+                                          <p:spTgt spid="16"/>
+                                        </p:tgtEl>
+                                        <p:attrNameLst>
+                                          <p:attrName>style.visibility</p:attrName>
+                                        </p:attrNameLst>
+                                      </p:cBhvr>
+                                      <p:to>
+                                        <p:strVal val="visible"/>
+                                      </p:to>
+                                    </p:set>
+                                    <p:animEffect transition="in" filter="barn(outVertical)">
+                                      <p:cBhvr>
+                                        <p:cTn id="60" dur="500"/>
+                                        <p:tgtEl>
+                                          <p:spTgt spid="16"/>
+                                        </p:tgtEl>
+                                      </p:cBhvr>
+                                    </p:animEffect>
+                                  </p:childTnLst>
+                                </p:cTn>
+                              </p:par>
+                            </p:childTnLst>
+                          </p:cTn>
+                        </p:par>
+                        <p:par>
+                          <p:cTn id="61" fill="hold">
+                            <p:stCondLst>
+                              <p:cond delay="3500"/>
+                            </p:stCondLst>
+                            <p:childTnLst>
+                              <p:par>
+                                <p:cTn id="62" presetID="1" presetClass="entr" presetSubtype="0" fill="hold" grpId="0" nodeType="afterEffect">
+                                  <p:stCondLst>
+                                    <p:cond delay="0"/>
+                                  </p:stCondLst>
+                                  <p:childTnLst>
+                                    <p:set>
+                                      <p:cBhvr>
+                                        <p:cTn id="63" dur="1" fill="hold">
+                                          <p:stCondLst>
+                                            <p:cond delay="0"/>
+                                          </p:stCondLst>
+                                        </p:cTn>
+                                        <p:tgtEl>
+                                          <p:spTgt spid="23"/>
+                                        </p:tgtEl>
+                                        <p:attrNameLst>
+                                          <p:attrName>style.visibility</p:attrName>
+                                        </p:attrNameLst>
+                                      </p:cBhvr>
+                                      <p:to>
+                                        <p:strVal val="visible"/>
+                                      </p:to>
+                                    </p:set>
+                                  </p:childTnLst>
+                                </p:cTn>
+                              </p:par>
+                            </p:childTnLst>
+                          </p:cTn>
+                        </p:par>
+                        <p:par>
+                          <p:cTn id="64" fill="hold">
+                            <p:stCondLst>
+                              <p:cond delay="3500"/>
+                            </p:stCondLst>
+                            <p:childTnLst>
+                              <p:par>
+                                <p:cTn id="65" presetID="1" presetClass="entr" presetSubtype="0" fill="hold" grpId="0" nodeType="afterEffect">
+                                  <p:stCondLst>
+                                    <p:cond delay="0"/>
+                                  </p:stCondLst>
+                                  <p:childTnLst>
+                                    <p:set>
+                                      <p:cBhvr>
+                                        <p:cTn id="66" dur="1" fill="hold">
+                                          <p:stCondLst>
+                                            <p:cond delay="0"/>
+                                          </p:stCondLst>
+                                        </p:cTn>
+                                        <p:tgtEl>
+                                          <p:spTgt spid="38"/>
+                                        </p:tgtEl>
+                                        <p:attrNameLst>
+                                          <p:attrName>style.visibility</p:attrName>
+                                        </p:attrNameLst>
+                                      </p:cBhvr>
+                                      <p:to>
+                                        <p:strVal val="visible"/>
+                                      </p:to>
+                                    </p:set>
+                                  </p:childTnLst>
+                                </p:cTn>
+                              </p:par>
+                            </p:childTnLst>
+                          </p:cTn>
+                        </p:par>
+                        <p:par>
+                          <p:cTn id="67" fill="hold">
+                            <p:stCondLst>
+                              <p:cond delay="3500"/>
+                            </p:stCondLst>
+                            <p:childTnLst>
+                              <p:par>
+                                <p:cTn id="68" presetID="1" presetClass="entr" presetSubtype="0" fill="hold" grpId="0" nodeType="afterEffect">
+                                  <p:stCondLst>
+                                    <p:cond delay="0"/>
+                                  </p:stCondLst>
+                                  <p:childTnLst>
+                                    <p:set>
+                                      <p:cBhvr>
+                                        <p:cTn id="69" dur="1" fill="hold">
+                                          <p:stCondLst>
+                                            <p:cond delay="0"/>
+                                          </p:stCondLst>
+                                        </p:cTn>
+                                        <p:tgtEl>
+                                          <p:spTgt spid="46"/>
+                                        </p:tgtEl>
+                                        <p:attrNameLst>
+                                          <p:attrName>style.visibility</p:attrName>
+                                        </p:attrNameLst>
+                                      </p:cBhvr>
+                                      <p:to>
+                                        <p:strVal val="visible"/>
+                                      </p:to>
+                                    </p:set>
+                                  </p:childTnLst>
+                                </p:cTn>
+                              </p:par>
+                            </p:childTnLst>
+                          </p:cTn>
+                        </p:par>
+                        <p:par>
+                          <p:cTn id="70" fill="hold">
+                            <p:stCondLst>
+                              <p:cond delay="3500"/>
+                            </p:stCondLst>
+                            <p:childTnLst>
+                              <p:par>
+                                <p:cTn id="71" presetID="16" presetClass="entr" presetSubtype="37" fill="hold" grpId="0" nodeType="afterEffect">
+                                  <p:stCondLst>
+                                    <p:cond delay="0"/>
+                                  </p:stCondLst>
+                                  <p:childTnLst>
+                                    <p:set>
+                                      <p:cBhvr>
+                                        <p:cTn id="72" dur="1" fill="hold">
+                                          <p:stCondLst>
+                                            <p:cond delay="0"/>
+                                          </p:stCondLst>
+                                        </p:cTn>
+                                        <p:tgtEl>
+                                          <p:spTgt spid="17"/>
+                                        </p:tgtEl>
+                                        <p:attrNameLst>
+                                          <p:attrName>style.visibility</p:attrName>
+                                        </p:attrNameLst>
+                                      </p:cBhvr>
+                                      <p:to>
+                                        <p:strVal val="visible"/>
+                                      </p:to>
+                                    </p:set>
+                                    <p:animEffect transition="in" filter="barn(outVertical)">
+                                      <p:cBhvr>
+                                        <p:cTn id="73" dur="500"/>
+                                        <p:tgtEl>
+                                          <p:spTgt spid="17"/>
+                                        </p:tgtEl>
+                                      </p:cBhvr>
+                                    </p:animEffect>
+                                  </p:childTnLst>
+                                </p:cTn>
+                              </p:par>
+                            </p:childTnLst>
+                          </p:cTn>
+                        </p:par>
+                        <p:par>
+                          <p:cTn id="74" fill="hold">
+                            <p:stCondLst>
+                              <p:cond delay="4000"/>
+                            </p:stCondLst>
+                            <p:childTnLst>
+                              <p:par>
+                                <p:cTn id="75" presetID="1" presetClass="entr" presetSubtype="0" fill="hold" grpId="0" nodeType="afterEffect">
+                                  <p:stCondLst>
+                                    <p:cond delay="0"/>
+                                  </p:stCondLst>
+                                  <p:childTnLst>
+                                    <p:set>
+                                      <p:cBhvr>
+                                        <p:cTn id="76" dur="1" fill="hold">
+                                          <p:stCondLst>
+                                            <p:cond delay="0"/>
+                                          </p:stCondLst>
+                                        </p:cTn>
+                                        <p:tgtEl>
+                                          <p:spTgt spid="24"/>
+                                        </p:tgtEl>
+                                        <p:attrNameLst>
+                                          <p:attrName>style.visibility</p:attrName>
+                                        </p:attrNameLst>
+                                      </p:cBhvr>
+                                      <p:to>
+                                        <p:strVal val="visible"/>
+                                      </p:to>
+                                    </p:set>
+                                  </p:childTnLst>
+                                </p:cTn>
+                              </p:par>
+                            </p:childTnLst>
+                          </p:cTn>
+                        </p:par>
+                        <p:par>
+                          <p:cTn id="77" fill="hold">
+                            <p:stCondLst>
+                              <p:cond delay="4000"/>
+                            </p:stCondLst>
+                            <p:childTnLst>
+                              <p:par>
+                                <p:cTn id="78" presetID="1" presetClass="entr" presetSubtype="0" fill="hold" grpId="0" nodeType="afterEffect">
+                                  <p:stCondLst>
+                                    <p:cond delay="0"/>
+                                  </p:stCondLst>
+                                  <p:childTnLst>
+                                    <p:set>
+                                      <p:cBhvr>
+                                        <p:cTn id="79" dur="1" fill="hold">
+                                          <p:stCondLst>
+                                            <p:cond delay="0"/>
+                                          </p:stCondLst>
+                                        </p:cTn>
+                                        <p:tgtEl>
+                                          <p:spTgt spid="39"/>
+                                        </p:tgtEl>
+                                        <p:attrNameLst>
+                                          <p:attrName>style.visibility</p:attrName>
+                                        </p:attrNameLst>
+                                      </p:cBhvr>
+                                      <p:to>
+                                        <p:strVal val="visible"/>
+                                      </p:to>
+                                    </p:set>
+                                  </p:childTnLst>
+                                </p:cTn>
+                              </p:par>
+                            </p:childTnLst>
+                          </p:cTn>
+                        </p:par>
+                        <p:par>
+                          <p:cTn id="80" fill="hold">
+                            <p:stCondLst>
+                              <p:cond delay="4000"/>
+                            </p:stCondLst>
+                            <p:childTnLst>
+                              <p:par>
+                                <p:cTn id="81" presetID="1" presetClass="entr" presetSubtype="0" fill="hold" grpId="0" nodeType="afterEffect">
+                                  <p:stCondLst>
+                                    <p:cond delay="0"/>
+                                  </p:stCondLst>
+                                  <p:childTnLst>
+                                    <p:set>
+                                      <p:cBhvr>
+                                        <p:cTn id="82" dur="1" fill="hold">
+                                          <p:stCondLst>
+                                            <p:cond delay="0"/>
+                                          </p:stCondLst>
+                                        </p:cTn>
+                                        <p:tgtEl>
+                                          <p:spTgt spid="45"/>
+                                        </p:tgtEl>
+                                        <p:attrNameLst>
+                                          <p:attrName>style.visibility</p:attrName>
+                                        </p:attrNameLst>
+                                      </p:cBhvr>
+                                      <p:to>
+                                        <p:strVal val="visible"/>
+                                      </p:to>
+                                    </p:set>
+                                  </p:childTnLst>
+                                </p:cTn>
+                              </p:par>
+                            </p:childTnLst>
+                          </p:cTn>
+                        </p:par>
+                        <p:par>
+                          <p:cTn id="83" fill="hold">
+                            <p:stCondLst>
+                              <p:cond delay="4000"/>
+                            </p:stCondLst>
+                            <p:childTnLst>
+                              <p:par>
+                                <p:cTn id="84" presetID="53" presetClass="entr" presetSubtype="16" fill="hold" grpId="0" nodeType="afterEffect">
+                                  <p:stCondLst>
+                                    <p:cond delay="0"/>
+                                  </p:stCondLst>
+                                  <p:childTnLst>
+                                    <p:set>
+                                      <p:cBhvr>
+                                        <p:cTn id="85" dur="1" fill="hold">
+                                          <p:stCondLst>
+                                            <p:cond delay="0"/>
+                                          </p:stCondLst>
+                                        </p:cTn>
+                                        <p:tgtEl>
+                                          <p:spTgt spid="49"/>
+                                        </p:tgtEl>
+                                        <p:attrNameLst>
+                                          <p:attrName>style.visibility</p:attrName>
+                                        </p:attrNameLst>
+                                      </p:cBhvr>
+                                      <p:to>
+                                        <p:strVal val="visible"/>
+                                      </p:to>
+                                    </p:set>
+                                    <p:anim calcmode="lin" valueType="num">
+                                      <p:cBhvr>
+                                        <p:cTn id="86" dur="500" fill="hold"/>
+                                        <p:tgtEl>
+                                          <p:spTgt spid="49"/>
+                                        </p:tgtEl>
+                                        <p:attrNameLst>
+                                          <p:attrName>ppt_w</p:attrName>
+                                        </p:attrNameLst>
+                                      </p:cBhvr>
+                                      <p:tavLst>
+                                        <p:tav tm="0">
+                                          <p:val>
+                                            <p:fltVal val="0"/>
+                                          </p:val>
+                                        </p:tav>
+                                        <p:tav tm="100000">
+                                          <p:val>
+                                            <p:strVal val="#ppt_w"/>
+                                          </p:val>
+                                        </p:tav>
+                                      </p:tavLst>
+                                    </p:anim>
+                                    <p:anim calcmode="lin" valueType="num">
+                                      <p:cBhvr>
+                                        <p:cTn id="87" dur="500" fill="hold"/>
+                                        <p:tgtEl>
+                                          <p:spTgt spid="49"/>
+                                        </p:tgtEl>
+                                        <p:attrNameLst>
+                                          <p:attrName>ppt_h</p:attrName>
+                                        </p:attrNameLst>
+                                      </p:cBhvr>
+                                      <p:tavLst>
+                                        <p:tav tm="0">
+                                          <p:val>
+                                            <p:fltVal val="0"/>
+                                          </p:val>
+                                        </p:tav>
+                                        <p:tav tm="100000">
+                                          <p:val>
+                                            <p:strVal val="#ppt_h"/>
+                                          </p:val>
+                                        </p:tav>
+                                      </p:tavLst>
+                                    </p:anim>
+                                    <p:animEffect transition="in" filter="fade">
+                                      <p:cBhvr>
+                                        <p:cTn id="88" dur="500"/>
+                                        <p:tgtEl>
+                                          <p:spTgt spid="49"/>
+                                        </p:tgtEl>
+                                      </p:cBhvr>
+                                    </p:animEffect>
+                                  </p:childTnLst>
+                                </p:cTn>
+                              </p:par>
+                            </p:childTnLst>
+                          </p:cTn>
+                        </p:par>
+                      </p:childTnLst>
+                    </p:cTn>
+                  </p:par>
+                </p:childTnLst>
+              </p:cTn>
+              <p:prevCondLst>
+                <p:cond evt="onPrev" delay="0">
+                  <p:tgtEl>
+                    <p:sldTgt/>
+                  </p:tgtEl>
+                </p:cond>
+              </p:prevCondLst>
+              <p:nextCondLst>
+                <p:cond evt="onNext" delay="0">
+                  <p:tgtEl>
+                    <p:sldTgt/>
+                  </p:tgtEl>
+                </p:cond>
+              </p:nextCondLst>
+            </p:seq>
+          </p:childTnLst>
+        </p:cTn>
+      </p:par>
+    </p:tnLst>
+    <p:bldLst>
+      <p:bldP spid="25" grpId="0" animBg="1"/>
+      <p:bldP spid="24" grpId="0" animBg="1"/>
+      <p:bldP spid="23" grpId="0" animBg="1"/>
+      <p:bldP spid="22" grpId="0" animBg="1"/>
+      <p:bldP spid="21" grpId="0" animBg="1"/>
+      <p:bldP spid="20" grpId="0" animBg="1"/>
+      <p:bldP spid="18" grpId="0" animBg="1"/>
+      <p:bldP spid="17" grpId="0" animBg="1"/>
+      <p:bldP spid="16" grpId="0" animBg="1"/>
+      <p:bldP spid="15" grpId="0" animBg="1"/>
+      <p:bldP spid="14" grpId="0" animBg="1"/>
+      <p:bldP spid="13" grpId="0" animBg="1"/>
+      <p:bldP spid="27" grpId="0"/>
+      <p:bldP spid="33" grpId="0"/>
+      <p:bldP spid="36" grpId="0"/>
+      <p:bldP spid="37" grpId="0"/>
+      <p:bldP spid="38" grpId="0"/>
+      <p:bldP spid="39" grpId="0"/>
+      <p:bldP spid="40" grpId="0"/>
+      <p:bldP spid="41" grpId="0"/>
+      <p:bldP spid="44" grpId="0"/>
+      <p:bldP spid="45" grpId="0"/>
+      <p:bldP spid="46" grpId="0"/>
+      <p:bldP spid="47" grpId="0"/>
+      <p:bldP spid="49" grpId="0"/>
+    </p:bldLst>
+  </p:timing>
 </p:sld>
 </file>
 
@@ -5729,7 +10390,7 @@
     </p:spTree>
     <p:extLst>
       <p:ext uri="{BB962C8B-B14F-4D97-AF65-F5344CB8AC3E}">
-        <p14:creationId xmlns:p14="http://schemas.microsoft.com/office/powerpoint/2010/main" val="3514482471"/>
+        <p14:creationId xmlns:p14="http://schemas.microsoft.com/office/powerpoint/2010/main" val="1595173345"/>
       </p:ext>
     </p:extLst>
   </p:cSld>
@@ -5740,6 +10401,66 @@
 </file>
 
 <file path=ppt/slides/slide6.xml><?xml version="1.0" encoding="utf-8"?>
+<p:sld xmlns:a="http://schemas.openxmlformats.org/drawingml/2006/main" xmlns:r="http://schemas.openxmlformats.org/officeDocument/2006/relationships" xmlns:p="http://schemas.openxmlformats.org/presentationml/2006/main">
+  <p:cSld>
+    <p:spTree>
+      <p:nvGrpSpPr>
+        <p:cNvPr id="1" name=""/>
+        <p:cNvGrpSpPr/>
+        <p:nvPr/>
+      </p:nvGrpSpPr>
+      <p:grpSpPr>
+        <a:xfrm>
+          <a:off x="0" y="0"/>
+          <a:ext cx="0" cy="0"/>
+          <a:chOff x="0" y="0"/>
+          <a:chExt cx="0" cy="0"/>
+        </a:xfrm>
+      </p:grpSpPr>
+    </p:spTree>
+    <p:extLst>
+      <p:ext uri="{BB962C8B-B14F-4D97-AF65-F5344CB8AC3E}">
+        <p14:creationId xmlns:p14="http://schemas.microsoft.com/office/powerpoint/2010/main" val="1423653254"/>
+      </p:ext>
+    </p:extLst>
+  </p:cSld>
+  <p:clrMapOvr>
+    <a:masterClrMapping/>
+  </p:clrMapOvr>
+</p:sld>
+</file>
+
+<file path=ppt/slides/slide7.xml><?xml version="1.0" encoding="utf-8"?>
+<p:sld xmlns:a="http://schemas.openxmlformats.org/drawingml/2006/main" xmlns:r="http://schemas.openxmlformats.org/officeDocument/2006/relationships" xmlns:p="http://schemas.openxmlformats.org/presentationml/2006/main">
+  <p:cSld>
+    <p:spTree>
+      <p:nvGrpSpPr>
+        <p:cNvPr id="1" name=""/>
+        <p:cNvGrpSpPr/>
+        <p:nvPr/>
+      </p:nvGrpSpPr>
+      <p:grpSpPr>
+        <a:xfrm>
+          <a:off x="0" y="0"/>
+          <a:ext cx="0" cy="0"/>
+          <a:chOff x="0" y="0"/>
+          <a:chExt cx="0" cy="0"/>
+        </a:xfrm>
+      </p:grpSpPr>
+    </p:spTree>
+    <p:extLst>
+      <p:ext uri="{BB962C8B-B14F-4D97-AF65-F5344CB8AC3E}">
+        <p14:creationId xmlns:p14="http://schemas.microsoft.com/office/powerpoint/2010/main" val="1509209975"/>
+      </p:ext>
+    </p:extLst>
+  </p:cSld>
+  <p:clrMapOvr>
+    <a:masterClrMapping/>
+  </p:clrMapOvr>
+</p:sld>
+</file>
+
+<file path=ppt/slides/slide8.xml><?xml version="1.0" encoding="utf-8"?>
 <p:sld xmlns:a="http://schemas.openxmlformats.org/drawingml/2006/main" xmlns:r="http://schemas.openxmlformats.org/officeDocument/2006/relationships" xmlns:p="http://schemas.openxmlformats.org/presentationml/2006/main">
   <p:cSld>
     <p:bg>
@@ -5996,112 +10717,6 @@
       </p:par>
     </p:tnLst>
   </p:timing>
-</p:sld>
-</file>
-
-<file path=ppt/slides/slide7.xml><?xml version="1.0" encoding="utf-8"?>
-<p:sld xmlns:a="http://schemas.openxmlformats.org/drawingml/2006/main" xmlns:r="http://schemas.openxmlformats.org/officeDocument/2006/relationships" xmlns:p="http://schemas.openxmlformats.org/presentationml/2006/main">
-  <p:cSld>
-    <p:spTree>
-      <p:nvGrpSpPr>
-        <p:cNvPr id="1" name=""/>
-        <p:cNvGrpSpPr/>
-        <p:nvPr/>
-      </p:nvGrpSpPr>
-      <p:grpSpPr>
-        <a:xfrm>
-          <a:off x="0" y="0"/>
-          <a:ext cx="0" cy="0"/>
-          <a:chOff x="0" y="0"/>
-          <a:chExt cx="0" cy="0"/>
-        </a:xfrm>
-      </p:grpSpPr>
-      <p:sp>
-        <p:nvSpPr>
-          <p:cNvPr id="3" name="Rectangle 2">
-            <a:extLst>
-              <a:ext uri="{FF2B5EF4-FFF2-40B4-BE49-F238E27FC236}">
-                <a16:creationId xmlns:a16="http://schemas.microsoft.com/office/drawing/2014/main" id="{FCB54696-127A-4448-9C15-C993B5245F59}"/>
-              </a:ext>
-            </a:extLst>
-          </p:cNvPr>
-          <p:cNvSpPr/>
-          <p:nvPr/>
-        </p:nvSpPr>
-        <p:spPr>
-          <a:xfrm>
-            <a:off x="5422232" y="0"/>
-            <a:ext cx="1909010" cy="6858000"/>
-          </a:xfrm>
-          <a:prstGeom prst="rect">
-            <a:avLst/>
-          </a:prstGeom>
-        </p:spPr>
-        <p:style>
-          <a:lnRef idx="2">
-            <a:schemeClr val="accent1">
-              <a:shade val="50000"/>
-            </a:schemeClr>
-          </a:lnRef>
-          <a:fillRef idx="1">
-            <a:schemeClr val="accent1"/>
-          </a:fillRef>
-          <a:effectRef idx="0">
-            <a:schemeClr val="accent1"/>
-          </a:effectRef>
-          <a:fontRef idx="minor">
-            <a:schemeClr val="lt1"/>
-          </a:fontRef>
-        </p:style>
-        <p:txBody>
-          <a:bodyPr rtlCol="0" anchor="ctr"/>
-          <a:lstStyle/>
-          <a:p>
-            <a:pPr algn="ctr"/>
-            <a:endParaRPr lang="fr-CA"/>
-          </a:p>
-        </p:txBody>
-      </p:sp>
-    </p:spTree>
-    <p:extLst>
-      <p:ext uri="{BB962C8B-B14F-4D97-AF65-F5344CB8AC3E}">
-        <p14:creationId xmlns:p14="http://schemas.microsoft.com/office/powerpoint/2010/main" val="1840405716"/>
-      </p:ext>
-    </p:extLst>
-  </p:cSld>
-  <p:clrMapOvr>
-    <a:masterClrMapping/>
-  </p:clrMapOvr>
-</p:sld>
-</file>
-
-<file path=ppt/slides/slide8.xml><?xml version="1.0" encoding="utf-8"?>
-<p:sld xmlns:a="http://schemas.openxmlformats.org/drawingml/2006/main" xmlns:r="http://schemas.openxmlformats.org/officeDocument/2006/relationships" xmlns:p="http://schemas.openxmlformats.org/presentationml/2006/main">
-  <p:cSld>
-    <p:spTree>
-      <p:nvGrpSpPr>
-        <p:cNvPr id="1" name=""/>
-        <p:cNvGrpSpPr/>
-        <p:nvPr/>
-      </p:nvGrpSpPr>
-      <p:grpSpPr>
-        <a:xfrm>
-          <a:off x="0" y="0"/>
-          <a:ext cx="0" cy="0"/>
-          <a:chOff x="0" y="0"/>
-          <a:chExt cx="0" cy="0"/>
-        </a:xfrm>
-      </p:grpSpPr>
-    </p:spTree>
-    <p:extLst>
-      <p:ext uri="{BB962C8B-B14F-4D97-AF65-F5344CB8AC3E}">
-        <p14:creationId xmlns:p14="http://schemas.microsoft.com/office/powerpoint/2010/main" val="2112807297"/>
-      </p:ext>
-    </p:extLst>
-  </p:cSld>
-  <p:clrMapOvr>
-    <a:masterClrMapping/>
-  </p:clrMapOvr>
 </p:sld>
 </file>
 
@@ -6398,4 +11013,299 @@
     </a:ext>
   </a:extLst>
 </a:theme>
+</file>
+
+<file path=ppt/theme/theme2.xml><?xml version="1.0" encoding="utf-8"?>
+<a:theme xmlns:a="http://schemas.openxmlformats.org/drawingml/2006/main" name="Office Theme">
+  <a:themeElements>
+    <a:clrScheme name="Office">
+      <a:dk1>
+        <a:sysClr val="windowText" lastClr="000000"/>
+      </a:dk1>
+      <a:lt1>
+        <a:sysClr val="window" lastClr="FFFFFF"/>
+      </a:lt1>
+      <a:dk2>
+        <a:srgbClr val="44546A"/>
+      </a:dk2>
+      <a:lt2>
+        <a:srgbClr val="E7E6E6"/>
+      </a:lt2>
+      <a:accent1>
+        <a:srgbClr val="4472C4"/>
+      </a:accent1>
+      <a:accent2>
+        <a:srgbClr val="ED7D31"/>
+      </a:accent2>
+      <a:accent3>
+        <a:srgbClr val="A5A5A5"/>
+      </a:accent3>
+      <a:accent4>
+        <a:srgbClr val="FFC000"/>
+      </a:accent4>
+      <a:accent5>
+        <a:srgbClr val="5B9BD5"/>
+      </a:accent5>
+      <a:accent6>
+        <a:srgbClr val="70AD47"/>
+      </a:accent6>
+      <a:hlink>
+        <a:srgbClr val="0563C1"/>
+      </a:hlink>
+      <a:folHlink>
+        <a:srgbClr val="954F72"/>
+      </a:folHlink>
+    </a:clrScheme>
+    <a:fontScheme name="Office">
+      <a:majorFont>
+        <a:latin typeface="Calibri Light" panose="020F0302020204030204"/>
+        <a:ea typeface=""/>
+        <a:cs typeface=""/>
+        <a:font script="Jpan" typeface="游ゴシック Light"/>
+        <a:font script="Hang" typeface="맑은 고딕"/>
+        <a:font script="Hans" typeface="等线 Light"/>
+        <a:font script="Hant" typeface="新細明體"/>
+        <a:font script="Arab" typeface="Times New Roman"/>
+        <a:font script="Hebr" typeface="Times New Roman"/>
+        <a:font script="Thai" typeface="Angsana New"/>
+        <a:font script="Ethi" typeface="Nyala"/>
+        <a:font script="Beng" typeface="Vrinda"/>
+        <a:font script="Gujr" typeface="Shruti"/>
+        <a:font script="Khmr" typeface="MoolBoran"/>
+        <a:font script="Knda" typeface="Tunga"/>
+        <a:font script="Guru" typeface="Raavi"/>
+        <a:font script="Cans" typeface="Euphemia"/>
+        <a:font script="Cher" typeface="Plantagenet Cherokee"/>
+        <a:font script="Yiii" typeface="Microsoft Yi Baiti"/>
+        <a:font script="Tibt" typeface="Microsoft Himalaya"/>
+        <a:font script="Thaa" typeface="MV Boli"/>
+        <a:font script="Deva" typeface="Mangal"/>
+        <a:font script="Telu" typeface="Gautami"/>
+        <a:font script="Taml" typeface="Latha"/>
+        <a:font script="Syrc" typeface="Estrangelo Edessa"/>
+        <a:font script="Orya" typeface="Kalinga"/>
+        <a:font script="Mlym" typeface="Kartika"/>
+        <a:font script="Laoo" typeface="DokChampa"/>
+        <a:font script="Sinh" typeface="Iskoola Pota"/>
+        <a:font script="Mong" typeface="Mongolian Baiti"/>
+        <a:font script="Viet" typeface="Times New Roman"/>
+        <a:font script="Uigh" typeface="Microsoft Uighur"/>
+        <a:font script="Geor" typeface="Sylfaen"/>
+        <a:font script="Armn" typeface="Arial"/>
+        <a:font script="Bugi" typeface="Leelawadee UI"/>
+        <a:font script="Bopo" typeface="Microsoft JhengHei"/>
+        <a:font script="Java" typeface="Javanese Text"/>
+        <a:font script="Lisu" typeface="Segoe UI"/>
+        <a:font script="Mymr" typeface="Myanmar Text"/>
+        <a:font script="Nkoo" typeface="Ebrima"/>
+        <a:font script="Olck" typeface="Nirmala UI"/>
+        <a:font script="Osma" typeface="Ebrima"/>
+        <a:font script="Phag" typeface="Phagspa"/>
+        <a:font script="Syrn" typeface="Estrangelo Edessa"/>
+        <a:font script="Syrj" typeface="Estrangelo Edessa"/>
+        <a:font script="Syre" typeface="Estrangelo Edessa"/>
+        <a:font script="Sora" typeface="Nirmala UI"/>
+        <a:font script="Tale" typeface="Microsoft Tai Le"/>
+        <a:font script="Talu" typeface="Microsoft New Tai Lue"/>
+        <a:font script="Tfng" typeface="Ebrima"/>
+      </a:majorFont>
+      <a:minorFont>
+        <a:latin typeface="Calibri" panose="020F0502020204030204"/>
+        <a:ea typeface=""/>
+        <a:cs typeface=""/>
+        <a:font script="Jpan" typeface="游ゴシック"/>
+        <a:font script="Hang" typeface="맑은 고딕"/>
+        <a:font script="Hans" typeface="等线"/>
+        <a:font script="Hant" typeface="新細明體"/>
+        <a:font script="Arab" typeface="Arial"/>
+        <a:font script="Hebr" typeface="Arial"/>
+        <a:font script="Thai" typeface="Cordia New"/>
+        <a:font script="Ethi" typeface="Nyala"/>
+        <a:font script="Beng" typeface="Vrinda"/>
+        <a:font script="Gujr" typeface="Shruti"/>
+        <a:font script="Khmr" typeface="DaunPenh"/>
+        <a:font script="Knda" typeface="Tunga"/>
+        <a:font script="Guru" typeface="Raavi"/>
+        <a:font script="Cans" typeface="Euphemia"/>
+        <a:font script="Cher" typeface="Plantagenet Cherokee"/>
+        <a:font script="Yiii" typeface="Microsoft Yi Baiti"/>
+        <a:font script="Tibt" typeface="Microsoft Himalaya"/>
+        <a:font script="Thaa" typeface="MV Boli"/>
+        <a:font script="Deva" typeface="Mangal"/>
+        <a:font script="Telu" typeface="Gautami"/>
+        <a:font script="Taml" typeface="Latha"/>
+        <a:font script="Syrc" typeface="Estrangelo Edessa"/>
+        <a:font script="Orya" typeface="Kalinga"/>
+        <a:font script="Mlym" typeface="Kartika"/>
+        <a:font script="Laoo" typeface="DokChampa"/>
+        <a:font script="Sinh" typeface="Iskoola Pota"/>
+        <a:font script="Mong" typeface="Mongolian Baiti"/>
+        <a:font script="Viet" typeface="Arial"/>
+        <a:font script="Uigh" typeface="Microsoft Uighur"/>
+        <a:font script="Geor" typeface="Sylfaen"/>
+        <a:font script="Armn" typeface="Arial"/>
+        <a:font script="Bugi" typeface="Leelawadee UI"/>
+        <a:font script="Bopo" typeface="Microsoft JhengHei"/>
+        <a:font script="Java" typeface="Javanese Text"/>
+        <a:font script="Lisu" typeface="Segoe UI"/>
+        <a:font script="Mymr" typeface="Myanmar Text"/>
+        <a:font script="Nkoo" typeface="Ebrima"/>
+        <a:font script="Olck" typeface="Nirmala UI"/>
+        <a:font script="Osma" typeface="Ebrima"/>
+        <a:font script="Phag" typeface="Phagspa"/>
+        <a:font script="Syrn" typeface="Estrangelo Edessa"/>
+        <a:font script="Syrj" typeface="Estrangelo Edessa"/>
+        <a:font script="Syre" typeface="Estrangelo Edessa"/>
+        <a:font script="Sora" typeface="Nirmala UI"/>
+        <a:font script="Tale" typeface="Microsoft Tai Le"/>
+        <a:font script="Talu" typeface="Microsoft New Tai Lue"/>
+        <a:font script="Tfng" typeface="Ebrima"/>
+      </a:minorFont>
+    </a:fontScheme>
+    <a:fmtScheme name="Office">
+      <a:fillStyleLst>
+        <a:solidFill>
+          <a:schemeClr val="phClr"/>
+        </a:solidFill>
+        <a:gradFill rotWithShape="1">
+          <a:gsLst>
+            <a:gs pos="0">
+              <a:schemeClr val="phClr">
+                <a:lumMod val="110000"/>
+                <a:satMod val="105000"/>
+                <a:tint val="67000"/>
+              </a:schemeClr>
+            </a:gs>
+            <a:gs pos="50000">
+              <a:schemeClr val="phClr">
+                <a:lumMod val="105000"/>
+                <a:satMod val="103000"/>
+                <a:tint val="73000"/>
+              </a:schemeClr>
+            </a:gs>
+            <a:gs pos="100000">
+              <a:schemeClr val="phClr">
+                <a:lumMod val="105000"/>
+                <a:satMod val="109000"/>
+                <a:tint val="81000"/>
+              </a:schemeClr>
+            </a:gs>
+          </a:gsLst>
+          <a:lin ang="5400000" scaled="0"/>
+        </a:gradFill>
+        <a:gradFill rotWithShape="1">
+          <a:gsLst>
+            <a:gs pos="0">
+              <a:schemeClr val="phClr">
+                <a:satMod val="103000"/>
+                <a:lumMod val="102000"/>
+                <a:tint val="94000"/>
+              </a:schemeClr>
+            </a:gs>
+            <a:gs pos="50000">
+              <a:schemeClr val="phClr">
+                <a:satMod val="110000"/>
+                <a:lumMod val="100000"/>
+                <a:shade val="100000"/>
+              </a:schemeClr>
+            </a:gs>
+            <a:gs pos="100000">
+              <a:schemeClr val="phClr">
+                <a:lumMod val="99000"/>
+                <a:satMod val="120000"/>
+                <a:shade val="78000"/>
+              </a:schemeClr>
+            </a:gs>
+          </a:gsLst>
+          <a:lin ang="5400000" scaled="0"/>
+        </a:gradFill>
+      </a:fillStyleLst>
+      <a:lnStyleLst>
+        <a:ln w="6350" cap="flat" cmpd="sng" algn="ctr">
+          <a:solidFill>
+            <a:schemeClr val="phClr"/>
+          </a:solidFill>
+          <a:prstDash val="solid"/>
+          <a:miter lim="800000"/>
+        </a:ln>
+        <a:ln w="12700" cap="flat" cmpd="sng" algn="ctr">
+          <a:solidFill>
+            <a:schemeClr val="phClr"/>
+          </a:solidFill>
+          <a:prstDash val="solid"/>
+          <a:miter lim="800000"/>
+        </a:ln>
+        <a:ln w="19050" cap="flat" cmpd="sng" algn="ctr">
+          <a:solidFill>
+            <a:schemeClr val="phClr"/>
+          </a:solidFill>
+          <a:prstDash val="solid"/>
+          <a:miter lim="800000"/>
+        </a:ln>
+      </a:lnStyleLst>
+      <a:effectStyleLst>
+        <a:effectStyle>
+          <a:effectLst/>
+        </a:effectStyle>
+        <a:effectStyle>
+          <a:effectLst/>
+        </a:effectStyle>
+        <a:effectStyle>
+          <a:effectLst>
+            <a:outerShdw blurRad="57150" dist="19050" dir="5400000" algn="ctr" rotWithShape="0">
+              <a:srgbClr val="000000">
+                <a:alpha val="63000"/>
+              </a:srgbClr>
+            </a:outerShdw>
+          </a:effectLst>
+        </a:effectStyle>
+      </a:effectStyleLst>
+      <a:bgFillStyleLst>
+        <a:solidFill>
+          <a:schemeClr val="phClr"/>
+        </a:solidFill>
+        <a:solidFill>
+          <a:schemeClr val="phClr">
+            <a:tint val="95000"/>
+            <a:satMod val="170000"/>
+          </a:schemeClr>
+        </a:solidFill>
+        <a:gradFill rotWithShape="1">
+          <a:gsLst>
+            <a:gs pos="0">
+              <a:schemeClr val="phClr">
+                <a:tint val="93000"/>
+                <a:satMod val="150000"/>
+                <a:shade val="98000"/>
+                <a:lumMod val="102000"/>
+              </a:schemeClr>
+            </a:gs>
+            <a:gs pos="50000">
+              <a:schemeClr val="phClr">
+                <a:tint val="98000"/>
+                <a:satMod val="130000"/>
+                <a:shade val="90000"/>
+                <a:lumMod val="103000"/>
+              </a:schemeClr>
+            </a:gs>
+            <a:gs pos="100000">
+              <a:schemeClr val="phClr">
+                <a:shade val="63000"/>
+                <a:satMod val="120000"/>
+              </a:schemeClr>
+            </a:gs>
+          </a:gsLst>
+          <a:lin ang="5400000" scaled="0"/>
+        </a:gradFill>
+      </a:bgFillStyleLst>
+    </a:fmtScheme>
+  </a:themeElements>
+  <a:objectDefaults/>
+  <a:extraClrSchemeLst/>
+  <a:extLst>
+    <a:ext uri="{05A4C25C-085E-4340-85A3-A5531E510DB2}">
+      <thm15:themeFamily xmlns:thm15="http://schemas.microsoft.com/office/thememl/2012/main" name="Office Theme" id="{62F939B6-93AF-4DB8-9C6B-D6C7DFDC589F}" vid="{4A3C46E8-61CC-4603-A589-7422A47A8E4A}"/>
+    </a:ext>
+  </a:extLst>
+</a:theme>
 </file>